--- a/Courses/Software-Sciences/IT-Module-4-Problem-Solving-with-ICT/03-Iterative-(Cyclical)-Models/03-Iterative-(Cyclical)-Models.pptx
+++ b/Courses/Software-Sciences/IT-Module-4-Problem-Solving-with-ICT/03-Iterative-(Cyclical)-Models/03-Iterative-(Cyclical)-Models.pptx
@@ -310,7 +310,7 @@
           <a:p>
             <a:fld id="{4E087215-0C8F-4762-A664-737A353EC9A4}" type="datetimeFigureOut">
               <a:rPr lang="bg-BG" smtClean="0"/>
-              <a:t>18.03.25 г.</a:t>
+              <a:t>27.03.25 г.</a:t>
             </a:fld>
             <a:endParaRPr lang="bg-BG"/>
           </a:p>
@@ -506,7 +506,7 @@
           <a:p>
             <a:fld id="{72D84649-876A-46C9-8472-14CB09C070D8}" type="datetimeFigureOut">
               <a:rPr lang="en-US" smtClean="0"/>
-              <a:t>3/18/25</a:t>
+              <a:t>3/27/25</a:t>
             </a:fld>
             <a:endParaRPr lang="en-US"/>
           </a:p>
@@ -12737,7 +12737,7 @@
                                         <p:tgtEl>
                                           <p:spTgt spid="3">
                                             <p:txEl>
-                                              <p:charRg st="89" end="101"/>
+                                              <p:pRg st="3" end="3"/>
                                             </p:txEl>
                                           </p:spTgt>
                                         </p:tgtEl>
@@ -12786,7 +12786,7 @@
                                         <p:tgtEl>
                                           <p:spTgt spid="3">
                                             <p:txEl>
-                                              <p:charRg st="101" end="118"/>
+                                              <p:pRg st="4" end="4"/>
                                             </p:txEl>
                                           </p:spTgt>
                                         </p:tgtEl>
@@ -12835,7 +12835,7 @@
                                         <p:tgtEl>
                                           <p:spTgt spid="3">
                                             <p:txEl>
-                                              <p:charRg st="118" end="123"/>
+                                              <p:pRg st="5" end="5"/>
                                             </p:txEl>
                                           </p:spTgt>
                                         </p:tgtEl>
@@ -16312,7 +16312,15 @@
             </a:r>
             <a:r>
               <a:rPr lang="bg-BG" dirty="0"/>
-              <a:t> модели - Примери</a:t>
+              <a:t> модели </a:t>
+            </a:r>
+            <a:r>
+              <a:rPr lang="en-GB" sz="4000" dirty="0"/>
+              <a:t>–</a:t>
+            </a:r>
+            <a:r>
+              <a:rPr lang="bg-BG" dirty="0"/>
+              <a:t> Примери</a:t>
             </a:r>
             <a:endParaRPr lang="en-US" dirty="0"/>
           </a:p>

--- a/Courses/Software-Sciences/IT-Module-4-Problem-Solving-with-ICT/03-Iterative-(Cyclical)-Models/03-Iterative-(Cyclical)-Models.pptx
+++ b/Courses/Software-Sciences/IT-Module-4-Problem-Solving-with-ICT/03-Iterative-(Cyclical)-Models/03-Iterative-(Cyclical)-Models.pptx
@@ -197,6 +197,12 @@
 </p:presentation>
 </file>
 
+<file path=ppt/authors.xml><?xml version="1.0" encoding="utf-8"?>
+<p188:authorLst xmlns:a="http://schemas.openxmlformats.org/drawingml/2006/main" xmlns:r="http://schemas.openxmlformats.org/officeDocument/2006/relationships" xmlns:p188="http://schemas.microsoft.com/office/powerpoint/2018/8/main">
+  <p188:author id="{CB4BF2F8-D32F-9387-A6CE-368ED6EFDCF0}" name="Zaraliev" initials="KZ" userId="S::Zaraliev@students.softuni.bg::e1c6524a-140e-4108-9ad5-216363431969" providerId="AD"/>
+</p188:authorLst>
+</file>
+
 <file path=ppt/commentAuthors.xml><?xml version="1.0" encoding="utf-8"?>
 <p:cmAuthorLst xmlns:a="http://schemas.openxmlformats.org/drawingml/2006/main" xmlns:r="http://schemas.openxmlformats.org/officeDocument/2006/relationships" xmlns:p="http://schemas.openxmlformats.org/presentationml/2006/main">
   <p:cmAuthor id="1" name="PC" initials="P" lastIdx="8" clrIdx="0">
@@ -214,6 +220,77 @@
     </p:extLst>
   </p:cmAuthor>
 </p:cmAuthorLst>
+</file>
+
+<file path=ppt/comments/modernComment_27C_3940D9C.xml><?xml version="1.0" encoding="utf-8"?>
+<p188:cmLst xmlns:a="http://schemas.openxmlformats.org/drawingml/2006/main" xmlns:r="http://schemas.openxmlformats.org/officeDocument/2006/relationships" xmlns:p188="http://schemas.microsoft.com/office/powerpoint/2018/8/main">
+  <p188:cm id="{CAD52461-0C9B-44D0-B953-44FCD31B0A75}" authorId="{CB4BF2F8-D32F-9387-A6CE-368ED6EFDCF0}" created="2025-05-05T11:13:34.013">
+    <ac:txMkLst xmlns:ac="http://schemas.microsoft.com/office/drawing/2013/main/command">
+      <pc:docMk xmlns:pc="http://schemas.microsoft.com/office/powerpoint/2013/main/command"/>
+      <pc:sldMk xmlns:pc="http://schemas.microsoft.com/office/powerpoint/2013/main/command" cId="60034460" sldId="636"/>
+      <ac:spMk id="7" creationId="{320B2856-CE5E-4934-BD1C-1D81E68E529A}"/>
+      <ac:txMk cp="13" len="7">
+        <ac:context len="327" hash="720024419"/>
+      </ac:txMk>
+    </ac:txMkLst>
+    <p188:pos x="4736600" y="288430"/>
+    <p188:txBody>
+      <a:bodyPr/>
+      <a:lstStyle/>
+      <a:p>
+        <a:r>
+          <a:rPr lang="en-GB"/>
+          <a:t>Да се обясни какво представлява sprint, backlog, потребителска история</a:t>
+        </a:r>
+      </a:p>
+    </p188:txBody>
+  </p188:cm>
+</p188:cmLst>
+</file>
+
+<file path=ppt/comments/modernComment_283_32A3B0A.xml><?xml version="1.0" encoding="utf-8"?>
+<p188:cmLst xmlns:a="http://schemas.openxmlformats.org/drawingml/2006/main" xmlns:r="http://schemas.openxmlformats.org/officeDocument/2006/relationships" xmlns:p188="http://schemas.microsoft.com/office/powerpoint/2018/8/main">
+  <p188:cm id="{7D6CA6BA-6975-47A0-B9CA-4FF20BEE8CE9}" authorId="{CB4BF2F8-D32F-9387-A6CE-368ED6EFDCF0}" created="2025-05-05T11:19:31.758">
+    <ac:deMkLst xmlns:ac="http://schemas.microsoft.com/office/drawing/2013/main/command">
+      <pc:docMk xmlns:pc="http://schemas.microsoft.com/office/powerpoint/2013/main/command"/>
+      <pc:sldMk xmlns:pc="http://schemas.microsoft.com/office/powerpoint/2013/main/command" cId="53099274" sldId="643"/>
+      <ac:picMk id="7" creationId="{56F471AB-97AE-8FA1-B72D-028D1CFF87CA}"/>
+    </ac:deMkLst>
+    <p188:txBody>
+      <a:bodyPr/>
+      <a:lstStyle/>
+      <a:p>
+        <a:r>
+          <a:rPr lang="en-GB"/>
+          <a:t>Ограничаване на задачите - краен срок (или нещо подобно)
+Роли в екипа - има, няма</a:t>
+        </a:r>
+      </a:p>
+    </p188:txBody>
+  </p188:cm>
+</p188:cmLst>
+</file>
+
+<file path=ppt/comments/modernComment_285_6C1C0653.xml><?xml version="1.0" encoding="utf-8"?>
+<p188:cmLst xmlns:a="http://schemas.openxmlformats.org/drawingml/2006/main" xmlns:r="http://schemas.openxmlformats.org/officeDocument/2006/relationships" xmlns:p188="http://schemas.microsoft.com/office/powerpoint/2018/8/main">
+  <p188:cm id="{2B848A26-6506-479E-95CA-776FC77962F8}" authorId="{CB4BF2F8-D32F-9387-A6CE-368ED6EFDCF0}" created="2025-05-05T11:17:51.090">
+    <ac:deMkLst xmlns:ac="http://schemas.microsoft.com/office/drawing/2013/main/command">
+      <pc:docMk xmlns:pc="http://schemas.microsoft.com/office/powerpoint/2013/main/command"/>
+      <pc:sldMk xmlns:pc="http://schemas.microsoft.com/office/powerpoint/2013/main/command" cId="1813775955" sldId="645"/>
+      <ac:picMk id="11" creationId="{277A5111-5A0B-B330-CB74-D40CF76A988D}"/>
+    </ac:deMkLst>
+    <p188:txBody>
+      <a:bodyPr/>
+      <a:lstStyle/>
+      <a:p>
+        <a:r>
+          <a:rPr lang="en-GB"/>
+          <a:t>Дейлита да стане на срещи в екипа (или нещо подобно)</a:t>
+        </a:r>
+      </a:p>
+    </p188:txBody>
+  </p188:cm>
+</p188:cmLst>
 </file>
 
 <file path=ppt/handoutMasters/handoutMaster1.xml><?xml version="1.0" encoding="utf-8"?>
@@ -310,7 +387,7 @@
           <a:p>
             <a:fld id="{4E087215-0C8F-4762-A664-737A353EC9A4}" type="datetimeFigureOut">
               <a:rPr lang="bg-BG" smtClean="0"/>
-              <a:t>27.03.25 г.</a:t>
+              <a:t>5.5.2025 г.</a:t>
             </a:fld>
             <a:endParaRPr lang="bg-BG"/>
           </a:p>
@@ -506,7 +583,7 @@
           <a:p>
             <a:fld id="{72D84649-876A-46C9-8472-14CB09C070D8}" type="datetimeFigureOut">
               <a:rPr lang="en-US" smtClean="0"/>
-              <a:t>3/27/25</a:t>
+              <a:t>5/5/2025</a:t>
             </a:fld>
             <a:endParaRPr lang="en-US"/>
           </a:p>
@@ -10876,7 +10953,7 @@
           <p:nvPr/>
         </p:nvPicPr>
         <p:blipFill rotWithShape="1">
-          <a:blip r:embed="rId2">
+          <a:blip r:embed="rId3">
             <a:extLst>
               <a:ext uri="{28A0092B-C50C-407E-A947-70E740481C1C}">
                 <a14:useLocalDpi xmlns:a14="http://schemas.microsoft.com/office/drawing/2010/main" val="0"/>
@@ -10914,6 +10991,11 @@
       <p:transition spd="slow" advClick="0" advTm="5000"/>
     </mc:Fallback>
   </mc:AlternateContent>
+  <p:extLst>
+    <p:ext uri="{6950BFC3-D8DA-4A85-94F7-54DA5524770B}">
+      <p188:commentRel xmlns:p188="http://schemas.microsoft.com/office/powerpoint/2018/8/main" r:id="rId2"/>
+    </p:ext>
+  </p:extLst>
 </p:sld>
 </file>
 
@@ -11008,7 +11090,7 @@
           <p:nvPr/>
         </p:nvPicPr>
         <p:blipFill>
-          <a:blip r:embed="rId2">
+          <a:blip r:embed="rId3">
             <a:extLst>
               <a:ext uri="{28A0092B-C50C-407E-A947-70E740481C1C}">
                 <a14:useLocalDpi xmlns:a14="http://schemas.microsoft.com/office/drawing/2010/main" val="0"/>
@@ -11047,6 +11129,11 @@
       <p:transition spd="slow" advClick="0" advTm="5000"/>
     </mc:Fallback>
   </mc:AlternateContent>
+  <p:extLst>
+    <p:ext uri="{6950BFC3-D8DA-4A85-94F7-54DA5524770B}">
+      <p188:commentRel xmlns:p188="http://schemas.microsoft.com/office/powerpoint/2018/8/main" r:id="rId2"/>
+    </p:ext>
+  </p:extLst>
 </p:sld>
 </file>
 
@@ -13075,7 +13162,7 @@
               <a:t>и задаваме </a:t>
             </a:r>
             <a:r>
-              <a:rPr lang="bg-BG" sz="3200" dirty="0">
+              <a:rPr lang="bg-BG" sz="3200" b="1" dirty="0">
                 <a:solidFill>
                   <a:schemeClr val="bg1"/>
                 </a:solidFill>
@@ -13150,8 +13237,8 @@
         </p:blipFill>
         <p:spPr>
           <a:xfrm>
-            <a:off x="89788" y="2875832"/>
-            <a:ext cx="12030656" cy="2340000"/>
+            <a:off x="190402" y="2946896"/>
+            <a:ext cx="11818096" cy="2298656"/>
           </a:xfrm>
           <a:prstGeom prst="rect">
             <a:avLst/>
@@ -17875,6 +17962,11 @@
       </p:par>
     </p:tnLst>
   </p:timing>
+  <p:extLst>
+    <p:ext uri="{6950BFC3-D8DA-4A85-94F7-54DA5524770B}">
+      <p188:commentRel xmlns:p188="http://schemas.microsoft.com/office/powerpoint/2018/8/main" r:id="rId3"/>
+    </p:ext>
+  </p:extLst>
 </p:sld>
 </file>
 

--- a/Courses/Software-Sciences/IT-Module-4-Problem-Solving-with-ICT/03-Iterative-(Cyclical)-Models/03-Iterative-(Cyclical)-Models.pptx
+++ b/Courses/Software-Sciences/IT-Module-4-Problem-Solving-with-ICT/03-Iterative-(Cyclical)-Models/03-Iterative-(Cyclical)-Models.pptx
@@ -5,10 +5,10 @@
     <p:sldMasterId id="2147483675" r:id="rId1"/>
   </p:sldMasterIdLst>
   <p:notesMasterIdLst>
-    <p:notesMasterId r:id="rId23"/>
+    <p:notesMasterId r:id="rId24"/>
   </p:notesMasterIdLst>
   <p:handoutMasterIdLst>
-    <p:handoutMasterId r:id="rId24"/>
+    <p:handoutMasterId r:id="rId25"/>
   </p:handoutMasterIdLst>
   <p:sldIdLst>
     <p:sldId id="503" r:id="rId2"/>
@@ -18,20 +18,21 @@
     <p:sldId id="634" r:id="rId6"/>
     <p:sldId id="610" r:id="rId7"/>
     <p:sldId id="635" r:id="rId8"/>
-    <p:sldId id="636" r:id="rId9"/>
-    <p:sldId id="641" r:id="rId10"/>
-    <p:sldId id="637" r:id="rId11"/>
-    <p:sldId id="638" r:id="rId12"/>
-    <p:sldId id="645" r:id="rId13"/>
-    <p:sldId id="643" r:id="rId14"/>
-    <p:sldId id="639" r:id="rId15"/>
-    <p:sldId id="652" r:id="rId16"/>
-    <p:sldId id="649" r:id="rId17"/>
-    <p:sldId id="653" r:id="rId18"/>
-    <p:sldId id="656" r:id="rId19"/>
-    <p:sldId id="633" r:id="rId20"/>
-    <p:sldId id="504" r:id="rId21"/>
-    <p:sldId id="505" r:id="rId22"/>
+    <p:sldId id="657" r:id="rId9"/>
+    <p:sldId id="636" r:id="rId10"/>
+    <p:sldId id="641" r:id="rId11"/>
+    <p:sldId id="637" r:id="rId12"/>
+    <p:sldId id="638" r:id="rId13"/>
+    <p:sldId id="645" r:id="rId14"/>
+    <p:sldId id="643" r:id="rId15"/>
+    <p:sldId id="639" r:id="rId16"/>
+    <p:sldId id="652" r:id="rId17"/>
+    <p:sldId id="649" r:id="rId18"/>
+    <p:sldId id="653" r:id="rId19"/>
+    <p:sldId id="656" r:id="rId20"/>
+    <p:sldId id="633" r:id="rId21"/>
+    <p:sldId id="504" r:id="rId22"/>
+    <p:sldId id="505" r:id="rId23"/>
   </p:sldIdLst>
   <p:sldSz cx="12192000" cy="6858000"/>
   <p:notesSz cx="6858000" cy="9144000"/>
@@ -150,6 +151,7 @@
           <p14:sldIdLst>
             <p14:sldId id="610"/>
             <p14:sldId id="635"/>
+            <p14:sldId id="657"/>
             <p14:sldId id="636"/>
             <p14:sldId id="641"/>
             <p14:sldId id="637"/>
@@ -222,77 +224,6 @@
 </p:cmAuthorLst>
 </file>
 
-<file path=ppt/comments/modernComment_27C_3940D9C.xml><?xml version="1.0" encoding="utf-8"?>
-<p188:cmLst xmlns:a="http://schemas.openxmlformats.org/drawingml/2006/main" xmlns:r="http://schemas.openxmlformats.org/officeDocument/2006/relationships" xmlns:p188="http://schemas.microsoft.com/office/powerpoint/2018/8/main">
-  <p188:cm id="{CAD52461-0C9B-44D0-B953-44FCD31B0A75}" authorId="{CB4BF2F8-D32F-9387-A6CE-368ED6EFDCF0}" created="2025-05-05T11:13:34.013">
-    <ac:txMkLst xmlns:ac="http://schemas.microsoft.com/office/drawing/2013/main/command">
-      <pc:docMk xmlns:pc="http://schemas.microsoft.com/office/powerpoint/2013/main/command"/>
-      <pc:sldMk xmlns:pc="http://schemas.microsoft.com/office/powerpoint/2013/main/command" cId="60034460" sldId="636"/>
-      <ac:spMk id="7" creationId="{320B2856-CE5E-4934-BD1C-1D81E68E529A}"/>
-      <ac:txMk cp="13" len="7">
-        <ac:context len="327" hash="720024419"/>
-      </ac:txMk>
-    </ac:txMkLst>
-    <p188:pos x="4736600" y="288430"/>
-    <p188:txBody>
-      <a:bodyPr/>
-      <a:lstStyle/>
-      <a:p>
-        <a:r>
-          <a:rPr lang="en-GB"/>
-          <a:t>Да се обясни какво представлява sprint, backlog, потребителска история</a:t>
-        </a:r>
-      </a:p>
-    </p188:txBody>
-  </p188:cm>
-</p188:cmLst>
-</file>
-
-<file path=ppt/comments/modernComment_283_32A3B0A.xml><?xml version="1.0" encoding="utf-8"?>
-<p188:cmLst xmlns:a="http://schemas.openxmlformats.org/drawingml/2006/main" xmlns:r="http://schemas.openxmlformats.org/officeDocument/2006/relationships" xmlns:p188="http://schemas.microsoft.com/office/powerpoint/2018/8/main">
-  <p188:cm id="{7D6CA6BA-6975-47A0-B9CA-4FF20BEE8CE9}" authorId="{CB4BF2F8-D32F-9387-A6CE-368ED6EFDCF0}" created="2025-05-05T11:19:31.758">
-    <ac:deMkLst xmlns:ac="http://schemas.microsoft.com/office/drawing/2013/main/command">
-      <pc:docMk xmlns:pc="http://schemas.microsoft.com/office/powerpoint/2013/main/command"/>
-      <pc:sldMk xmlns:pc="http://schemas.microsoft.com/office/powerpoint/2013/main/command" cId="53099274" sldId="643"/>
-      <ac:picMk id="7" creationId="{56F471AB-97AE-8FA1-B72D-028D1CFF87CA}"/>
-    </ac:deMkLst>
-    <p188:txBody>
-      <a:bodyPr/>
-      <a:lstStyle/>
-      <a:p>
-        <a:r>
-          <a:rPr lang="en-GB"/>
-          <a:t>Ограничаване на задачите - краен срок (или нещо подобно)
-Роли в екипа - има, няма</a:t>
-        </a:r>
-      </a:p>
-    </p188:txBody>
-  </p188:cm>
-</p188:cmLst>
-</file>
-
-<file path=ppt/comments/modernComment_285_6C1C0653.xml><?xml version="1.0" encoding="utf-8"?>
-<p188:cmLst xmlns:a="http://schemas.openxmlformats.org/drawingml/2006/main" xmlns:r="http://schemas.openxmlformats.org/officeDocument/2006/relationships" xmlns:p188="http://schemas.microsoft.com/office/powerpoint/2018/8/main">
-  <p188:cm id="{2B848A26-6506-479E-95CA-776FC77962F8}" authorId="{CB4BF2F8-D32F-9387-A6CE-368ED6EFDCF0}" created="2025-05-05T11:17:51.090">
-    <ac:deMkLst xmlns:ac="http://schemas.microsoft.com/office/drawing/2013/main/command">
-      <pc:docMk xmlns:pc="http://schemas.microsoft.com/office/powerpoint/2013/main/command"/>
-      <pc:sldMk xmlns:pc="http://schemas.microsoft.com/office/powerpoint/2013/main/command" cId="1813775955" sldId="645"/>
-      <ac:picMk id="11" creationId="{277A5111-5A0B-B330-CB74-D40CF76A988D}"/>
-    </ac:deMkLst>
-    <p188:txBody>
-      <a:bodyPr/>
-      <a:lstStyle/>
-      <a:p>
-        <a:r>
-          <a:rPr lang="en-GB"/>
-          <a:t>Дейлита да стане на срещи в екипа (или нещо подобно)</a:t>
-        </a:r>
-      </a:p>
-    </p188:txBody>
-  </p188:cm>
-</p188:cmLst>
-</file>
-
 <file path=ppt/handoutMasters/handoutMaster1.xml><?xml version="1.0" encoding="utf-8"?>
 <p:handoutMaster xmlns:a="http://schemas.openxmlformats.org/drawingml/2006/main" xmlns:r="http://schemas.openxmlformats.org/officeDocument/2006/relationships" xmlns:p="http://schemas.openxmlformats.org/presentationml/2006/main">
   <p:cSld>
@@ -387,7 +318,7 @@
           <a:p>
             <a:fld id="{4E087215-0C8F-4762-A664-737A353EC9A4}" type="datetimeFigureOut">
               <a:rPr lang="bg-BG" smtClean="0"/>
-              <a:t>5.5.2025 г.</a:t>
+              <a:t>7.05.25 г.</a:t>
             </a:fld>
             <a:endParaRPr lang="bg-BG"/>
           </a:p>
@@ -583,7 +514,7 @@
           <a:p>
             <a:fld id="{72D84649-876A-46C9-8472-14CB09C070D8}" type="datetimeFigureOut">
               <a:rPr lang="en-US" smtClean="0"/>
-              <a:t>5/5/2025</a:t>
+              <a:t>5/7/25</a:t>
             </a:fld>
             <a:endParaRPr lang="en-US"/>
           </a:p>
@@ -1231,7 +1162,7 @@
     </p:spTree>
     <p:extLst>
       <p:ext uri="{BB962C8B-B14F-4D97-AF65-F5344CB8AC3E}">
-        <p14:creationId xmlns:p14="http://schemas.microsoft.com/office/powerpoint/2010/main" val="1471925483"/>
+        <p14:creationId xmlns:p14="http://schemas.microsoft.com/office/powerpoint/2010/main" val="979097000"/>
       </p:ext>
     </p:extLst>
   </p:cSld>
@@ -1285,16 +1216,16 @@
           <a:bodyPr/>
           <a:lstStyle/>
           <a:p>
-            <a:endParaRPr lang="en-US" dirty="0"/>
+            <a:endParaRPr lang="en-US"/>
           </a:p>
         </p:txBody>
       </p:sp>
       <p:sp>
         <p:nvSpPr>
-          <p:cNvPr id="7" name="Slide Number Placeholder 5">
+          <p:cNvPr id="6" name="Slide Number Placeholder 5">
             <a:extLst>
               <a:ext uri="{FF2B5EF4-FFF2-40B4-BE49-F238E27FC236}">
-                <a16:creationId xmlns:a16="http://schemas.microsoft.com/office/drawing/2014/main" id="{BD88B0D8-949C-482D-990A-2DAB14AD4AD1}"/>
+                <a16:creationId xmlns:a16="http://schemas.microsoft.com/office/drawing/2014/main" id="{973EF363-177A-44DE-80E9-FC9248B7DCA2}"/>
               </a:ext>
             </a:extLst>
           </p:cNvPr>
@@ -1413,7 +1344,7 @@
             <a:fld id="{3EBA5BD7-F043-4D1B-AA17-CD412FC534DE}" type="slidenum">
               <a:rPr lang="en-US" smtClean="0"/>
               <a:pPr/>
-              <a:t>14</a:t>
+              <a:t>12</a:t>
             </a:fld>
             <a:endParaRPr lang="en-US" dirty="0"/>
           </a:p>
@@ -1424,7 +1355,7 @@
           <p:cNvPr id="4" name="Footer Placeholder 3">
             <a:extLst>
               <a:ext uri="{FF2B5EF4-FFF2-40B4-BE49-F238E27FC236}">
-                <a16:creationId xmlns:a16="http://schemas.microsoft.com/office/drawing/2014/main" id="{58474633-D38D-4432-867B-70F325FA7016}"/>
+                <a16:creationId xmlns:a16="http://schemas.microsoft.com/office/drawing/2014/main" id="{8EE613EE-6697-4964-A067-C2136C00C834}"/>
               </a:ext>
             </a:extLst>
           </p:cNvPr>
@@ -1461,7 +1392,7 @@
     </p:spTree>
     <p:extLst>
       <p:ext uri="{BB962C8B-B14F-4D97-AF65-F5344CB8AC3E}">
-        <p14:creationId xmlns:p14="http://schemas.microsoft.com/office/powerpoint/2010/main" val="3295241353"/>
+        <p14:creationId xmlns:p14="http://schemas.microsoft.com/office/powerpoint/2010/main" val="1471925483"/>
       </p:ext>
     </p:extLst>
   </p:cSld>
@@ -1515,16 +1446,16 @@
           <a:bodyPr/>
           <a:lstStyle/>
           <a:p>
-            <a:endParaRPr lang="en-US"/>
+            <a:endParaRPr lang="en-US" dirty="0"/>
           </a:p>
         </p:txBody>
       </p:sp>
       <p:sp>
         <p:nvSpPr>
-          <p:cNvPr id="6" name="Slide Number Placeholder 5">
+          <p:cNvPr id="7" name="Slide Number Placeholder 5">
             <a:extLst>
               <a:ext uri="{FF2B5EF4-FFF2-40B4-BE49-F238E27FC236}">
-                <a16:creationId xmlns:a16="http://schemas.microsoft.com/office/drawing/2014/main" id="{973EF363-177A-44DE-80E9-FC9248B7DCA2}"/>
+                <a16:creationId xmlns:a16="http://schemas.microsoft.com/office/drawing/2014/main" id="{BD88B0D8-949C-482D-990A-2DAB14AD4AD1}"/>
               </a:ext>
             </a:extLst>
           </p:cNvPr>
@@ -1654,7 +1585,7 @@
           <p:cNvPr id="4" name="Footer Placeholder 3">
             <a:extLst>
               <a:ext uri="{FF2B5EF4-FFF2-40B4-BE49-F238E27FC236}">
-                <a16:creationId xmlns:a16="http://schemas.microsoft.com/office/drawing/2014/main" id="{8EE613EE-6697-4964-A067-C2136C00C834}"/>
+                <a16:creationId xmlns:a16="http://schemas.microsoft.com/office/drawing/2014/main" id="{58474633-D38D-4432-867B-70F325FA7016}"/>
               </a:ext>
             </a:extLst>
           </p:cNvPr>
@@ -1691,7 +1622,7 @@
     </p:spTree>
     <p:extLst>
       <p:ext uri="{BB962C8B-B14F-4D97-AF65-F5344CB8AC3E}">
-        <p14:creationId xmlns:p14="http://schemas.microsoft.com/office/powerpoint/2010/main" val="3914657907"/>
+        <p14:creationId xmlns:p14="http://schemas.microsoft.com/office/powerpoint/2010/main" val="3295241353"/>
       </p:ext>
     </p:extLst>
   </p:cSld>
@@ -1745,16 +1676,16 @@
           <a:bodyPr/>
           <a:lstStyle/>
           <a:p>
-            <a:endParaRPr lang="en-US" dirty="0"/>
+            <a:endParaRPr lang="en-US"/>
           </a:p>
         </p:txBody>
       </p:sp>
       <p:sp>
         <p:nvSpPr>
-          <p:cNvPr id="7" name="Slide Number Placeholder 5">
+          <p:cNvPr id="6" name="Slide Number Placeholder 5">
             <a:extLst>
               <a:ext uri="{FF2B5EF4-FFF2-40B4-BE49-F238E27FC236}">
-                <a16:creationId xmlns:a16="http://schemas.microsoft.com/office/drawing/2014/main" id="{E65F1CA9-65DC-416B-8882-B3A5E415CE67}"/>
+                <a16:creationId xmlns:a16="http://schemas.microsoft.com/office/drawing/2014/main" id="{973EF363-177A-44DE-80E9-FC9248B7DCA2}"/>
               </a:ext>
             </a:extLst>
           </p:cNvPr>
@@ -1873,7 +1804,7 @@
             <a:fld id="{3EBA5BD7-F043-4D1B-AA17-CD412FC534DE}" type="slidenum">
               <a:rPr lang="en-US" smtClean="0"/>
               <a:pPr/>
-              <a:t>19</a:t>
+              <a:t>16</a:t>
             </a:fld>
             <a:endParaRPr lang="en-US" dirty="0"/>
           </a:p>
@@ -1881,10 +1812,10 @@
       </p:sp>
       <p:sp>
         <p:nvSpPr>
-          <p:cNvPr id="5" name="Footer Placeholder 7">
+          <p:cNvPr id="4" name="Footer Placeholder 3">
             <a:extLst>
               <a:ext uri="{FF2B5EF4-FFF2-40B4-BE49-F238E27FC236}">
-                <a16:creationId xmlns:a16="http://schemas.microsoft.com/office/drawing/2014/main" id="{43FAF785-0C8D-730E-8E59-68198DC82CE0}"/>
+                <a16:creationId xmlns:a16="http://schemas.microsoft.com/office/drawing/2014/main" id="{8EE613EE-6697-4964-A067-C2136C00C834}"/>
               </a:ext>
             </a:extLst>
           </p:cNvPr>
@@ -1895,49 +1826,33 @@
             <p:ph type="ftr" sz="quarter" idx="4"/>
           </p:nvPr>
         </p:nvSpPr>
-        <p:spPr>
-          <a:xfrm>
-            <a:off x="-1" y="8892000"/>
-            <a:ext cx="6488999" cy="252000"/>
-          </a:xfrm>
-          <a:prstGeom prst="rect">
-            <a:avLst/>
-          </a:prstGeom>
-        </p:spPr>
+        <p:spPr/>
         <p:txBody>
-          <a:bodyPr vert="horz" lIns="91440" tIns="45720" rIns="91440" bIns="45720" rtlCol="0" anchor="b"/>
-          <a:lstStyle>
-            <a:lvl1pPr algn="l">
-              <a:defRPr sz="1100"/>
-            </a:lvl1pPr>
-          </a:lstStyle>
-          <a:p>
-            <a:r>
-              <a:rPr lang="bg-BG" sz="1100" dirty="0"/>
-              <a:t>Работна група </a:t>
-            </a:r>
-            <a:r>
-              <a:rPr lang="bg-BG" dirty="0"/>
-              <a:t>"Образование по програмиране и ИТ"</a:t>
-            </a:r>
-            <a:r>
-              <a:rPr lang="bg-BG" sz="1100" dirty="0"/>
-              <a:t>, с подкрепата на </a:t>
-            </a:r>
-            <a:r>
-              <a:rPr lang="en-US" sz="1100" dirty="0">
+          <a:bodyPr/>
+          <a:lstStyle/>
+          <a:p>
+            <a:r>
+              <a:rPr lang="en-US"/>
+              <a:t>© SoftUni – </a:t>
+            </a:r>
+            <a:r>
+              <a:rPr lang="en-US" u="sng">
                 <a:hlinkClick r:id="rId3"/>
               </a:rPr>
-              <a:t>SoftUni</a:t>
-            </a:r>
-            <a:endParaRPr lang="en-US" sz="1100" dirty="0"/>
+              <a:t>https://softuni.org</a:t>
+            </a:r>
+            <a:r>
+              <a:rPr lang="en-US"/>
+              <a:t>. Copyrighted document. Unauthorized copy or reproduction is not permitted.</a:t>
+            </a:r>
+            <a:endParaRPr lang="en-US" dirty="0"/>
           </a:p>
         </p:txBody>
       </p:sp>
     </p:spTree>
     <p:extLst>
       <p:ext uri="{BB962C8B-B14F-4D97-AF65-F5344CB8AC3E}">
-        <p14:creationId xmlns:p14="http://schemas.microsoft.com/office/powerpoint/2010/main" val="2689344733"/>
+        <p14:creationId xmlns:p14="http://schemas.microsoft.com/office/powerpoint/2010/main" val="3914657907"/>
       </p:ext>
     </p:extLst>
   </p:cSld>
@@ -2000,7 +1915,7 @@
           <p:cNvPr id="7" name="Slide Number Placeholder 5">
             <a:extLst>
               <a:ext uri="{FF2B5EF4-FFF2-40B4-BE49-F238E27FC236}">
-                <a16:creationId xmlns:a16="http://schemas.microsoft.com/office/drawing/2014/main" id="{5049B984-F964-47FF-8179-0A3007CE21CD}"/>
+                <a16:creationId xmlns:a16="http://schemas.microsoft.com/office/drawing/2014/main" id="{E65F1CA9-65DC-416B-8882-B3A5E415CE67}"/>
               </a:ext>
             </a:extLst>
           </p:cNvPr>
@@ -2127,10 +2042,10 @@
       </p:sp>
       <p:sp>
         <p:nvSpPr>
-          <p:cNvPr id="4" name="Footer Placeholder 3">
+          <p:cNvPr id="5" name="Footer Placeholder 7">
             <a:extLst>
               <a:ext uri="{FF2B5EF4-FFF2-40B4-BE49-F238E27FC236}">
-                <a16:creationId xmlns:a16="http://schemas.microsoft.com/office/drawing/2014/main" id="{8E059BE0-D868-413B-AAA1-1CC88D1F52C5}"/>
+                <a16:creationId xmlns:a16="http://schemas.microsoft.com/office/drawing/2014/main" id="{43FAF785-0C8D-730E-8E59-68198DC82CE0}"/>
               </a:ext>
             </a:extLst>
           </p:cNvPr>
@@ -2141,33 +2056,49 @@
             <p:ph type="ftr" sz="quarter" idx="4"/>
           </p:nvPr>
         </p:nvSpPr>
-        <p:spPr/>
+        <p:spPr>
+          <a:xfrm>
+            <a:off x="-1" y="8892000"/>
+            <a:ext cx="6488999" cy="252000"/>
+          </a:xfrm>
+          <a:prstGeom prst="rect">
+            <a:avLst/>
+          </a:prstGeom>
+        </p:spPr>
         <p:txBody>
-          <a:bodyPr/>
-          <a:lstStyle/>
-          <a:p>
-            <a:r>
-              <a:rPr lang="en-US"/>
-              <a:t>© SoftUni – </a:t>
-            </a:r>
-            <a:r>
-              <a:rPr lang="en-US" u="sng">
+          <a:bodyPr vert="horz" lIns="91440" tIns="45720" rIns="91440" bIns="45720" rtlCol="0" anchor="b"/>
+          <a:lstStyle>
+            <a:lvl1pPr algn="l">
+              <a:defRPr sz="1100"/>
+            </a:lvl1pPr>
+          </a:lstStyle>
+          <a:p>
+            <a:r>
+              <a:rPr lang="bg-BG" sz="1100" dirty="0"/>
+              <a:t>Работна група </a:t>
+            </a:r>
+            <a:r>
+              <a:rPr lang="bg-BG" dirty="0"/>
+              <a:t>"Образование по програмиране и ИТ"</a:t>
+            </a:r>
+            <a:r>
+              <a:rPr lang="bg-BG" sz="1100" dirty="0"/>
+              <a:t>, с подкрепата на </a:t>
+            </a:r>
+            <a:r>
+              <a:rPr lang="en-US" sz="1100" dirty="0">
                 <a:hlinkClick r:id="rId3"/>
               </a:rPr>
-              <a:t>https://softuni.org</a:t>
-            </a:r>
-            <a:r>
-              <a:rPr lang="en-US"/>
-              <a:t>. Copyrighted document. Unauthorized copy or reproduction is not permitted.</a:t>
-            </a:r>
-            <a:endParaRPr lang="en-US" dirty="0"/>
+              <a:t>SoftUni</a:t>
+            </a:r>
+            <a:endParaRPr lang="en-US" sz="1100" dirty="0"/>
           </a:p>
         </p:txBody>
       </p:sp>
     </p:spTree>
     <p:extLst>
       <p:ext uri="{BB962C8B-B14F-4D97-AF65-F5344CB8AC3E}">
-        <p14:creationId xmlns:p14="http://schemas.microsoft.com/office/powerpoint/2010/main" val="3466590374"/>
+        <p14:creationId xmlns:p14="http://schemas.microsoft.com/office/powerpoint/2010/main" val="2689344733"/>
       </p:ext>
     </p:extLst>
   </p:cSld>
@@ -2221,6 +2152,236 @@
           <a:bodyPr/>
           <a:lstStyle/>
           <a:p>
+            <a:endParaRPr lang="en-US" dirty="0"/>
+          </a:p>
+        </p:txBody>
+      </p:sp>
+      <p:sp>
+        <p:nvSpPr>
+          <p:cNvPr id="7" name="Slide Number Placeholder 5">
+            <a:extLst>
+              <a:ext uri="{FF2B5EF4-FFF2-40B4-BE49-F238E27FC236}">
+                <a16:creationId xmlns:a16="http://schemas.microsoft.com/office/drawing/2014/main" id="{5049B984-F964-47FF-8179-0A3007CE21CD}"/>
+              </a:ext>
+            </a:extLst>
+          </p:cNvPr>
+          <p:cNvSpPr txBox="1">
+            <a:spLocks/>
+          </p:cNvSpPr>
+          <p:nvPr/>
+        </p:nvSpPr>
+        <p:spPr>
+          <a:xfrm>
+            <a:off x="6488999" y="8847000"/>
+            <a:ext cx="367414" cy="297000"/>
+          </a:xfrm>
+          <a:prstGeom prst="rect">
+            <a:avLst/>
+          </a:prstGeom>
+        </p:spPr>
+        <p:txBody>
+          <a:bodyPr vert="horz" lIns="91440" tIns="45720" rIns="91440" bIns="45720" rtlCol="0" anchor="b"/>
+          <a:lstStyle>
+            <a:defPPr>
+              <a:defRPr lang="en-US"/>
+            </a:defPPr>
+            <a:lvl1pPr marL="0" algn="r" defTabSz="914400" rtl="0" eaLnBrk="1" latinLnBrk="0" hangingPunct="1">
+              <a:defRPr sz="1200" kern="1200">
+                <a:solidFill>
+                  <a:schemeClr val="tx1"/>
+                </a:solidFill>
+                <a:latin typeface="+mn-lt"/>
+                <a:ea typeface="+mn-ea"/>
+                <a:cs typeface="+mn-cs"/>
+              </a:defRPr>
+            </a:lvl1pPr>
+            <a:lvl2pPr marL="457200" algn="l" defTabSz="914400" rtl="0" eaLnBrk="1" latinLnBrk="0" hangingPunct="1">
+              <a:defRPr sz="1800" kern="1200">
+                <a:solidFill>
+                  <a:schemeClr val="tx1"/>
+                </a:solidFill>
+                <a:latin typeface="+mn-lt"/>
+                <a:ea typeface="+mn-ea"/>
+                <a:cs typeface="+mn-cs"/>
+              </a:defRPr>
+            </a:lvl2pPr>
+            <a:lvl3pPr marL="914400" algn="l" defTabSz="914400" rtl="0" eaLnBrk="1" latinLnBrk="0" hangingPunct="1">
+              <a:defRPr sz="1800" kern="1200">
+                <a:solidFill>
+                  <a:schemeClr val="tx1"/>
+                </a:solidFill>
+                <a:latin typeface="+mn-lt"/>
+                <a:ea typeface="+mn-ea"/>
+                <a:cs typeface="+mn-cs"/>
+              </a:defRPr>
+            </a:lvl3pPr>
+            <a:lvl4pPr marL="1371600" algn="l" defTabSz="914400" rtl="0" eaLnBrk="1" latinLnBrk="0" hangingPunct="1">
+              <a:defRPr sz="1800" kern="1200">
+                <a:solidFill>
+                  <a:schemeClr val="tx1"/>
+                </a:solidFill>
+                <a:latin typeface="+mn-lt"/>
+                <a:ea typeface="+mn-ea"/>
+                <a:cs typeface="+mn-cs"/>
+              </a:defRPr>
+            </a:lvl4pPr>
+            <a:lvl5pPr marL="1828800" algn="l" defTabSz="914400" rtl="0" eaLnBrk="1" latinLnBrk="0" hangingPunct="1">
+              <a:defRPr sz="1800" kern="1200">
+                <a:solidFill>
+                  <a:schemeClr val="tx1"/>
+                </a:solidFill>
+                <a:latin typeface="+mn-lt"/>
+                <a:ea typeface="+mn-ea"/>
+                <a:cs typeface="+mn-cs"/>
+              </a:defRPr>
+            </a:lvl5pPr>
+            <a:lvl6pPr marL="2286000" algn="l" defTabSz="914400" rtl="0" eaLnBrk="1" latinLnBrk="0" hangingPunct="1">
+              <a:defRPr sz="1800" kern="1200">
+                <a:solidFill>
+                  <a:schemeClr val="tx1"/>
+                </a:solidFill>
+                <a:latin typeface="+mn-lt"/>
+                <a:ea typeface="+mn-ea"/>
+                <a:cs typeface="+mn-cs"/>
+              </a:defRPr>
+            </a:lvl6pPr>
+            <a:lvl7pPr marL="2743200" algn="l" defTabSz="914400" rtl="0" eaLnBrk="1" latinLnBrk="0" hangingPunct="1">
+              <a:defRPr sz="1800" kern="1200">
+                <a:solidFill>
+                  <a:schemeClr val="tx1"/>
+                </a:solidFill>
+                <a:latin typeface="+mn-lt"/>
+                <a:ea typeface="+mn-ea"/>
+                <a:cs typeface="+mn-cs"/>
+              </a:defRPr>
+            </a:lvl7pPr>
+            <a:lvl8pPr marL="3200400" algn="l" defTabSz="914400" rtl="0" eaLnBrk="1" latinLnBrk="0" hangingPunct="1">
+              <a:defRPr sz="1800" kern="1200">
+                <a:solidFill>
+                  <a:schemeClr val="tx1"/>
+                </a:solidFill>
+                <a:latin typeface="+mn-lt"/>
+                <a:ea typeface="+mn-ea"/>
+                <a:cs typeface="+mn-cs"/>
+              </a:defRPr>
+            </a:lvl8pPr>
+            <a:lvl9pPr marL="3657600" algn="l" defTabSz="914400" rtl="0" eaLnBrk="1" latinLnBrk="0" hangingPunct="1">
+              <a:defRPr sz="1800" kern="1200">
+                <a:solidFill>
+                  <a:schemeClr val="tx1"/>
+                </a:solidFill>
+                <a:latin typeface="+mn-lt"/>
+                <a:ea typeface="+mn-ea"/>
+                <a:cs typeface="+mn-cs"/>
+              </a:defRPr>
+            </a:lvl9pPr>
+          </a:lstStyle>
+          <a:p>
+            <a:fld id="{3EBA5BD7-F043-4D1B-AA17-CD412FC534DE}" type="slidenum">
+              <a:rPr lang="en-US" smtClean="0"/>
+              <a:pPr/>
+              <a:t>21</a:t>
+            </a:fld>
+            <a:endParaRPr lang="en-US" dirty="0"/>
+          </a:p>
+        </p:txBody>
+      </p:sp>
+      <p:sp>
+        <p:nvSpPr>
+          <p:cNvPr id="4" name="Footer Placeholder 3">
+            <a:extLst>
+              <a:ext uri="{FF2B5EF4-FFF2-40B4-BE49-F238E27FC236}">
+                <a16:creationId xmlns:a16="http://schemas.microsoft.com/office/drawing/2014/main" id="{8E059BE0-D868-413B-AAA1-1CC88D1F52C5}"/>
+              </a:ext>
+            </a:extLst>
+          </p:cNvPr>
+          <p:cNvSpPr>
+            <a:spLocks noGrp="1"/>
+          </p:cNvSpPr>
+          <p:nvPr>
+            <p:ph type="ftr" sz="quarter" idx="4"/>
+          </p:nvPr>
+        </p:nvSpPr>
+        <p:spPr/>
+        <p:txBody>
+          <a:bodyPr/>
+          <a:lstStyle/>
+          <a:p>
+            <a:r>
+              <a:rPr lang="en-US"/>
+              <a:t>© SoftUni – </a:t>
+            </a:r>
+            <a:r>
+              <a:rPr lang="en-US" u="sng">
+                <a:hlinkClick r:id="rId3"/>
+              </a:rPr>
+              <a:t>https://softuni.org</a:t>
+            </a:r>
+            <a:r>
+              <a:rPr lang="en-US"/>
+              <a:t>. Copyrighted document. Unauthorized copy or reproduction is not permitted.</a:t>
+            </a:r>
+            <a:endParaRPr lang="en-US" dirty="0"/>
+          </a:p>
+        </p:txBody>
+      </p:sp>
+    </p:spTree>
+    <p:extLst>
+      <p:ext uri="{BB962C8B-B14F-4D97-AF65-F5344CB8AC3E}">
+        <p14:creationId xmlns:p14="http://schemas.microsoft.com/office/powerpoint/2010/main" val="3466590374"/>
+      </p:ext>
+    </p:extLst>
+  </p:cSld>
+  <p:clrMapOvr>
+    <a:masterClrMapping/>
+  </p:clrMapOvr>
+</p:notes>
+</file>
+
+<file path=ppt/notesSlides/notesSlide16.xml><?xml version="1.0" encoding="utf-8"?>
+<p:notes xmlns:a="http://schemas.openxmlformats.org/drawingml/2006/main" xmlns:r="http://schemas.openxmlformats.org/officeDocument/2006/relationships" xmlns:p="http://schemas.openxmlformats.org/presentationml/2006/main">
+  <p:cSld>
+    <p:spTree>
+      <p:nvGrpSpPr>
+        <p:cNvPr id="1" name=""/>
+        <p:cNvGrpSpPr/>
+        <p:nvPr/>
+      </p:nvGrpSpPr>
+      <p:grpSpPr>
+        <a:xfrm>
+          <a:off x="0" y="0"/>
+          <a:ext cx="0" cy="0"/>
+          <a:chOff x="0" y="0"/>
+          <a:chExt cx="0" cy="0"/>
+        </a:xfrm>
+      </p:grpSpPr>
+      <p:sp>
+        <p:nvSpPr>
+          <p:cNvPr id="2" name="Slide Image Placeholder 1"/>
+          <p:cNvSpPr>
+            <a:spLocks noGrp="1" noRot="1" noChangeAspect="1"/>
+          </p:cNvSpPr>
+          <p:nvPr>
+            <p:ph type="sldImg"/>
+          </p:nvPr>
+        </p:nvSpPr>
+        <p:spPr/>
+      </p:sp>
+      <p:sp>
+        <p:nvSpPr>
+          <p:cNvPr id="3" name="Notes Placeholder 2"/>
+          <p:cNvSpPr>
+            <a:spLocks noGrp="1"/>
+          </p:cNvSpPr>
+          <p:nvPr>
+            <p:ph type="body" idx="1"/>
+          </p:nvPr>
+        </p:nvSpPr>
+        <p:spPr/>
+        <p:txBody>
+          <a:bodyPr/>
+          <a:lstStyle/>
+          <a:p>
             <a:endParaRPr lang="en-US"/>
           </a:p>
         </p:txBody>
@@ -2349,7 +2510,7 @@
             <a:fld id="{3EBA5BD7-F043-4D1B-AA17-CD412FC534DE}" type="slidenum">
               <a:rPr lang="en-US" smtClean="0"/>
               <a:pPr/>
-              <a:t>21</a:t>
+              <a:t>22</a:t>
             </a:fld>
             <a:endParaRPr lang="en-US" dirty="0"/>
           </a:p>
@@ -4019,7 +4180,7 @@
     </p:spTree>
     <p:extLst>
       <p:ext uri="{BB962C8B-B14F-4D97-AF65-F5344CB8AC3E}">
-        <p14:creationId xmlns:p14="http://schemas.microsoft.com/office/powerpoint/2010/main" val="827816975"/>
+        <p14:creationId xmlns:p14="http://schemas.microsoft.com/office/powerpoint/2010/main" val="2701341548"/>
       </p:ext>
     </p:extLst>
   </p:cSld>
@@ -4201,7 +4362,7 @@
             <a:fld id="{3EBA5BD7-F043-4D1B-AA17-CD412FC534DE}" type="slidenum">
               <a:rPr lang="en-US" smtClean="0"/>
               <a:pPr/>
-              <a:t>10</a:t>
+              <a:t>9</a:t>
             </a:fld>
             <a:endParaRPr lang="en-US" dirty="0"/>
           </a:p>
@@ -4249,7 +4410,7 @@
     </p:spTree>
     <p:extLst>
       <p:ext uri="{BB962C8B-B14F-4D97-AF65-F5344CB8AC3E}">
-        <p14:creationId xmlns:p14="http://schemas.microsoft.com/office/powerpoint/2010/main" val="979097000"/>
+        <p14:creationId xmlns:p14="http://schemas.microsoft.com/office/powerpoint/2010/main" val="827816975"/>
       </p:ext>
     </p:extLst>
   </p:cSld>
@@ -9649,6 +9810,393 @@
       </p:grpSpPr>
       <p:sp>
         <p:nvSpPr>
+          <p:cNvPr id="2" name="Slide Number Placeholder 1">
+            <a:extLst>
+              <a:ext uri="{FF2B5EF4-FFF2-40B4-BE49-F238E27FC236}">
+                <a16:creationId xmlns:a16="http://schemas.microsoft.com/office/drawing/2014/main" id="{506B2158-AD20-B89D-3B52-8E73F5398DE6}"/>
+              </a:ext>
+            </a:extLst>
+          </p:cNvPr>
+          <p:cNvSpPr>
+            <a:spLocks noGrp="1"/>
+          </p:cNvSpPr>
+          <p:nvPr>
+            <p:ph type="sldNum" sz="quarter" idx="5"/>
+          </p:nvPr>
+        </p:nvSpPr>
+        <p:spPr/>
+        <p:txBody>
+          <a:bodyPr/>
+          <a:lstStyle/>
+          <a:p>
+            <a:fld id="{2BF067CD-8E6B-4360-9AA8-C5DF2A48A6D1}" type="slidenum">
+              <a:rPr lang="en-US" noProof="0" smtClean="0"/>
+              <a:pPr/>
+              <a:t>10</a:t>
+            </a:fld>
+            <a:endParaRPr lang="en-US" noProof="0" dirty="0"/>
+          </a:p>
+        </p:txBody>
+      </p:sp>
+      <p:sp>
+        <p:nvSpPr>
+          <p:cNvPr id="3" name="Text Placeholder 2">
+            <a:extLst>
+              <a:ext uri="{FF2B5EF4-FFF2-40B4-BE49-F238E27FC236}">
+                <a16:creationId xmlns:a16="http://schemas.microsoft.com/office/drawing/2014/main" id="{EA6ED7D1-9209-79C9-75A9-DCEBE42B25B3}"/>
+              </a:ext>
+            </a:extLst>
+          </p:cNvPr>
+          <p:cNvSpPr>
+            <a:spLocks noGrp="1"/>
+          </p:cNvSpPr>
+          <p:nvPr>
+            <p:ph type="body" sz="quarter" idx="10"/>
+          </p:nvPr>
+        </p:nvSpPr>
+        <p:spPr/>
+        <p:txBody>
+          <a:bodyPr/>
+          <a:lstStyle/>
+          <a:p>
+            <a:r>
+              <a:rPr lang="bg-BG" b="1" dirty="0">
+                <a:solidFill>
+                  <a:schemeClr val="bg1"/>
+                </a:solidFill>
+              </a:rPr>
+              <a:t>Демонстрация на завършените задачи </a:t>
+            </a:r>
+            <a:r>
+              <a:rPr lang="bg-BG" b="1" dirty="0"/>
+              <a:t>(</a:t>
+            </a:r>
+            <a:r>
+              <a:rPr lang="en-GB" b="1" dirty="0"/>
+              <a:t>Sprint Review)</a:t>
+            </a:r>
+          </a:p>
+          <a:p>
+            <a:pPr lvl="1"/>
+            <a:r>
+              <a:rPr lang="bg-BG" dirty="0"/>
+              <a:t>В </a:t>
+            </a:r>
+            <a:r>
+              <a:rPr lang="bg-BG" b="1" dirty="0"/>
+              <a:t>края на спринта </a:t>
+            </a:r>
+            <a:r>
+              <a:rPr lang="bg-BG" dirty="0"/>
+              <a:t>екипът </a:t>
+            </a:r>
+            <a:r>
+              <a:rPr lang="bg-BG" b="1" dirty="0">
+                <a:solidFill>
+                  <a:schemeClr val="bg1"/>
+                </a:solidFill>
+              </a:rPr>
+              <a:t>представя</a:t>
+            </a:r>
+            <a:r>
+              <a:rPr lang="bg-BG" dirty="0">
+                <a:solidFill>
+                  <a:schemeClr val="bg1"/>
+                </a:solidFill>
+              </a:rPr>
+              <a:t> </a:t>
+            </a:r>
+            <a:r>
+              <a:rPr lang="bg-BG" b="1" dirty="0">
+                <a:solidFill>
+                  <a:schemeClr val="bg1"/>
+                </a:solidFill>
+              </a:rPr>
+              <a:t>завършените задачи </a:t>
+            </a:r>
+            <a:r>
+              <a:rPr lang="bg-BG" dirty="0"/>
+              <a:t>на заинтересованите страни и получава </a:t>
+            </a:r>
+            <a:r>
+              <a:rPr lang="bg-BG" b="1" dirty="0"/>
+              <a:t>обратна връзка</a:t>
+            </a:r>
+            <a:endParaRPr lang="en-US" b="1" dirty="0"/>
+          </a:p>
+          <a:p>
+            <a:r>
+              <a:rPr lang="bg-BG" b="1" dirty="0">
+                <a:solidFill>
+                  <a:schemeClr val="bg1"/>
+                </a:solidFill>
+              </a:rPr>
+              <a:t>Анализ на работата и подобрения </a:t>
+            </a:r>
+            <a:r>
+              <a:rPr lang="bg-BG" b="1" dirty="0"/>
+              <a:t>(</a:t>
+            </a:r>
+            <a:r>
+              <a:rPr lang="en-GB" b="1" dirty="0"/>
+              <a:t>Sprint Retrospective)</a:t>
+            </a:r>
+          </a:p>
+          <a:p>
+            <a:pPr lvl="1"/>
+            <a:r>
+              <a:rPr lang="bg-BG" dirty="0"/>
+              <a:t>Екипът обсъжда </a:t>
+            </a:r>
+            <a:r>
+              <a:rPr lang="bg-BG" b="1" dirty="0">
+                <a:solidFill>
+                  <a:schemeClr val="bg1"/>
+                </a:solidFill>
+              </a:rPr>
+              <a:t>какво е минало добре</a:t>
+            </a:r>
+            <a:r>
+              <a:rPr lang="bg-BG" dirty="0"/>
+              <a:t>, </a:t>
+            </a:r>
+            <a:r>
+              <a:rPr lang="bg-BG" b="1" dirty="0">
+                <a:solidFill>
+                  <a:schemeClr val="bg1"/>
+                </a:solidFill>
+              </a:rPr>
+              <a:t>какво може да се подобри</a:t>
+            </a:r>
+            <a:r>
+              <a:rPr lang="bg-BG" b="1" dirty="0"/>
+              <a:t> </a:t>
+            </a:r>
+            <a:r>
+              <a:rPr lang="bg-BG" dirty="0"/>
+              <a:t>и </a:t>
+            </a:r>
+            <a:r>
+              <a:rPr lang="bg-BG" b="1" dirty="0">
+                <a:solidFill>
+                  <a:schemeClr val="bg1"/>
+                </a:solidFill>
+              </a:rPr>
+              <a:t>какви действия да се предприемат </a:t>
+            </a:r>
+            <a:r>
+              <a:rPr lang="bg-BG" dirty="0"/>
+              <a:t>за </a:t>
+            </a:r>
+            <a:r>
+              <a:rPr lang="bg-BG" b="1" dirty="0"/>
+              <a:t>следващия спринт</a:t>
+            </a:r>
+            <a:endParaRPr lang="en-BG" b="1" dirty="0"/>
+          </a:p>
+        </p:txBody>
+      </p:sp>
+      <p:sp>
+        <p:nvSpPr>
+          <p:cNvPr id="4" name="Title 3">
+            <a:extLst>
+              <a:ext uri="{FF2B5EF4-FFF2-40B4-BE49-F238E27FC236}">
+                <a16:creationId xmlns:a16="http://schemas.microsoft.com/office/drawing/2014/main" id="{36C3D8D5-C5AD-152C-A473-FF36BDC2F938}"/>
+              </a:ext>
+            </a:extLst>
+          </p:cNvPr>
+          <p:cNvSpPr>
+            <a:spLocks noGrp="1"/>
+          </p:cNvSpPr>
+          <p:nvPr>
+            <p:ph type="title"/>
+          </p:nvPr>
+        </p:nvSpPr>
+        <p:spPr/>
+        <p:txBody>
+          <a:bodyPr/>
+          <a:lstStyle/>
+          <a:p>
+            <a:r>
+              <a:rPr lang="bg-BG" dirty="0"/>
+              <a:t>Етапи на </a:t>
+            </a:r>
+            <a:r>
+              <a:rPr lang="en-US" dirty="0"/>
+              <a:t>Scrum (2)</a:t>
+            </a:r>
+            <a:endParaRPr lang="en-BG" dirty="0"/>
+          </a:p>
+        </p:txBody>
+      </p:sp>
+    </p:spTree>
+    <p:extLst>
+      <p:ext uri="{BB962C8B-B14F-4D97-AF65-F5344CB8AC3E}">
+        <p14:creationId xmlns:p14="http://schemas.microsoft.com/office/powerpoint/2010/main" val="2262443910"/>
+      </p:ext>
+    </p:extLst>
+  </p:cSld>
+  <p:clrMapOvr>
+    <a:masterClrMapping/>
+  </p:clrMapOvr>
+  <mc:AlternateContent xmlns:mc="http://schemas.openxmlformats.org/markup-compatibility/2006" xmlns:p14="http://schemas.microsoft.com/office/powerpoint/2010/main">
+    <mc:Choice Requires="p14">
+      <p:transition spd="slow" p14:dur="2000" advClick="0" advTm="5000"/>
+    </mc:Choice>
+    <mc:Fallback xmlns="">
+      <p:transition spd="slow" advClick="0" advTm="5000"/>
+    </mc:Fallback>
+  </mc:AlternateContent>
+  <p:timing>
+    <p:tnLst>
+      <p:par>
+        <p:cTn id="1" dur="indefinite" restart="never" nodeType="tmRoot">
+          <p:childTnLst>
+            <p:seq concurrent="1" nextAc="seek">
+              <p:cTn id="2" dur="indefinite" nodeType="mainSeq">
+                <p:childTnLst>
+                  <p:par>
+                    <p:cTn id="3" fill="hold">
+                      <p:stCondLst>
+                        <p:cond delay="indefinite"/>
+                      </p:stCondLst>
+                      <p:childTnLst>
+                        <p:par>
+                          <p:cTn id="4" fill="hold">
+                            <p:stCondLst>
+                              <p:cond delay="0"/>
+                            </p:stCondLst>
+                            <p:childTnLst>
+                              <p:par>
+                                <p:cTn id="5" presetID="1" presetClass="entr" presetSubtype="0" fill="hold" nodeType="clickEffect">
+                                  <p:stCondLst>
+                                    <p:cond delay="0"/>
+                                  </p:stCondLst>
+                                  <p:childTnLst>
+                                    <p:set>
+                                      <p:cBhvr>
+                                        <p:cTn id="6" dur="1" fill="hold">
+                                          <p:stCondLst>
+                                            <p:cond delay="0"/>
+                                          </p:stCondLst>
+                                        </p:cTn>
+                                        <p:tgtEl>
+                                          <p:spTgt spid="3">
+                                            <p:txEl>
+                                              <p:pRg st="1" end="1"/>
+                                            </p:txEl>
+                                          </p:spTgt>
+                                        </p:tgtEl>
+                                        <p:attrNameLst>
+                                          <p:attrName>style.visibility</p:attrName>
+                                        </p:attrNameLst>
+                                      </p:cBhvr>
+                                      <p:to>
+                                        <p:strVal val="visible"/>
+                                      </p:to>
+                                    </p:set>
+                                  </p:childTnLst>
+                                </p:cTn>
+                              </p:par>
+                            </p:childTnLst>
+                          </p:cTn>
+                        </p:par>
+                      </p:childTnLst>
+                    </p:cTn>
+                  </p:par>
+                  <p:par>
+                    <p:cTn id="7" fill="hold">
+                      <p:stCondLst>
+                        <p:cond delay="indefinite"/>
+                      </p:stCondLst>
+                      <p:childTnLst>
+                        <p:par>
+                          <p:cTn id="8" fill="hold">
+                            <p:stCondLst>
+                              <p:cond delay="0"/>
+                            </p:stCondLst>
+                            <p:childTnLst>
+                              <p:par>
+                                <p:cTn id="9" presetID="1" presetClass="entr" presetSubtype="0" fill="hold" nodeType="clickEffect">
+                                  <p:stCondLst>
+                                    <p:cond delay="0"/>
+                                  </p:stCondLst>
+                                  <p:childTnLst>
+                                    <p:set>
+                                      <p:cBhvr>
+                                        <p:cTn id="10" dur="1" fill="hold">
+                                          <p:stCondLst>
+                                            <p:cond delay="0"/>
+                                          </p:stCondLst>
+                                        </p:cTn>
+                                        <p:tgtEl>
+                                          <p:spTgt spid="3">
+                                            <p:txEl>
+                                              <p:pRg st="2" end="2"/>
+                                            </p:txEl>
+                                          </p:spTgt>
+                                        </p:tgtEl>
+                                        <p:attrNameLst>
+                                          <p:attrName>style.visibility</p:attrName>
+                                        </p:attrNameLst>
+                                      </p:cBhvr>
+                                      <p:to>
+                                        <p:strVal val="visible"/>
+                                      </p:to>
+                                    </p:set>
+                                  </p:childTnLst>
+                                </p:cTn>
+                              </p:par>
+                            </p:childTnLst>
+                          </p:cTn>
+                        </p:par>
+                      </p:childTnLst>
+                    </p:cTn>
+                  </p:par>
+                </p:childTnLst>
+              </p:cTn>
+              <p:prevCondLst>
+                <p:cond evt="onPrev" delay="0">
+                  <p:tgtEl>
+                    <p:sldTgt/>
+                  </p:tgtEl>
+                </p:cond>
+              </p:prevCondLst>
+              <p:nextCondLst>
+                <p:cond evt="onNext" delay="0">
+                  <p:tgtEl>
+                    <p:sldTgt/>
+                  </p:tgtEl>
+                </p:cond>
+              </p:nextCondLst>
+            </p:seq>
+          </p:childTnLst>
+        </p:cTn>
+      </p:par>
+    </p:tnLst>
+  </p:timing>
+</p:sld>
+</file>
+
+<file path=ppt/slides/slide11.xml><?xml version="1.0" encoding="utf-8"?>
+<p:sld xmlns:a="http://schemas.openxmlformats.org/drawingml/2006/main" xmlns:r="http://schemas.openxmlformats.org/officeDocument/2006/relationships" xmlns:p="http://schemas.openxmlformats.org/presentationml/2006/main">
+  <p:cSld>
+    <p:spTree>
+      <p:nvGrpSpPr>
+        <p:cNvPr id="1" name=""/>
+        <p:cNvGrpSpPr/>
+        <p:nvPr/>
+      </p:nvGrpSpPr>
+      <p:grpSpPr>
+        <a:xfrm>
+          <a:off x="0" y="0"/>
+          <a:ext cx="0" cy="0"/>
+          <a:chOff x="0" y="0"/>
+          <a:chExt cx="0" cy="0"/>
+        </a:xfrm>
+      </p:grpSpPr>
+      <p:sp>
+        <p:nvSpPr>
           <p:cNvPr id="9" name="Slide Number">
             <a:extLst>
               <a:ext uri="{FF2B5EF4-FFF2-40B4-BE49-F238E27FC236}">
@@ -9680,7 +10228,7 @@
             <a:fld id="{2BF067CD-8E6B-4360-9AA8-C5DF2A48A6D1}" type="slidenum">
               <a:rPr lang="en-US" smtClean="0"/>
               <a:pPr/>
-              <a:t>10</a:t>
+              <a:t>11</a:t>
             </a:fld>
             <a:endParaRPr lang="en-US" dirty="0"/>
           </a:p>
@@ -10177,7 +10725,7 @@
 </p:sld>
 </file>
 
-<file path=ppt/slides/slide11.xml><?xml version="1.0" encoding="utf-8"?>
+<file path=ppt/slides/slide12.xml><?xml version="1.0" encoding="utf-8"?>
 <p:sld xmlns:a="http://schemas.openxmlformats.org/drawingml/2006/main" xmlns:r="http://schemas.openxmlformats.org/officeDocument/2006/relationships" xmlns:p="http://schemas.openxmlformats.org/presentationml/2006/main">
   <p:cSld>
     <p:spTree>
@@ -10222,7 +10770,7 @@
             <a:fld id="{2BF067CD-8E6B-4360-9AA8-C5DF2A48A6D1}" type="slidenum">
               <a:rPr lang="en-US" smtClean="0"/>
               <a:pPr/>
-              <a:t>11</a:t>
+              <a:t>12</a:t>
             </a:fld>
             <a:endParaRPr lang="en-US" dirty="0"/>
           </a:p>
@@ -10854,7 +11402,7 @@
 </p:sld>
 </file>
 
-<file path=ppt/slides/slide12.xml><?xml version="1.0" encoding="utf-8"?>
+<file path=ppt/slides/slide13.xml><?xml version="1.0" encoding="utf-8"?>
 <p:sld xmlns:a="http://schemas.openxmlformats.org/drawingml/2006/main" xmlns:r="http://schemas.openxmlformats.org/officeDocument/2006/relationships" xmlns:p="http://schemas.openxmlformats.org/presentationml/2006/main">
   <p:cSld>
     <p:spTree>
@@ -10899,7 +11447,7 @@
             <a:fld id="{2BF067CD-8E6B-4360-9AA8-C5DF2A48A6D1}" type="slidenum">
               <a:rPr lang="en-US" smtClean="0"/>
               <a:pPr/>
-              <a:t>12</a:t>
+              <a:t>13</a:t>
             </a:fld>
             <a:endParaRPr lang="en-US" dirty="0"/>
           </a:p>
@@ -10940,10 +11488,10 @@
       </p:sp>
       <p:pic>
         <p:nvPicPr>
-          <p:cNvPr id="11" name="Picture 10">
+          <p:cNvPr id="4" name="Picture 3">
             <a:extLst>
               <a:ext uri="{FF2B5EF4-FFF2-40B4-BE49-F238E27FC236}">
-                <a16:creationId xmlns:a16="http://schemas.microsoft.com/office/drawing/2014/main" id="{277A5111-5A0B-B330-CB74-D40CF76A988D}"/>
+                <a16:creationId xmlns:a16="http://schemas.microsoft.com/office/drawing/2014/main" id="{E8177F20-300B-A9FC-3888-5A46EDBA18FF}"/>
               </a:ext>
             </a:extLst>
           </p:cNvPr>
@@ -10953,20 +11501,20 @@
           <p:nvPr/>
         </p:nvPicPr>
         <p:blipFill rotWithShape="1">
-          <a:blip r:embed="rId3">
+          <a:blip r:embed="rId2">
             <a:extLst>
               <a:ext uri="{28A0092B-C50C-407E-A947-70E740481C1C}">
                 <a14:useLocalDpi xmlns:a14="http://schemas.microsoft.com/office/drawing/2010/main" val="0"/>
               </a:ext>
             </a:extLst>
           </a:blip>
-          <a:srcRect r="5750" b="30057"/>
+          <a:srcRect r="5749" b="33112"/>
           <a:stretch/>
         </p:blipFill>
         <p:spPr>
           <a:xfrm>
-            <a:off x="180169" y="1854000"/>
-            <a:ext cx="11720831" cy="3915000"/>
+            <a:off x="79071" y="1764000"/>
+            <a:ext cx="12033444" cy="3843863"/>
           </a:xfrm>
           <a:prstGeom prst="rect">
             <a:avLst/>
@@ -10991,15 +11539,10 @@
       <p:transition spd="slow" advClick="0" advTm="5000"/>
     </mc:Fallback>
   </mc:AlternateContent>
-  <p:extLst>
-    <p:ext uri="{6950BFC3-D8DA-4A85-94F7-54DA5524770B}">
-      <p188:commentRel xmlns:p188="http://schemas.microsoft.com/office/powerpoint/2018/8/main" r:id="rId2"/>
-    </p:ext>
-  </p:extLst>
 </p:sld>
 </file>
 
-<file path=ppt/slides/slide13.xml><?xml version="1.0" encoding="utf-8"?>
+<file path=ppt/slides/slide14.xml><?xml version="1.0" encoding="utf-8"?>
 <p:sld xmlns:a="http://schemas.openxmlformats.org/drawingml/2006/main" xmlns:r="http://schemas.openxmlformats.org/officeDocument/2006/relationships" xmlns:p="http://schemas.openxmlformats.org/presentationml/2006/main">
   <p:cSld>
     <p:spTree>
@@ -11040,7 +11583,7 @@
             <a:fld id="{2BF067CD-8E6B-4360-9AA8-C5DF2A48A6D1}" type="slidenum">
               <a:rPr lang="en-US" smtClean="0"/>
               <a:pPr/>
-              <a:t>13</a:t>
+              <a:t>14</a:t>
             </a:fld>
             <a:endParaRPr lang="en-US" dirty="0"/>
           </a:p>
@@ -11089,22 +11632,21 @@
           </p:cNvPicPr>
           <p:nvPr/>
         </p:nvPicPr>
-        <p:blipFill>
-          <a:blip r:embed="rId3">
+        <p:blipFill rotWithShape="1">
+          <a:blip r:embed="rId2">
             <a:extLst>
               <a:ext uri="{28A0092B-C50C-407E-A947-70E740481C1C}">
                 <a14:useLocalDpi xmlns:a14="http://schemas.microsoft.com/office/drawing/2010/main" val="0"/>
               </a:ext>
             </a:extLst>
           </a:blip>
-          <a:stretch>
-            <a:fillRect/>
-          </a:stretch>
+          <a:srcRect l="241"/>
+          <a:stretch/>
         </p:blipFill>
         <p:spPr>
           <a:xfrm>
-            <a:off x="425407" y="2079000"/>
-            <a:ext cx="11341185" cy="3284500"/>
+            <a:off x="470999" y="2079000"/>
+            <a:ext cx="11277253" cy="3284500"/>
           </a:xfrm>
           <a:prstGeom prst="rect">
             <a:avLst/>
@@ -11129,15 +11671,10 @@
       <p:transition spd="slow" advClick="0" advTm="5000"/>
     </mc:Fallback>
   </mc:AlternateContent>
-  <p:extLst>
-    <p:ext uri="{6950BFC3-D8DA-4A85-94F7-54DA5524770B}">
-      <p188:commentRel xmlns:p188="http://schemas.microsoft.com/office/powerpoint/2018/8/main" r:id="rId2"/>
-    </p:ext>
-  </p:extLst>
 </p:sld>
 </file>
 
-<file path=ppt/slides/slide14.xml><?xml version="1.0" encoding="utf-8"?>
+<file path=ppt/slides/slide15.xml><?xml version="1.0" encoding="utf-8"?>
 <p:sld xmlns:a="http://schemas.openxmlformats.org/drawingml/2006/main" xmlns:r="http://schemas.openxmlformats.org/officeDocument/2006/relationships" xmlns:p="http://schemas.openxmlformats.org/presentationml/2006/main">
   <p:cSld>
     <p:spTree>
@@ -11276,7 +11813,7 @@
 </p:sld>
 </file>
 
-<file path=ppt/slides/slide15.xml><?xml version="1.0" encoding="utf-8"?>
+<file path=ppt/slides/slide16.xml><?xml version="1.0" encoding="utf-8"?>
 <p:sld xmlns:a="http://schemas.openxmlformats.org/drawingml/2006/main" xmlns:r="http://schemas.openxmlformats.org/officeDocument/2006/relationships" xmlns:p="http://schemas.openxmlformats.org/presentationml/2006/main">
   <p:cSld>
     <p:spTree>
@@ -11326,7 +11863,7 @@
             <a:fld id="{2BF067CD-8E6B-4360-9AA8-C5DF2A48A6D1}" type="slidenum">
               <a:rPr lang="en-US" smtClean="0"/>
               <a:pPr/>
-              <a:t>15</a:t>
+              <a:t>16</a:t>
             </a:fld>
             <a:endParaRPr lang="en-US" dirty="0"/>
           </a:p>
@@ -11672,7 +12209,7 @@
 </p:sld>
 </file>
 
-<file path=ppt/slides/slide16.xml><?xml version="1.0" encoding="utf-8"?>
+<file path=ppt/slides/slide17.xml><?xml version="1.0" encoding="utf-8"?>
 <p:sld xmlns:a="http://schemas.openxmlformats.org/drawingml/2006/main" xmlns:r="http://schemas.openxmlformats.org/officeDocument/2006/relationships" xmlns:p="http://schemas.openxmlformats.org/presentationml/2006/main">
   <p:cSld>
     <p:spTree>
@@ -11713,7 +12250,7 @@
             <a:fld id="{2BF067CD-8E6B-4360-9AA8-C5DF2A48A6D1}" type="slidenum">
               <a:rPr lang="en-US" noProof="0" smtClean="0"/>
               <a:pPr/>
-              <a:t>16</a:t>
+              <a:t>17</a:t>
             </a:fld>
             <a:endParaRPr lang="en-US" noProof="0" dirty="0"/>
           </a:p>
@@ -12289,7 +12826,7 @@
 </p:sld>
 </file>
 
-<file path=ppt/slides/slide17.xml><?xml version="1.0" encoding="utf-8"?>
+<file path=ppt/slides/slide18.xml><?xml version="1.0" encoding="utf-8"?>
 <p:sld xmlns:a="http://schemas.openxmlformats.org/drawingml/2006/main" xmlns:r="http://schemas.openxmlformats.org/officeDocument/2006/relationships" xmlns:p="http://schemas.openxmlformats.org/presentationml/2006/main">
   <p:cSld>
     <p:spTree>
@@ -12330,7 +12867,7 @@
             <a:fld id="{2BF067CD-8E6B-4360-9AA8-C5DF2A48A6D1}" type="slidenum">
               <a:rPr lang="en-US" noProof="0" smtClean="0"/>
               <a:pPr/>
-              <a:t>17</a:t>
+              <a:t>18</a:t>
             </a:fld>
             <a:endParaRPr lang="en-US" noProof="0" dirty="0"/>
           </a:p>
@@ -13061,7 +13598,7 @@
 </p:sld>
 </file>
 
-<file path=ppt/slides/slide18.xml><?xml version="1.0" encoding="utf-8"?>
+<file path=ppt/slides/slide19.xml><?xml version="1.0" encoding="utf-8"?>
 <p:sld xmlns:a="http://schemas.openxmlformats.org/drawingml/2006/main" xmlns:r="http://schemas.openxmlformats.org/officeDocument/2006/relationships" xmlns:p="http://schemas.openxmlformats.org/presentationml/2006/main">
   <p:cSld>
     <p:spTree>
@@ -13102,7 +13639,7 @@
             <a:fld id="{2BF067CD-8E6B-4360-9AA8-C5DF2A48A6D1}" type="slidenum">
               <a:rPr lang="en-US" noProof="0" smtClean="0"/>
               <a:pPr/>
-              <a:t>18</a:t>
+              <a:t>19</a:t>
             </a:fld>
             <a:endParaRPr lang="en-US" noProof="0" dirty="0"/>
           </a:p>
@@ -13273,7 +13810,630 @@
 </p:sld>
 </file>
 
-<file path=ppt/slides/slide19.xml><?xml version="1.0" encoding="utf-8"?>
+<file path=ppt/slides/slide2.xml><?xml version="1.0" encoding="utf-8"?>
+<p:sld xmlns:a="http://schemas.openxmlformats.org/drawingml/2006/main" xmlns:r="http://schemas.openxmlformats.org/officeDocument/2006/relationships" xmlns:p="http://schemas.openxmlformats.org/presentationml/2006/main">
+  <p:cSld>
+    <p:spTree>
+      <p:nvGrpSpPr>
+        <p:cNvPr id="1" name=""/>
+        <p:cNvGrpSpPr/>
+        <p:nvPr/>
+      </p:nvGrpSpPr>
+      <p:grpSpPr>
+        <a:xfrm>
+          <a:off x="0" y="0"/>
+          <a:ext cx="0" cy="0"/>
+          <a:chOff x="0" y="0"/>
+          <a:chExt cx="0" cy="0"/>
+        </a:xfrm>
+      </p:grpSpPr>
+      <p:sp>
+        <p:nvSpPr>
+          <p:cNvPr id="5" name="Slide Number">
+            <a:extLst>
+              <a:ext uri="{FF2B5EF4-FFF2-40B4-BE49-F238E27FC236}">
+                <a16:creationId xmlns:a16="http://schemas.microsoft.com/office/drawing/2014/main" id="{6A760D59-0056-4F39-B077-DBDBE3D2927E}"/>
+              </a:ext>
+            </a:extLst>
+          </p:cNvPr>
+          <p:cNvSpPr txBox="1">
+            <a:spLocks/>
+          </p:cNvSpPr>
+          <p:nvPr/>
+        </p:nvSpPr>
+        <p:spPr>
+          <a:xfrm>
+            <a:off x="11753030" y="6507000"/>
+            <a:ext cx="367414" cy="297000"/>
+          </a:xfrm>
+          <a:prstGeom prst="rect">
+            <a:avLst/>
+          </a:prstGeom>
+        </p:spPr>
+        <p:txBody>
+          <a:bodyPr vert="horz" lIns="91440" tIns="45720" rIns="91440" bIns="45720" rtlCol="0" anchor="b"/>
+          <a:lstStyle>
+            <a:defPPr>
+              <a:defRPr lang="en-US"/>
+            </a:defPPr>
+            <a:lvl1pPr marL="0" algn="r" defTabSz="914400" rtl="0" eaLnBrk="1" latinLnBrk="0" hangingPunct="1">
+              <a:defRPr sz="1000" kern="1200">
+                <a:solidFill>
+                  <a:schemeClr val="tx1"/>
+                </a:solidFill>
+                <a:latin typeface="+mn-lt"/>
+                <a:ea typeface="+mn-ea"/>
+                <a:cs typeface="+mn-cs"/>
+              </a:defRPr>
+            </a:lvl1pPr>
+            <a:lvl2pPr marL="457200" algn="l" defTabSz="914400" rtl="0" eaLnBrk="1" latinLnBrk="0" hangingPunct="1">
+              <a:defRPr sz="1800" kern="1200">
+                <a:solidFill>
+                  <a:schemeClr val="tx1"/>
+                </a:solidFill>
+                <a:latin typeface="+mn-lt"/>
+                <a:ea typeface="+mn-ea"/>
+                <a:cs typeface="+mn-cs"/>
+              </a:defRPr>
+            </a:lvl2pPr>
+            <a:lvl3pPr marL="914400" algn="l" defTabSz="914400" rtl="0" eaLnBrk="1" latinLnBrk="0" hangingPunct="1">
+              <a:defRPr sz="1800" kern="1200">
+                <a:solidFill>
+                  <a:schemeClr val="tx1"/>
+                </a:solidFill>
+                <a:latin typeface="+mn-lt"/>
+                <a:ea typeface="+mn-ea"/>
+                <a:cs typeface="+mn-cs"/>
+              </a:defRPr>
+            </a:lvl3pPr>
+            <a:lvl4pPr marL="1371600" algn="l" defTabSz="914400" rtl="0" eaLnBrk="1" latinLnBrk="0" hangingPunct="1">
+              <a:defRPr sz="1800" kern="1200">
+                <a:solidFill>
+                  <a:schemeClr val="tx1"/>
+                </a:solidFill>
+                <a:latin typeface="+mn-lt"/>
+                <a:ea typeface="+mn-ea"/>
+                <a:cs typeface="+mn-cs"/>
+              </a:defRPr>
+            </a:lvl4pPr>
+            <a:lvl5pPr marL="1828800" algn="l" defTabSz="914400" rtl="0" eaLnBrk="1" latinLnBrk="0" hangingPunct="1">
+              <a:defRPr sz="1800" kern="1200">
+                <a:solidFill>
+                  <a:schemeClr val="tx1"/>
+                </a:solidFill>
+                <a:latin typeface="+mn-lt"/>
+                <a:ea typeface="+mn-ea"/>
+                <a:cs typeface="+mn-cs"/>
+              </a:defRPr>
+            </a:lvl5pPr>
+            <a:lvl6pPr marL="2286000" algn="l" defTabSz="914400" rtl="0" eaLnBrk="1" latinLnBrk="0" hangingPunct="1">
+              <a:defRPr sz="1800" kern="1200">
+                <a:solidFill>
+                  <a:schemeClr val="tx1"/>
+                </a:solidFill>
+                <a:latin typeface="+mn-lt"/>
+                <a:ea typeface="+mn-ea"/>
+                <a:cs typeface="+mn-cs"/>
+              </a:defRPr>
+            </a:lvl6pPr>
+            <a:lvl7pPr marL="2743200" algn="l" defTabSz="914400" rtl="0" eaLnBrk="1" latinLnBrk="0" hangingPunct="1">
+              <a:defRPr sz="1800" kern="1200">
+                <a:solidFill>
+                  <a:schemeClr val="tx1"/>
+                </a:solidFill>
+                <a:latin typeface="+mn-lt"/>
+                <a:ea typeface="+mn-ea"/>
+                <a:cs typeface="+mn-cs"/>
+              </a:defRPr>
+            </a:lvl7pPr>
+            <a:lvl8pPr marL="3200400" algn="l" defTabSz="914400" rtl="0" eaLnBrk="1" latinLnBrk="0" hangingPunct="1">
+              <a:defRPr sz="1800" kern="1200">
+                <a:solidFill>
+                  <a:schemeClr val="tx1"/>
+                </a:solidFill>
+                <a:latin typeface="+mn-lt"/>
+                <a:ea typeface="+mn-ea"/>
+                <a:cs typeface="+mn-cs"/>
+              </a:defRPr>
+            </a:lvl8pPr>
+            <a:lvl9pPr marL="3657600" algn="l" defTabSz="914400" rtl="0" eaLnBrk="1" latinLnBrk="0" hangingPunct="1">
+              <a:defRPr sz="1800" kern="1200">
+                <a:solidFill>
+                  <a:schemeClr val="tx1"/>
+                </a:solidFill>
+                <a:latin typeface="+mn-lt"/>
+                <a:ea typeface="+mn-ea"/>
+                <a:cs typeface="+mn-cs"/>
+              </a:defRPr>
+            </a:lvl9pPr>
+          </a:lstStyle>
+          <a:p>
+            <a:fld id="{2BF067CD-8E6B-4360-9AA8-C5DF2A48A6D1}" type="slidenum">
+              <a:rPr lang="en-US" smtClean="0"/>
+              <a:pPr/>
+              <a:t>2</a:t>
+            </a:fld>
+            <a:endParaRPr lang="en-US" dirty="0"/>
+          </a:p>
+        </p:txBody>
+      </p:sp>
+      <p:sp>
+        <p:nvSpPr>
+          <p:cNvPr id="444419" name="Slide Body"/>
+          <p:cNvSpPr>
+            <a:spLocks noGrp="1" noChangeArrowheads="1"/>
+          </p:cNvSpPr>
+          <p:nvPr>
+            <p:ph type="body" sz="quarter" idx="13"/>
+          </p:nvPr>
+        </p:nvSpPr>
+        <p:spPr>
+          <a:xfrm>
+            <a:off x="196766" y="1371604"/>
+            <a:ext cx="11781606" cy="5207396"/>
+          </a:xfrm>
+        </p:spPr>
+        <p:txBody>
+          <a:bodyPr>
+            <a:normAutofit/>
+          </a:bodyPr>
+          <a:lstStyle/>
+          <a:p>
+            <a:pPr>
+              <a:buClr>
+                <a:schemeClr val="tx1"/>
+              </a:buClr>
+            </a:pPr>
+            <a:r>
+              <a:rPr lang="en-US" sz="4000" dirty="0"/>
+              <a:t>​​</a:t>
+            </a:r>
+            <a:r>
+              <a:rPr lang="bg-BG" sz="4000" b="1" dirty="0">
+                <a:solidFill>
+                  <a:schemeClr val="bg1"/>
+                </a:solidFill>
+              </a:rPr>
+              <a:t>Итеративни</a:t>
+            </a:r>
+            <a:r>
+              <a:rPr lang="bg-BG" sz="4000" dirty="0"/>
+              <a:t> </a:t>
+            </a:r>
+            <a:r>
+              <a:rPr lang="en-US" sz="4000" b="1" dirty="0"/>
+              <a:t>(</a:t>
+            </a:r>
+            <a:r>
+              <a:rPr lang="bg-BG" sz="4000" b="1" dirty="0"/>
+              <a:t>циклични</a:t>
+            </a:r>
+            <a:r>
+              <a:rPr lang="en-US" sz="4000" b="1" dirty="0"/>
+              <a:t>)</a:t>
+            </a:r>
+            <a:r>
+              <a:rPr lang="en-US" sz="4000" dirty="0"/>
+              <a:t> </a:t>
+            </a:r>
+            <a:r>
+              <a:rPr lang="bg-BG" sz="4000" b="1" dirty="0"/>
+              <a:t>модели</a:t>
+            </a:r>
+          </a:p>
+          <a:p>
+            <a:pPr lvl="1">
+              <a:buClr>
+                <a:schemeClr val="tx1"/>
+              </a:buClr>
+            </a:pPr>
+            <a:r>
+              <a:rPr lang="bg-BG" sz="3600" b="1" dirty="0"/>
+              <a:t>Описание</a:t>
+            </a:r>
+            <a:r>
+              <a:rPr lang="bg-BG" sz="3600" dirty="0"/>
+              <a:t> и </a:t>
+            </a:r>
+            <a:r>
+              <a:rPr lang="bg-BG" sz="3600" b="1" dirty="0"/>
+              <a:t>примери</a:t>
+            </a:r>
+            <a:endParaRPr lang="en-US" sz="3600" b="1" dirty="0"/>
+          </a:p>
+          <a:p>
+            <a:pPr>
+              <a:buClr>
+                <a:schemeClr val="tx1"/>
+              </a:buClr>
+            </a:pPr>
+            <a:r>
+              <a:rPr lang="bg-BG" sz="4000" dirty="0"/>
+              <a:t>​</a:t>
+            </a:r>
+            <a:r>
+              <a:rPr lang="en-US" sz="4000" b="1" dirty="0">
+                <a:solidFill>
+                  <a:schemeClr val="bg1"/>
+                </a:solidFill>
+              </a:rPr>
+              <a:t>Agile</a:t>
+            </a:r>
+            <a:r>
+              <a:rPr lang="en-US" sz="4000" dirty="0"/>
+              <a:t> </a:t>
+            </a:r>
+            <a:r>
+              <a:rPr lang="bg-BG" sz="4000" dirty="0"/>
+              <a:t>и </a:t>
+            </a:r>
+            <a:r>
+              <a:rPr lang="en-US" sz="4000" b="1" dirty="0">
+                <a:solidFill>
+                  <a:schemeClr val="bg1"/>
+                </a:solidFill>
+              </a:rPr>
+              <a:t>Scrum</a:t>
+            </a:r>
+            <a:endParaRPr lang="bg-BG" sz="4000" b="1" dirty="0">
+              <a:solidFill>
+                <a:schemeClr val="bg1"/>
+              </a:solidFill>
+            </a:endParaRPr>
+          </a:p>
+          <a:p>
+            <a:pPr lvl="1">
+              <a:buClr>
+                <a:schemeClr val="tx1"/>
+              </a:buClr>
+            </a:pPr>
+            <a:r>
+              <a:rPr lang="bg-BG" sz="4000" b="1" dirty="0"/>
+              <a:t>Ключови думи</a:t>
+            </a:r>
+            <a:r>
+              <a:rPr lang="bg-BG" sz="4000" dirty="0"/>
+              <a:t>, </a:t>
+            </a:r>
+            <a:r>
+              <a:rPr lang="bg-BG" sz="4000" b="1" dirty="0"/>
+              <a:t>етапи</a:t>
+            </a:r>
+            <a:r>
+              <a:rPr lang="bg-BG" sz="4000" dirty="0"/>
+              <a:t>, </a:t>
+            </a:r>
+            <a:r>
+              <a:rPr lang="bg-BG" sz="4000" b="1" dirty="0"/>
+              <a:t>роли</a:t>
+            </a:r>
+            <a:r>
+              <a:rPr lang="bg-BG" sz="4000" dirty="0"/>
+              <a:t>, </a:t>
+            </a:r>
+            <a:r>
+              <a:rPr lang="bg-BG" sz="4000" b="1" dirty="0"/>
+              <a:t>предимства</a:t>
+            </a:r>
+            <a:r>
+              <a:rPr lang="bg-BG" sz="4000" dirty="0"/>
+              <a:t> и </a:t>
+            </a:r>
+            <a:r>
+              <a:rPr lang="bg-BG" sz="4000" b="1" dirty="0"/>
+              <a:t>недостатъци</a:t>
+            </a:r>
+          </a:p>
+          <a:p>
+            <a:pPr>
+              <a:buClr>
+                <a:schemeClr val="tx1"/>
+              </a:buClr>
+            </a:pPr>
+            <a:r>
+              <a:rPr lang="bg-BG" sz="4000" dirty="0"/>
+              <a:t>​</a:t>
+            </a:r>
+            <a:r>
+              <a:rPr lang="bg-BG" sz="4000" b="1" dirty="0"/>
+              <a:t>Пример</a:t>
+            </a:r>
+            <a:r>
+              <a:rPr lang="bg-BG" sz="4000" dirty="0"/>
+              <a:t>:</a:t>
+            </a:r>
+            <a:r>
+              <a:rPr lang="en-US" sz="4000" dirty="0"/>
+              <a:t> Scrum </a:t>
+            </a:r>
+            <a:r>
+              <a:rPr lang="bg-BG" sz="4000" dirty="0"/>
+              <a:t>табло </a:t>
+            </a:r>
+            <a:r>
+              <a:rPr lang="en-US" sz="4000" dirty="0"/>
+              <a:t>с Trello</a:t>
+            </a:r>
+            <a:endParaRPr lang="bg-BG" dirty="0"/>
+          </a:p>
+        </p:txBody>
+      </p:sp>
+      <p:sp>
+        <p:nvSpPr>
+          <p:cNvPr id="444418" name="Slide Title"/>
+          <p:cNvSpPr>
+            <a:spLocks noGrp="1" noChangeArrowheads="1"/>
+          </p:cNvSpPr>
+          <p:nvPr>
+            <p:ph type="title"/>
+          </p:nvPr>
+        </p:nvSpPr>
+        <p:spPr>
+          <a:xfrm>
+            <a:off x="190406" y="100750"/>
+            <a:ext cx="10270594" cy="882654"/>
+          </a:xfrm>
+        </p:spPr>
+        <p:txBody>
+          <a:bodyPr/>
+          <a:lstStyle/>
+          <a:p>
+            <a:r>
+              <a:rPr lang="bg-BG"/>
+              <a:t>Съдържание</a:t>
+            </a:r>
+            <a:endParaRPr lang="bg-BG" dirty="0"/>
+          </a:p>
+        </p:txBody>
+      </p:sp>
+    </p:spTree>
+    <p:extLst>
+      <p:ext uri="{BB962C8B-B14F-4D97-AF65-F5344CB8AC3E}">
+        <p14:creationId xmlns:p14="http://schemas.microsoft.com/office/powerpoint/2010/main" val="1646986932"/>
+      </p:ext>
+    </p:extLst>
+  </p:cSld>
+  <p:clrMapOvr>
+    <a:masterClrMapping/>
+  </p:clrMapOvr>
+  <mc:AlternateContent xmlns:mc="http://schemas.openxmlformats.org/markup-compatibility/2006" xmlns:p14="http://schemas.microsoft.com/office/powerpoint/2010/main">
+    <mc:Choice Requires="p14">
+      <p:transition spd="slow" p14:dur="2000" advClick="0" advTm="5000"/>
+    </mc:Choice>
+    <mc:Fallback xmlns="">
+      <p:transition spd="slow" advClick="0" advTm="5000"/>
+    </mc:Fallback>
+  </mc:AlternateContent>
+  <p:timing>
+    <p:tnLst>
+      <p:par>
+        <p:cTn id="1" dur="indefinite" restart="never" nodeType="tmRoot">
+          <p:childTnLst>
+            <p:seq concurrent="1" nextAc="seek">
+              <p:cTn id="2" dur="indefinite" nodeType="mainSeq">
+                <p:childTnLst>
+                  <p:par>
+                    <p:cTn id="3" fill="hold">
+                      <p:stCondLst>
+                        <p:cond delay="indefinite"/>
+                      </p:stCondLst>
+                      <p:childTnLst>
+                        <p:par>
+                          <p:cTn id="4" fill="hold">
+                            <p:stCondLst>
+                              <p:cond delay="0"/>
+                            </p:stCondLst>
+                            <p:childTnLst>
+                              <p:par>
+                                <p:cTn id="5" presetID="1" presetClass="entr" presetSubtype="0" fill="hold" nodeType="clickEffect">
+                                  <p:stCondLst>
+                                    <p:cond delay="0"/>
+                                  </p:stCondLst>
+                                  <p:childTnLst>
+                                    <p:set>
+                                      <p:cBhvr>
+                                        <p:cTn id="6" dur="1" fill="hold">
+                                          <p:stCondLst>
+                                            <p:cond delay="0"/>
+                                          </p:stCondLst>
+                                        </p:cTn>
+                                        <p:tgtEl>
+                                          <p:spTgt spid="444419">
+                                            <p:txEl>
+                                              <p:pRg st="1" end="1"/>
+                                            </p:txEl>
+                                          </p:spTgt>
+                                        </p:tgtEl>
+                                        <p:attrNameLst>
+                                          <p:attrName>style.visibility</p:attrName>
+                                        </p:attrNameLst>
+                                      </p:cBhvr>
+                                      <p:to>
+                                        <p:strVal val="visible"/>
+                                      </p:to>
+                                    </p:set>
+                                  </p:childTnLst>
+                                </p:cTn>
+                              </p:par>
+                            </p:childTnLst>
+                          </p:cTn>
+                        </p:par>
+                      </p:childTnLst>
+                    </p:cTn>
+                  </p:par>
+                  <p:par>
+                    <p:cTn id="7" fill="hold">
+                      <p:stCondLst>
+                        <p:cond delay="indefinite"/>
+                      </p:stCondLst>
+                      <p:childTnLst>
+                        <p:par>
+                          <p:cTn id="8" fill="hold">
+                            <p:stCondLst>
+                              <p:cond delay="0"/>
+                            </p:stCondLst>
+                            <p:childTnLst>
+                              <p:par>
+                                <p:cTn id="9" presetID="1" presetClass="entr" presetSubtype="0" fill="hold" nodeType="clickEffect">
+                                  <p:stCondLst>
+                                    <p:cond delay="0"/>
+                                  </p:stCondLst>
+                                  <p:childTnLst>
+                                    <p:set>
+                                      <p:cBhvr>
+                                        <p:cTn id="10" dur="1" fill="hold">
+                                          <p:stCondLst>
+                                            <p:cond delay="0"/>
+                                          </p:stCondLst>
+                                        </p:cTn>
+                                        <p:tgtEl>
+                                          <p:spTgt spid="444419">
+                                            <p:txEl>
+                                              <p:pRg st="2" end="2"/>
+                                            </p:txEl>
+                                          </p:spTgt>
+                                        </p:tgtEl>
+                                        <p:attrNameLst>
+                                          <p:attrName>style.visibility</p:attrName>
+                                        </p:attrNameLst>
+                                      </p:cBhvr>
+                                      <p:to>
+                                        <p:strVal val="visible"/>
+                                      </p:to>
+                                    </p:set>
+                                  </p:childTnLst>
+                                </p:cTn>
+                              </p:par>
+                            </p:childTnLst>
+                          </p:cTn>
+                        </p:par>
+                      </p:childTnLst>
+                    </p:cTn>
+                  </p:par>
+                  <p:par>
+                    <p:cTn id="11" fill="hold">
+                      <p:stCondLst>
+                        <p:cond delay="indefinite"/>
+                      </p:stCondLst>
+                      <p:childTnLst>
+                        <p:par>
+                          <p:cTn id="12" fill="hold">
+                            <p:stCondLst>
+                              <p:cond delay="0"/>
+                            </p:stCondLst>
+                            <p:childTnLst>
+                              <p:par>
+                                <p:cTn id="13" presetID="1" presetClass="entr" presetSubtype="0" fill="hold" nodeType="clickEffect">
+                                  <p:stCondLst>
+                                    <p:cond delay="0"/>
+                                  </p:stCondLst>
+                                  <p:childTnLst>
+                                    <p:set>
+                                      <p:cBhvr>
+                                        <p:cTn id="14" dur="1" fill="hold">
+                                          <p:stCondLst>
+                                            <p:cond delay="0"/>
+                                          </p:stCondLst>
+                                        </p:cTn>
+                                        <p:tgtEl>
+                                          <p:spTgt spid="444419">
+                                            <p:txEl>
+                                              <p:pRg st="3" end="3"/>
+                                            </p:txEl>
+                                          </p:spTgt>
+                                        </p:tgtEl>
+                                        <p:attrNameLst>
+                                          <p:attrName>style.visibility</p:attrName>
+                                        </p:attrNameLst>
+                                      </p:cBhvr>
+                                      <p:to>
+                                        <p:strVal val="visible"/>
+                                      </p:to>
+                                    </p:set>
+                                  </p:childTnLst>
+                                </p:cTn>
+                              </p:par>
+                            </p:childTnLst>
+                          </p:cTn>
+                        </p:par>
+                      </p:childTnLst>
+                    </p:cTn>
+                  </p:par>
+                  <p:par>
+                    <p:cTn id="15" fill="hold">
+                      <p:stCondLst>
+                        <p:cond delay="indefinite"/>
+                      </p:stCondLst>
+                      <p:childTnLst>
+                        <p:par>
+                          <p:cTn id="16" fill="hold">
+                            <p:stCondLst>
+                              <p:cond delay="0"/>
+                            </p:stCondLst>
+                            <p:childTnLst>
+                              <p:par>
+                                <p:cTn id="17" presetID="1" presetClass="entr" presetSubtype="0" fill="hold" nodeType="clickEffect">
+                                  <p:stCondLst>
+                                    <p:cond delay="0"/>
+                                  </p:stCondLst>
+                                  <p:childTnLst>
+                                    <p:set>
+                                      <p:cBhvr>
+                                        <p:cTn id="18" dur="1" fill="hold">
+                                          <p:stCondLst>
+                                            <p:cond delay="0"/>
+                                          </p:stCondLst>
+                                        </p:cTn>
+                                        <p:tgtEl>
+                                          <p:spTgt spid="444419">
+                                            <p:txEl>
+                                              <p:pRg st="4" end="4"/>
+                                            </p:txEl>
+                                          </p:spTgt>
+                                        </p:tgtEl>
+                                        <p:attrNameLst>
+                                          <p:attrName>style.visibility</p:attrName>
+                                        </p:attrNameLst>
+                                      </p:cBhvr>
+                                      <p:to>
+                                        <p:strVal val="visible"/>
+                                      </p:to>
+                                    </p:set>
+                                  </p:childTnLst>
+                                </p:cTn>
+                              </p:par>
+                            </p:childTnLst>
+                          </p:cTn>
+                        </p:par>
+                      </p:childTnLst>
+                    </p:cTn>
+                  </p:par>
+                </p:childTnLst>
+              </p:cTn>
+              <p:prevCondLst>
+                <p:cond evt="onPrev" delay="0">
+                  <p:tgtEl>
+                    <p:sldTgt/>
+                  </p:tgtEl>
+                </p:cond>
+              </p:prevCondLst>
+              <p:nextCondLst>
+                <p:cond evt="onNext" delay="0">
+                  <p:tgtEl>
+                    <p:sldTgt/>
+                  </p:tgtEl>
+                </p:cond>
+              </p:nextCondLst>
+            </p:seq>
+          </p:childTnLst>
+        </p:cTn>
+      </p:par>
+    </p:tnLst>
+  </p:timing>
+</p:sld>
+</file>
+
+<file path=ppt/slides/slide20.xml><?xml version="1.0" encoding="utf-8"?>
 <p:sld xmlns:a="http://schemas.openxmlformats.org/drawingml/2006/main" xmlns:r="http://schemas.openxmlformats.org/officeDocument/2006/relationships" xmlns:p="http://schemas.openxmlformats.org/presentationml/2006/main">
   <p:cSld>
     <p:spTree>
@@ -14005,7 +15165,7 @@
             <a:fld id="{2BF067CD-8E6B-4360-9AA8-C5DF2A48A6D1}" type="slidenum">
               <a:rPr lang="en-US" noProof="0" smtClean="0"/>
               <a:pPr/>
-              <a:t>19</a:t>
+              <a:t>20</a:t>
             </a:fld>
             <a:endParaRPr lang="en-US" noProof="0" dirty="0"/>
           </a:p>
@@ -14356,622 +15516,7 @@
 </p:sld>
 </file>
 
-<file path=ppt/slides/slide2.xml><?xml version="1.0" encoding="utf-8"?>
-<p:sld xmlns:a="http://schemas.openxmlformats.org/drawingml/2006/main" xmlns:r="http://schemas.openxmlformats.org/officeDocument/2006/relationships" xmlns:p="http://schemas.openxmlformats.org/presentationml/2006/main">
-  <p:cSld>
-    <p:spTree>
-      <p:nvGrpSpPr>
-        <p:cNvPr id="1" name=""/>
-        <p:cNvGrpSpPr/>
-        <p:nvPr/>
-      </p:nvGrpSpPr>
-      <p:grpSpPr>
-        <a:xfrm>
-          <a:off x="0" y="0"/>
-          <a:ext cx="0" cy="0"/>
-          <a:chOff x="0" y="0"/>
-          <a:chExt cx="0" cy="0"/>
-        </a:xfrm>
-      </p:grpSpPr>
-      <p:sp>
-        <p:nvSpPr>
-          <p:cNvPr id="5" name="Slide Number">
-            <a:extLst>
-              <a:ext uri="{FF2B5EF4-FFF2-40B4-BE49-F238E27FC236}">
-                <a16:creationId xmlns:a16="http://schemas.microsoft.com/office/drawing/2014/main" id="{6A760D59-0056-4F39-B077-DBDBE3D2927E}"/>
-              </a:ext>
-            </a:extLst>
-          </p:cNvPr>
-          <p:cNvSpPr txBox="1">
-            <a:spLocks/>
-          </p:cNvSpPr>
-          <p:nvPr/>
-        </p:nvSpPr>
-        <p:spPr>
-          <a:xfrm>
-            <a:off x="11753030" y="6507000"/>
-            <a:ext cx="367414" cy="297000"/>
-          </a:xfrm>
-          <a:prstGeom prst="rect">
-            <a:avLst/>
-          </a:prstGeom>
-        </p:spPr>
-        <p:txBody>
-          <a:bodyPr vert="horz" lIns="91440" tIns="45720" rIns="91440" bIns="45720" rtlCol="0" anchor="b"/>
-          <a:lstStyle>
-            <a:defPPr>
-              <a:defRPr lang="en-US"/>
-            </a:defPPr>
-            <a:lvl1pPr marL="0" algn="r" defTabSz="914400" rtl="0" eaLnBrk="1" latinLnBrk="0" hangingPunct="1">
-              <a:defRPr sz="1000" kern="1200">
-                <a:solidFill>
-                  <a:schemeClr val="tx1"/>
-                </a:solidFill>
-                <a:latin typeface="+mn-lt"/>
-                <a:ea typeface="+mn-ea"/>
-                <a:cs typeface="+mn-cs"/>
-              </a:defRPr>
-            </a:lvl1pPr>
-            <a:lvl2pPr marL="457200" algn="l" defTabSz="914400" rtl="0" eaLnBrk="1" latinLnBrk="0" hangingPunct="1">
-              <a:defRPr sz="1800" kern="1200">
-                <a:solidFill>
-                  <a:schemeClr val="tx1"/>
-                </a:solidFill>
-                <a:latin typeface="+mn-lt"/>
-                <a:ea typeface="+mn-ea"/>
-                <a:cs typeface="+mn-cs"/>
-              </a:defRPr>
-            </a:lvl2pPr>
-            <a:lvl3pPr marL="914400" algn="l" defTabSz="914400" rtl="0" eaLnBrk="1" latinLnBrk="0" hangingPunct="1">
-              <a:defRPr sz="1800" kern="1200">
-                <a:solidFill>
-                  <a:schemeClr val="tx1"/>
-                </a:solidFill>
-                <a:latin typeface="+mn-lt"/>
-                <a:ea typeface="+mn-ea"/>
-                <a:cs typeface="+mn-cs"/>
-              </a:defRPr>
-            </a:lvl3pPr>
-            <a:lvl4pPr marL="1371600" algn="l" defTabSz="914400" rtl="0" eaLnBrk="1" latinLnBrk="0" hangingPunct="1">
-              <a:defRPr sz="1800" kern="1200">
-                <a:solidFill>
-                  <a:schemeClr val="tx1"/>
-                </a:solidFill>
-                <a:latin typeface="+mn-lt"/>
-                <a:ea typeface="+mn-ea"/>
-                <a:cs typeface="+mn-cs"/>
-              </a:defRPr>
-            </a:lvl4pPr>
-            <a:lvl5pPr marL="1828800" algn="l" defTabSz="914400" rtl="0" eaLnBrk="1" latinLnBrk="0" hangingPunct="1">
-              <a:defRPr sz="1800" kern="1200">
-                <a:solidFill>
-                  <a:schemeClr val="tx1"/>
-                </a:solidFill>
-                <a:latin typeface="+mn-lt"/>
-                <a:ea typeface="+mn-ea"/>
-                <a:cs typeface="+mn-cs"/>
-              </a:defRPr>
-            </a:lvl5pPr>
-            <a:lvl6pPr marL="2286000" algn="l" defTabSz="914400" rtl="0" eaLnBrk="1" latinLnBrk="0" hangingPunct="1">
-              <a:defRPr sz="1800" kern="1200">
-                <a:solidFill>
-                  <a:schemeClr val="tx1"/>
-                </a:solidFill>
-                <a:latin typeface="+mn-lt"/>
-                <a:ea typeface="+mn-ea"/>
-                <a:cs typeface="+mn-cs"/>
-              </a:defRPr>
-            </a:lvl6pPr>
-            <a:lvl7pPr marL="2743200" algn="l" defTabSz="914400" rtl="0" eaLnBrk="1" latinLnBrk="0" hangingPunct="1">
-              <a:defRPr sz="1800" kern="1200">
-                <a:solidFill>
-                  <a:schemeClr val="tx1"/>
-                </a:solidFill>
-                <a:latin typeface="+mn-lt"/>
-                <a:ea typeface="+mn-ea"/>
-                <a:cs typeface="+mn-cs"/>
-              </a:defRPr>
-            </a:lvl7pPr>
-            <a:lvl8pPr marL="3200400" algn="l" defTabSz="914400" rtl="0" eaLnBrk="1" latinLnBrk="0" hangingPunct="1">
-              <a:defRPr sz="1800" kern="1200">
-                <a:solidFill>
-                  <a:schemeClr val="tx1"/>
-                </a:solidFill>
-                <a:latin typeface="+mn-lt"/>
-                <a:ea typeface="+mn-ea"/>
-                <a:cs typeface="+mn-cs"/>
-              </a:defRPr>
-            </a:lvl8pPr>
-            <a:lvl9pPr marL="3657600" algn="l" defTabSz="914400" rtl="0" eaLnBrk="1" latinLnBrk="0" hangingPunct="1">
-              <a:defRPr sz="1800" kern="1200">
-                <a:solidFill>
-                  <a:schemeClr val="tx1"/>
-                </a:solidFill>
-                <a:latin typeface="+mn-lt"/>
-                <a:ea typeface="+mn-ea"/>
-                <a:cs typeface="+mn-cs"/>
-              </a:defRPr>
-            </a:lvl9pPr>
-          </a:lstStyle>
-          <a:p>
-            <a:fld id="{2BF067CD-8E6B-4360-9AA8-C5DF2A48A6D1}" type="slidenum">
-              <a:rPr lang="en-US" smtClean="0"/>
-              <a:pPr/>
-              <a:t>2</a:t>
-            </a:fld>
-            <a:endParaRPr lang="en-US" dirty="0"/>
-          </a:p>
-        </p:txBody>
-      </p:sp>
-      <p:sp>
-        <p:nvSpPr>
-          <p:cNvPr id="444419" name="Slide Body"/>
-          <p:cNvSpPr>
-            <a:spLocks noGrp="1" noChangeArrowheads="1"/>
-          </p:cNvSpPr>
-          <p:nvPr>
-            <p:ph type="body" sz="quarter" idx="13"/>
-          </p:nvPr>
-        </p:nvSpPr>
-        <p:spPr>
-          <a:xfrm>
-            <a:off x="196766" y="1371604"/>
-            <a:ext cx="11781606" cy="5207396"/>
-          </a:xfrm>
-        </p:spPr>
-        <p:txBody>
-          <a:bodyPr>
-            <a:normAutofit/>
-          </a:bodyPr>
-          <a:lstStyle/>
-          <a:p>
-            <a:pPr>
-              <a:buClr>
-                <a:schemeClr val="tx1"/>
-              </a:buClr>
-            </a:pPr>
-            <a:r>
-              <a:rPr lang="en-US" sz="4000" dirty="0"/>
-              <a:t>​​</a:t>
-            </a:r>
-            <a:r>
-              <a:rPr lang="bg-BG" sz="4000" b="1" dirty="0">
-                <a:solidFill>
-                  <a:schemeClr val="bg1"/>
-                </a:solidFill>
-              </a:rPr>
-              <a:t>Итеративни</a:t>
-            </a:r>
-            <a:r>
-              <a:rPr lang="bg-BG" sz="4000" dirty="0"/>
-              <a:t> </a:t>
-            </a:r>
-            <a:r>
-              <a:rPr lang="en-US" sz="4000" b="1" dirty="0"/>
-              <a:t>(</a:t>
-            </a:r>
-            <a:r>
-              <a:rPr lang="bg-BG" sz="4000" b="1" dirty="0"/>
-              <a:t>циклични</a:t>
-            </a:r>
-            <a:r>
-              <a:rPr lang="en-US" sz="4000" b="1" dirty="0"/>
-              <a:t>)</a:t>
-            </a:r>
-            <a:r>
-              <a:rPr lang="en-US" sz="4000" dirty="0"/>
-              <a:t> </a:t>
-            </a:r>
-            <a:r>
-              <a:rPr lang="bg-BG" sz="4000" b="1" dirty="0"/>
-              <a:t>модели</a:t>
-            </a:r>
-          </a:p>
-          <a:p>
-            <a:pPr lvl="1">
-              <a:buClr>
-                <a:schemeClr val="tx1"/>
-              </a:buClr>
-            </a:pPr>
-            <a:r>
-              <a:rPr lang="bg-BG" sz="3600" b="1" dirty="0"/>
-              <a:t>Описание</a:t>
-            </a:r>
-            <a:r>
-              <a:rPr lang="bg-BG" sz="3600" dirty="0"/>
-              <a:t> и </a:t>
-            </a:r>
-            <a:r>
-              <a:rPr lang="bg-BG" sz="3600" b="1" dirty="0"/>
-              <a:t>примери</a:t>
-            </a:r>
-            <a:endParaRPr lang="en-US" sz="3600" b="1" dirty="0"/>
-          </a:p>
-          <a:p>
-            <a:pPr>
-              <a:buClr>
-                <a:schemeClr val="tx1"/>
-              </a:buClr>
-            </a:pPr>
-            <a:r>
-              <a:rPr lang="bg-BG" sz="4000" dirty="0"/>
-              <a:t>​</a:t>
-            </a:r>
-            <a:r>
-              <a:rPr lang="en-US" sz="4000" b="1" dirty="0">
-                <a:solidFill>
-                  <a:schemeClr val="bg1"/>
-                </a:solidFill>
-              </a:rPr>
-              <a:t>Agile</a:t>
-            </a:r>
-            <a:r>
-              <a:rPr lang="en-US" sz="4000" dirty="0"/>
-              <a:t> </a:t>
-            </a:r>
-            <a:r>
-              <a:rPr lang="bg-BG" sz="4000" dirty="0"/>
-              <a:t>и </a:t>
-            </a:r>
-            <a:r>
-              <a:rPr lang="en-US" sz="4000" b="1" dirty="0">
-                <a:solidFill>
-                  <a:schemeClr val="bg1"/>
-                </a:solidFill>
-              </a:rPr>
-              <a:t>Scrum</a:t>
-            </a:r>
-            <a:endParaRPr lang="bg-BG" sz="4000" b="1" dirty="0">
-              <a:solidFill>
-                <a:schemeClr val="bg1"/>
-              </a:solidFill>
-            </a:endParaRPr>
-          </a:p>
-          <a:p>
-            <a:pPr lvl="1">
-              <a:buClr>
-                <a:schemeClr val="tx1"/>
-              </a:buClr>
-            </a:pPr>
-            <a:r>
-              <a:rPr lang="bg-BG" sz="4000" b="1" dirty="0"/>
-              <a:t>Етапи</a:t>
-            </a:r>
-            <a:r>
-              <a:rPr lang="bg-BG" sz="4000" dirty="0"/>
-              <a:t>, </a:t>
-            </a:r>
-            <a:r>
-              <a:rPr lang="bg-BG" sz="4000" b="1" dirty="0"/>
-              <a:t>роли</a:t>
-            </a:r>
-            <a:r>
-              <a:rPr lang="bg-BG" sz="4000" dirty="0"/>
-              <a:t>, </a:t>
-            </a:r>
-            <a:r>
-              <a:rPr lang="bg-BG" sz="4000" b="1" dirty="0"/>
-              <a:t>предимства</a:t>
-            </a:r>
-            <a:r>
-              <a:rPr lang="bg-BG" sz="4000" dirty="0"/>
-              <a:t> и </a:t>
-            </a:r>
-            <a:r>
-              <a:rPr lang="bg-BG" sz="4000" b="1" dirty="0"/>
-              <a:t>недостатъци</a:t>
-            </a:r>
-          </a:p>
-          <a:p>
-            <a:pPr>
-              <a:buClr>
-                <a:schemeClr val="tx1"/>
-              </a:buClr>
-            </a:pPr>
-            <a:r>
-              <a:rPr lang="bg-BG" sz="4000" dirty="0"/>
-              <a:t>​</a:t>
-            </a:r>
-            <a:r>
-              <a:rPr lang="bg-BG" sz="4000" b="1" dirty="0"/>
-              <a:t>Пример</a:t>
-            </a:r>
-            <a:r>
-              <a:rPr lang="bg-BG" sz="4000" dirty="0"/>
-              <a:t>:</a:t>
-            </a:r>
-            <a:r>
-              <a:rPr lang="en-US" sz="4000" dirty="0"/>
-              <a:t> Scrum </a:t>
-            </a:r>
-            <a:r>
-              <a:rPr lang="bg-BG" sz="4000" dirty="0"/>
-              <a:t>табло </a:t>
-            </a:r>
-            <a:r>
-              <a:rPr lang="en-US" sz="4000" dirty="0"/>
-              <a:t>с Trello</a:t>
-            </a:r>
-            <a:endParaRPr lang="bg-BG" dirty="0"/>
-          </a:p>
-        </p:txBody>
-      </p:sp>
-      <p:sp>
-        <p:nvSpPr>
-          <p:cNvPr id="444418" name="Slide Title"/>
-          <p:cNvSpPr>
-            <a:spLocks noGrp="1" noChangeArrowheads="1"/>
-          </p:cNvSpPr>
-          <p:nvPr>
-            <p:ph type="title"/>
-          </p:nvPr>
-        </p:nvSpPr>
-        <p:spPr>
-          <a:xfrm>
-            <a:off x="190406" y="100750"/>
-            <a:ext cx="10270594" cy="882654"/>
-          </a:xfrm>
-        </p:spPr>
-        <p:txBody>
-          <a:bodyPr/>
-          <a:lstStyle/>
-          <a:p>
-            <a:r>
-              <a:rPr lang="bg-BG"/>
-              <a:t>Съдържание</a:t>
-            </a:r>
-            <a:endParaRPr lang="bg-BG" dirty="0"/>
-          </a:p>
-        </p:txBody>
-      </p:sp>
-    </p:spTree>
-    <p:extLst>
-      <p:ext uri="{BB962C8B-B14F-4D97-AF65-F5344CB8AC3E}">
-        <p14:creationId xmlns:p14="http://schemas.microsoft.com/office/powerpoint/2010/main" val="1646986932"/>
-      </p:ext>
-    </p:extLst>
-  </p:cSld>
-  <p:clrMapOvr>
-    <a:masterClrMapping/>
-  </p:clrMapOvr>
-  <mc:AlternateContent xmlns:mc="http://schemas.openxmlformats.org/markup-compatibility/2006" xmlns:p14="http://schemas.microsoft.com/office/powerpoint/2010/main">
-    <mc:Choice Requires="p14">
-      <p:transition spd="slow" p14:dur="2000" advClick="0" advTm="5000"/>
-    </mc:Choice>
-    <mc:Fallback xmlns="">
-      <p:transition spd="slow" advClick="0" advTm="5000"/>
-    </mc:Fallback>
-  </mc:AlternateContent>
-  <p:timing>
-    <p:tnLst>
-      <p:par>
-        <p:cTn id="1" dur="indefinite" restart="never" nodeType="tmRoot">
-          <p:childTnLst>
-            <p:seq concurrent="1" nextAc="seek">
-              <p:cTn id="2" dur="indefinite" nodeType="mainSeq">
-                <p:childTnLst>
-                  <p:par>
-                    <p:cTn id="3" fill="hold">
-                      <p:stCondLst>
-                        <p:cond delay="indefinite"/>
-                      </p:stCondLst>
-                      <p:childTnLst>
-                        <p:par>
-                          <p:cTn id="4" fill="hold">
-                            <p:stCondLst>
-                              <p:cond delay="0"/>
-                            </p:stCondLst>
-                            <p:childTnLst>
-                              <p:par>
-                                <p:cTn id="5" presetID="1" presetClass="entr" presetSubtype="0" fill="hold" nodeType="clickEffect">
-                                  <p:stCondLst>
-                                    <p:cond delay="0"/>
-                                  </p:stCondLst>
-                                  <p:childTnLst>
-                                    <p:set>
-                                      <p:cBhvr>
-                                        <p:cTn id="6" dur="1" fill="hold">
-                                          <p:stCondLst>
-                                            <p:cond delay="0"/>
-                                          </p:stCondLst>
-                                        </p:cTn>
-                                        <p:tgtEl>
-                                          <p:spTgt spid="444419">
-                                            <p:txEl>
-                                              <p:pRg st="1" end="1"/>
-                                            </p:txEl>
-                                          </p:spTgt>
-                                        </p:tgtEl>
-                                        <p:attrNameLst>
-                                          <p:attrName>style.visibility</p:attrName>
-                                        </p:attrNameLst>
-                                      </p:cBhvr>
-                                      <p:to>
-                                        <p:strVal val="visible"/>
-                                      </p:to>
-                                    </p:set>
-                                  </p:childTnLst>
-                                </p:cTn>
-                              </p:par>
-                            </p:childTnLst>
-                          </p:cTn>
-                        </p:par>
-                      </p:childTnLst>
-                    </p:cTn>
-                  </p:par>
-                  <p:par>
-                    <p:cTn id="7" fill="hold">
-                      <p:stCondLst>
-                        <p:cond delay="indefinite"/>
-                      </p:stCondLst>
-                      <p:childTnLst>
-                        <p:par>
-                          <p:cTn id="8" fill="hold">
-                            <p:stCondLst>
-                              <p:cond delay="0"/>
-                            </p:stCondLst>
-                            <p:childTnLst>
-                              <p:par>
-                                <p:cTn id="9" presetID="1" presetClass="entr" presetSubtype="0" fill="hold" nodeType="clickEffect">
-                                  <p:stCondLst>
-                                    <p:cond delay="0"/>
-                                  </p:stCondLst>
-                                  <p:childTnLst>
-                                    <p:set>
-                                      <p:cBhvr>
-                                        <p:cTn id="10" dur="1" fill="hold">
-                                          <p:stCondLst>
-                                            <p:cond delay="0"/>
-                                          </p:stCondLst>
-                                        </p:cTn>
-                                        <p:tgtEl>
-                                          <p:spTgt spid="444419">
-                                            <p:txEl>
-                                              <p:pRg st="2" end="2"/>
-                                            </p:txEl>
-                                          </p:spTgt>
-                                        </p:tgtEl>
-                                        <p:attrNameLst>
-                                          <p:attrName>style.visibility</p:attrName>
-                                        </p:attrNameLst>
-                                      </p:cBhvr>
-                                      <p:to>
-                                        <p:strVal val="visible"/>
-                                      </p:to>
-                                    </p:set>
-                                  </p:childTnLst>
-                                </p:cTn>
-                              </p:par>
-                            </p:childTnLst>
-                          </p:cTn>
-                        </p:par>
-                      </p:childTnLst>
-                    </p:cTn>
-                  </p:par>
-                  <p:par>
-                    <p:cTn id="11" fill="hold">
-                      <p:stCondLst>
-                        <p:cond delay="indefinite"/>
-                      </p:stCondLst>
-                      <p:childTnLst>
-                        <p:par>
-                          <p:cTn id="12" fill="hold">
-                            <p:stCondLst>
-                              <p:cond delay="0"/>
-                            </p:stCondLst>
-                            <p:childTnLst>
-                              <p:par>
-                                <p:cTn id="13" presetID="1" presetClass="entr" presetSubtype="0" fill="hold" nodeType="clickEffect">
-                                  <p:stCondLst>
-                                    <p:cond delay="0"/>
-                                  </p:stCondLst>
-                                  <p:childTnLst>
-                                    <p:set>
-                                      <p:cBhvr>
-                                        <p:cTn id="14" dur="1" fill="hold">
-                                          <p:stCondLst>
-                                            <p:cond delay="0"/>
-                                          </p:stCondLst>
-                                        </p:cTn>
-                                        <p:tgtEl>
-                                          <p:spTgt spid="444419">
-                                            <p:txEl>
-                                              <p:pRg st="3" end="3"/>
-                                            </p:txEl>
-                                          </p:spTgt>
-                                        </p:tgtEl>
-                                        <p:attrNameLst>
-                                          <p:attrName>style.visibility</p:attrName>
-                                        </p:attrNameLst>
-                                      </p:cBhvr>
-                                      <p:to>
-                                        <p:strVal val="visible"/>
-                                      </p:to>
-                                    </p:set>
-                                  </p:childTnLst>
-                                </p:cTn>
-                              </p:par>
-                            </p:childTnLst>
-                          </p:cTn>
-                        </p:par>
-                      </p:childTnLst>
-                    </p:cTn>
-                  </p:par>
-                  <p:par>
-                    <p:cTn id="15" fill="hold">
-                      <p:stCondLst>
-                        <p:cond delay="indefinite"/>
-                      </p:stCondLst>
-                      <p:childTnLst>
-                        <p:par>
-                          <p:cTn id="16" fill="hold">
-                            <p:stCondLst>
-                              <p:cond delay="0"/>
-                            </p:stCondLst>
-                            <p:childTnLst>
-                              <p:par>
-                                <p:cTn id="17" presetID="1" presetClass="entr" presetSubtype="0" fill="hold" nodeType="clickEffect">
-                                  <p:stCondLst>
-                                    <p:cond delay="0"/>
-                                  </p:stCondLst>
-                                  <p:childTnLst>
-                                    <p:set>
-                                      <p:cBhvr>
-                                        <p:cTn id="18" dur="1" fill="hold">
-                                          <p:stCondLst>
-                                            <p:cond delay="0"/>
-                                          </p:stCondLst>
-                                        </p:cTn>
-                                        <p:tgtEl>
-                                          <p:spTgt spid="444419">
-                                            <p:txEl>
-                                              <p:pRg st="4" end="4"/>
-                                            </p:txEl>
-                                          </p:spTgt>
-                                        </p:tgtEl>
-                                        <p:attrNameLst>
-                                          <p:attrName>style.visibility</p:attrName>
-                                        </p:attrNameLst>
-                                      </p:cBhvr>
-                                      <p:to>
-                                        <p:strVal val="visible"/>
-                                      </p:to>
-                                    </p:set>
-                                  </p:childTnLst>
-                                </p:cTn>
-                              </p:par>
-                            </p:childTnLst>
-                          </p:cTn>
-                        </p:par>
-                      </p:childTnLst>
-                    </p:cTn>
-                  </p:par>
-                </p:childTnLst>
-              </p:cTn>
-              <p:prevCondLst>
-                <p:cond evt="onPrev" delay="0">
-                  <p:tgtEl>
-                    <p:sldTgt/>
-                  </p:tgtEl>
-                </p:cond>
-              </p:prevCondLst>
-              <p:nextCondLst>
-                <p:cond evt="onNext" delay="0">
-                  <p:tgtEl>
-                    <p:sldTgt/>
-                  </p:tgtEl>
-                </p:cond>
-              </p:nextCondLst>
-            </p:seq>
-          </p:childTnLst>
-        </p:cTn>
-      </p:par>
-    </p:tnLst>
-  </p:timing>
-</p:sld>
-</file>
-
-<file path=ppt/slides/slide20.xml><?xml version="1.0" encoding="utf-8"?>
+<file path=ppt/slides/slide21.xml><?xml version="1.0" encoding="utf-8"?>
 <p:sld xmlns:a="http://schemas.openxmlformats.org/drawingml/2006/main" xmlns:r="http://schemas.openxmlformats.org/officeDocument/2006/relationships" xmlns:p="http://schemas.openxmlformats.org/presentationml/2006/main">
   <p:cSld>
     <p:spTree>
@@ -15161,7 +15706,7 @@
 </p:sld>
 </file>
 
-<file path=ppt/slides/slide21.xml><?xml version="1.0" encoding="utf-8"?>
+<file path=ppt/slides/slide22.xml><?xml version="1.0" encoding="utf-8"?>
 <p:sld xmlns:a="http://schemas.openxmlformats.org/drawingml/2006/main" xmlns:r="http://schemas.openxmlformats.org/officeDocument/2006/relationships" xmlns:p="http://schemas.openxmlformats.org/presentationml/2006/main" show="0">
   <p:cSld>
     <p:spTree>
@@ -15214,7 +15759,7 @@
             <a:fld id="{2BF067CD-8E6B-4360-9AA8-C5DF2A48A6D1}" type="slidenum">
               <a:rPr lang="en-US" smtClean="0"/>
               <a:pPr/>
-              <a:t>21</a:t>
+              <a:t>22</a:t>
             </a:fld>
             <a:endParaRPr lang="en-US" dirty="0"/>
           </a:p>
@@ -17405,56 +17950,68 @@
         </p:spPr>
         <p:txBody>
           <a:bodyPr>
-            <a:normAutofit lnSpcReduction="10000"/>
+            <a:normAutofit fontScale="92500" lnSpcReduction="20000"/>
           </a:bodyPr>
           <a:lstStyle/>
           <a:p>
             <a:r>
-              <a:rPr lang="bg-BG" b="1" dirty="0">
+              <a:rPr lang="en-GB" b="1" dirty="0">
                 <a:solidFill>
                   <a:schemeClr val="bg1"/>
                 </a:solidFill>
               </a:rPr>
-              <a:t>Планиране на спринта </a:t>
+              <a:t>Sprint </a:t>
+            </a:r>
+            <a:r>
+              <a:rPr lang="en-GB" b="1" dirty="0"/>
+              <a:t>(</a:t>
             </a:r>
             <a:r>
               <a:rPr lang="bg-BG" b="1" dirty="0"/>
+              <a:t>Спринт</a:t>
+            </a:r>
+            <a:r>
+              <a:rPr lang="en-GB" b="1" dirty="0"/>
+              <a:t>)</a:t>
+            </a:r>
+          </a:p>
+          <a:p>
+            <a:pPr lvl="1"/>
+            <a:r>
+              <a:rPr lang="bg-BG" sz="3200" b="1" dirty="0">
+                <a:solidFill>
+                  <a:schemeClr val="bg1"/>
+                </a:solidFill>
+              </a:rPr>
+              <a:t>Времеви период </a:t>
+            </a:r>
+            <a:r>
+              <a:rPr lang="en-US" sz="3200" dirty="0"/>
               <a:t>(</a:t>
             </a:r>
             <a:r>
-              <a:rPr lang="en-GB" b="1" dirty="0"/>
-              <a:t>Sprint Planning)</a:t>
-            </a:r>
-          </a:p>
-          <a:p>
-            <a:pPr lvl="1"/>
+              <a:rPr lang="bg-BG" sz="3200" dirty="0"/>
+              <a:t>от </a:t>
+            </a:r>
             <a:r>
               <a:rPr lang="bg-BG" sz="3200" b="1" dirty="0"/>
-              <a:t>Избират</a:t>
+              <a:t>1</a:t>
             </a:r>
             <a:r>
               <a:rPr lang="bg-BG" sz="3200" dirty="0"/>
-              <a:t> се задачи от </a:t>
-            </a:r>
-            <a:r>
-              <a:rPr lang="bg-BG" sz="3200" b="1" dirty="0">
-                <a:solidFill>
-                  <a:schemeClr val="bg1"/>
-                </a:solidFill>
-              </a:rPr>
-              <a:t>беклога</a:t>
+              <a:t> до </a:t>
+            </a:r>
+            <a:r>
+              <a:rPr lang="bg-BG" sz="3200" b="1" dirty="0"/>
+              <a:t>4</a:t>
             </a:r>
             <a:r>
               <a:rPr lang="bg-BG" sz="3200" dirty="0"/>
               <a:t> </a:t>
             </a:r>
             <a:r>
-              <a:rPr lang="en-US" sz="3200" dirty="0"/>
-              <a:t>(</a:t>
-            </a:r>
-            <a:r>
               <a:rPr lang="bg-BG" sz="3200" b="1" dirty="0"/>
-              <a:t>списък със задачи и функционалности</a:t>
+              <a:t>седмици</a:t>
             </a:r>
             <a:r>
               <a:rPr lang="en-US" sz="3200" dirty="0"/>
@@ -17462,130 +18019,197 @@
             </a:r>
             <a:r>
               <a:rPr lang="bg-BG" sz="3200" dirty="0"/>
-              <a:t> и се </a:t>
+              <a:t>,в който </a:t>
             </a:r>
             <a:r>
               <a:rPr lang="bg-BG" sz="3200" b="1" dirty="0"/>
-              <a:t>планират</a:t>
+              <a:t>екипът</a:t>
             </a:r>
             <a:r>
               <a:rPr lang="bg-BG" sz="3200" dirty="0"/>
-              <a:t> за следващите </a:t>
-            </a:r>
+              <a:t> работи по определен брой </a:t>
+            </a:r>
+            <a:r>
+              <a:rPr lang="bg-BG" sz="3200" b="1" dirty="0"/>
+              <a:t>задачи</a:t>
+            </a:r>
+            <a:endParaRPr lang="bg-BG" sz="3200" b="1" dirty="0">
+              <a:solidFill>
+                <a:schemeClr val="bg1"/>
+              </a:solidFill>
+            </a:endParaRPr>
+          </a:p>
+          <a:p>
+            <a:r>
+              <a:rPr lang="en-US" b="1" dirty="0">
+                <a:solidFill>
+                  <a:schemeClr val="bg1"/>
+                </a:solidFill>
+              </a:rPr>
+              <a:t>Backlog</a:t>
+            </a:r>
+            <a:r>
+              <a:rPr lang="en-US" b="1" dirty="0"/>
+              <a:t> (</a:t>
+            </a:r>
+            <a:r>
+              <a:rPr lang="bg-BG" b="1" dirty="0"/>
+              <a:t>Беклог</a:t>
+            </a:r>
+            <a:r>
+              <a:rPr lang="en-US" b="1" dirty="0"/>
+              <a:t>)</a:t>
+            </a:r>
+            <a:endParaRPr lang="en-GB" b="1" dirty="0"/>
+          </a:p>
+          <a:p>
+            <a:pPr lvl="1"/>
+            <a:r>
+              <a:rPr lang="bg-BG" b="1" dirty="0">
+                <a:solidFill>
+                  <a:schemeClr val="bg1"/>
+                </a:solidFill>
+              </a:rPr>
+              <a:t>Списък</a:t>
+            </a:r>
+            <a:r>
+              <a:rPr lang="bg-BG" dirty="0"/>
+              <a:t> със </a:t>
+            </a:r>
+            <a:r>
+              <a:rPr lang="bg-BG" b="1" dirty="0"/>
+              <a:t>задачи</a:t>
+            </a:r>
+            <a:r>
+              <a:rPr lang="bg-BG" dirty="0"/>
+              <a:t> и </a:t>
+            </a:r>
+            <a:r>
+              <a:rPr lang="bg-BG" b="1" dirty="0"/>
+              <a:t>изисквания</a:t>
+            </a:r>
+            <a:r>
+              <a:rPr lang="bg-BG" dirty="0"/>
+              <a:t>, които трябва да бъдат изпълнени в </a:t>
+            </a:r>
+            <a:r>
+              <a:rPr lang="bg-BG" b="1" dirty="0"/>
+              <a:t>проекта</a:t>
+            </a:r>
+          </a:p>
+          <a:p>
+            <a:pPr lvl="1"/>
             <a:r>
               <a:rPr lang="en-US" sz="3200" b="1" dirty="0">
                 <a:solidFill>
                   <a:schemeClr val="bg1"/>
                 </a:solidFill>
               </a:rPr>
-              <a:t>2</a:t>
-            </a:r>
-            <a:r>
-              <a:rPr lang="bg-BG" sz="3200" b="1" dirty="0">
+              <a:t>Product Backlog </a:t>
+            </a:r>
+            <a:r>
+              <a:rPr lang="en-GB" sz="3200" dirty="0"/>
+              <a:t>–</a:t>
+            </a:r>
+            <a:r>
+              <a:rPr lang="en-US" sz="3200" dirty="0"/>
+              <a:t> </a:t>
+            </a:r>
+            <a:r>
+              <a:rPr lang="bg-BG" sz="3200" dirty="0"/>
+              <a:t>за </a:t>
+            </a:r>
+            <a:r>
+              <a:rPr lang="bg-BG" sz="3200" b="1" dirty="0"/>
+              <a:t>целия продукт</a:t>
+            </a:r>
+          </a:p>
+          <a:p>
+            <a:pPr lvl="1"/>
+            <a:r>
+              <a:rPr lang="en-US" sz="3200" b="1" dirty="0">
                 <a:solidFill>
                   <a:schemeClr val="bg1"/>
                 </a:solidFill>
               </a:rPr>
-              <a:t>-4 седмици</a:t>
-            </a:r>
-          </a:p>
-          <a:p>
+              <a:t>Sprint Backlog </a:t>
+            </a:r>
+            <a:r>
+              <a:rPr lang="en-GB" sz="3200" dirty="0"/>
+              <a:t>–</a:t>
+            </a:r>
+            <a:r>
+              <a:rPr lang="en-US" sz="3200" dirty="0"/>
+              <a:t> </a:t>
+            </a:r>
+            <a:r>
+              <a:rPr lang="bg-BG" sz="3200" dirty="0"/>
+              <a:t>за </a:t>
+            </a:r>
+            <a:r>
+              <a:rPr lang="bg-BG" sz="3200" b="1" dirty="0"/>
+              <a:t>конкретния спринт</a:t>
+            </a:r>
+            <a:endParaRPr lang="en-US" sz="3200" b="1" dirty="0"/>
+          </a:p>
+          <a:p>
+            <a:r>
+              <a:rPr lang="en-US" b="1" dirty="0">
+                <a:solidFill>
+                  <a:schemeClr val="bg1"/>
+                </a:solidFill>
+              </a:rPr>
+              <a:t>User Story </a:t>
+            </a:r>
+            <a:r>
+              <a:rPr lang="en-US" b="1" dirty="0"/>
+              <a:t>(</a:t>
+            </a:r>
+            <a:r>
+              <a:rPr lang="bg-BG" b="1" dirty="0"/>
+              <a:t>Потребителска история</a:t>
+            </a:r>
+            <a:r>
+              <a:rPr lang="en-US" b="1" dirty="0"/>
+              <a:t>)</a:t>
+            </a:r>
+            <a:endParaRPr lang="bg-BG" b="1" dirty="0"/>
+          </a:p>
+          <a:p>
+            <a:pPr lvl="1"/>
             <a:r>
               <a:rPr lang="bg-BG" b="1" dirty="0">
                 <a:solidFill>
                   <a:schemeClr val="bg1"/>
                 </a:solidFill>
               </a:rPr>
-              <a:t>Ежедневни </a:t>
-            </a:r>
-            <a:r>
-              <a:rPr lang="en-GB" b="1" dirty="0">
-                <a:solidFill>
-                  <a:schemeClr val="bg1"/>
-                </a:solidFill>
-              </a:rPr>
-              <a:t>Scrum </a:t>
-            </a:r>
-            <a:r>
-              <a:rPr lang="bg-BG" b="1" dirty="0">
-                <a:solidFill>
-                  <a:schemeClr val="bg1"/>
-                </a:solidFill>
-              </a:rPr>
-              <a:t>срещи </a:t>
+              <a:t>Кратко описание </a:t>
+            </a:r>
+            <a:r>
+              <a:rPr lang="bg-BG" dirty="0"/>
+              <a:t>на </a:t>
             </a:r>
             <a:r>
               <a:rPr lang="bg-BG" b="1" dirty="0"/>
-              <a:t>(</a:t>
-            </a:r>
-            <a:r>
-              <a:rPr lang="en-GB" b="1" dirty="0"/>
-              <a:t>Daily Stand-up)</a:t>
-            </a:r>
-          </a:p>
-          <a:p>
-            <a:pPr lvl="1"/>
-            <a:r>
-              <a:rPr lang="bg-BG" b="1" dirty="0">
-                <a:solidFill>
-                  <a:schemeClr val="bg1"/>
-                </a:solidFill>
-              </a:rPr>
-              <a:t>Кратки срещи </a:t>
+              <a:t>нужда</a:t>
             </a:r>
             <a:r>
               <a:rPr lang="bg-BG" dirty="0"/>
-              <a:t>(</a:t>
+              <a:t> или </a:t>
             </a:r>
             <a:r>
               <a:rPr lang="bg-BG" b="1" dirty="0"/>
-              <a:t>до 15 минути</a:t>
+              <a:t>изискване</a:t>
             </a:r>
             <a:r>
               <a:rPr lang="bg-BG" dirty="0"/>
-              <a:t>), в които </a:t>
+              <a:t> от гледна точка на </a:t>
             </a:r>
             <a:r>
               <a:rPr lang="bg-BG" b="1" dirty="0"/>
-              <a:t>всеки член </a:t>
-            </a:r>
-            <a:r>
-              <a:rPr lang="bg-BG" dirty="0"/>
-              <a:t>на екипа отговаря на </a:t>
-            </a:r>
-            <a:r>
-              <a:rPr lang="bg-BG" b="1" dirty="0"/>
-              <a:t>три въпроса</a:t>
-            </a:r>
-            <a:r>
-              <a:rPr lang="bg-BG" dirty="0"/>
-              <a:t>:</a:t>
-            </a:r>
-            <a:endParaRPr lang="en-US" dirty="0"/>
-          </a:p>
-          <a:p>
-            <a:pPr lvl="2"/>
-            <a:r>
-              <a:rPr lang="bg-BG" b="1" dirty="0"/>
-              <a:t>Какво направих вчера? </a:t>
+              <a:t>потребителя</a:t>
             </a:r>
             <a:endParaRPr lang="en-US" b="1" dirty="0"/>
-          </a:p>
-          <a:p>
-            <a:pPr lvl="2"/>
-            <a:r>
-              <a:rPr lang="bg-BG" b="1" dirty="0"/>
-              <a:t>Какво ще правя днес? </a:t>
-            </a:r>
-            <a:endParaRPr lang="en-US" b="1" dirty="0"/>
-          </a:p>
-          <a:p>
-            <a:pPr lvl="2"/>
-            <a:r>
-              <a:rPr lang="bg-BG" b="1" dirty="0"/>
-              <a:t>Има ли пречки?</a:t>
-            </a:r>
-            <a:endParaRPr lang="bg-BG" sz="3000" b="1" dirty="0"/>
           </a:p>
         </p:txBody>
       </p:sp>
@@ -17611,30 +18235,27 @@
           <a:p>
             <a:r>
               <a:rPr lang="bg-BG" dirty="0"/>
-              <a:t>Етапи на </a:t>
-            </a:r>
-            <a:r>
-              <a:rPr lang="en-US" dirty="0"/>
-              <a:t>Scrum (1)</a:t>
-            </a:r>
+              <a:t>Ключови думи</a:t>
+            </a:r>
+            <a:endParaRPr lang="en-US" dirty="0"/>
           </a:p>
         </p:txBody>
       </p:sp>
     </p:spTree>
     <p:extLst>
       <p:ext uri="{BB962C8B-B14F-4D97-AF65-F5344CB8AC3E}">
-        <p14:creationId xmlns:p14="http://schemas.microsoft.com/office/powerpoint/2010/main" val="60034460"/>
+        <p14:creationId xmlns:p14="http://schemas.microsoft.com/office/powerpoint/2010/main" val="3378522070"/>
       </p:ext>
     </p:extLst>
   </p:cSld>
   <p:clrMapOvr>
     <a:masterClrMapping/>
   </p:clrMapOvr>
-  <mc:AlternateContent xmlns:mc="http://schemas.openxmlformats.org/markup-compatibility/2006" xmlns:p14="http://schemas.microsoft.com/office/powerpoint/2010/main">
-    <mc:Choice Requires="p14">
+  <mc:AlternateContent xmlns:mc="http://schemas.openxmlformats.org/markup-compatibility/2006">
+    <mc:Choice xmlns:p14="http://schemas.microsoft.com/office/powerpoint/2010/main" Requires="p14">
       <p:transition spd="slow" p14:dur="2000" advClick="0" advTm="5000"/>
     </mc:Choice>
-    <mc:Fallback xmlns="">
+    <mc:Fallback>
       <p:transition spd="slow" advClick="0" advTm="5000"/>
     </mc:Fallback>
   </mc:AlternateContent>
@@ -17940,6 +18561,55 @@
                       </p:childTnLst>
                     </p:cTn>
                   </p:par>
+                  <p:par>
+                    <p:cTn id="27" fill="hold">
+                      <p:stCondLst>
+                        <p:cond delay="indefinite"/>
+                      </p:stCondLst>
+                      <p:childTnLst>
+                        <p:par>
+                          <p:cTn id="28" fill="hold">
+                            <p:stCondLst>
+                              <p:cond delay="0"/>
+                            </p:stCondLst>
+                            <p:childTnLst>
+                              <p:par>
+                                <p:cTn id="29" presetID="1" presetClass="entr" presetSubtype="0" fill="hold" nodeType="clickEffect">
+                                  <p:stCondLst>
+                                    <p:cond delay="0"/>
+                                  </p:stCondLst>
+                                  <p:childTnLst>
+                                    <p:set>
+                                      <p:cBhvr>
+                                        <p:cTn id="30" dur="1" fill="hold">
+                                          <p:stCondLst>
+                                            <p:cond delay="0"/>
+                                          </p:stCondLst>
+                                        </p:cTn>
+                                        <p:tgtEl>
+                                          <p:spTgt spid="7">
+                                            <p:txEl>
+                                              <p:pRg st="7" end="7"/>
+                                            </p:txEl>
+                                          </p:spTgt>
+                                        </p:tgtEl>
+                                        <p:attrNameLst>
+                                          <p:attrName>style.visibility</p:attrName>
+                                        </p:attrNameLst>
+                                      </p:cBhvr>
+                                      <p:to>
+                                        <p:strVal val="visible"/>
+                                      </p:to>
+                                    </p:set>
+                                  </p:childTnLst>
+                                </p:cTn>
+                              </p:par>
+                            </p:childTnLst>
+                          </p:cTn>
+                        </p:par>
+                      </p:childTnLst>
+                    </p:cTn>
+                  </p:par>
                 </p:childTnLst>
               </p:cTn>
               <p:prevCondLst>
@@ -17962,11 +18632,6 @@
       </p:par>
     </p:tnLst>
   </p:timing>
-  <p:extLst>
-    <p:ext uri="{6950BFC3-D8DA-4A85-94F7-54DA5524770B}">
-      <p188:commentRel xmlns:p188="http://schemas.microsoft.com/office/powerpoint/2018/8/main" r:id="rId3"/>
-    </p:ext>
-  </p:extLst>
 </p:sld>
 </file>
 
@@ -17989,10 +18654,10 @@
       </p:grpSpPr>
       <p:sp>
         <p:nvSpPr>
-          <p:cNvPr id="2" name="Slide Number Placeholder 1">
+          <p:cNvPr id="9" name="Slide Number">
             <a:extLst>
               <a:ext uri="{FF2B5EF4-FFF2-40B4-BE49-F238E27FC236}">
-                <a16:creationId xmlns:a16="http://schemas.microsoft.com/office/drawing/2014/main" id="{506B2158-AD20-B89D-3B52-8E73F5398DE6}"/>
+                <a16:creationId xmlns:a16="http://schemas.microsoft.com/office/drawing/2014/main" id="{8891F045-A272-4231-985A-53063F832AC8}"/>
               </a:ext>
             </a:extLst>
           </p:cNvPr>
@@ -18003,26 +18668,35 @@
             <p:ph type="sldNum" sz="quarter" idx="5"/>
           </p:nvPr>
         </p:nvSpPr>
-        <p:spPr/>
+        <p:spPr>
+          <a:xfrm>
+            <a:off x="11753030" y="6507000"/>
+            <a:ext cx="367414" cy="297000"/>
+          </a:xfrm>
+        </p:spPr>
         <p:txBody>
-          <a:bodyPr/>
-          <a:lstStyle/>
+          <a:bodyPr vert="horz" lIns="91440" tIns="45720" rIns="91440" bIns="45720" rtlCol="0" anchor="b"/>
+          <a:lstStyle>
+            <a:lvl1pPr algn="r">
+              <a:defRPr sz="1000"/>
+            </a:lvl1pPr>
+          </a:lstStyle>
           <a:p>
             <a:fld id="{2BF067CD-8E6B-4360-9AA8-C5DF2A48A6D1}" type="slidenum">
-              <a:rPr lang="en-US" noProof="0" smtClean="0"/>
+              <a:rPr lang="en-US" smtClean="0"/>
               <a:pPr/>
               <a:t>9</a:t>
             </a:fld>
-            <a:endParaRPr lang="en-US" noProof="0" dirty="0"/>
+            <a:endParaRPr lang="en-US" dirty="0"/>
           </a:p>
         </p:txBody>
       </p:sp>
       <p:sp>
         <p:nvSpPr>
-          <p:cNvPr id="3" name="Text Placeholder 2">
+          <p:cNvPr id="7" name="Slide Body Text">
             <a:extLst>
               <a:ext uri="{FF2B5EF4-FFF2-40B4-BE49-F238E27FC236}">
-                <a16:creationId xmlns:a16="http://schemas.microsoft.com/office/drawing/2014/main" id="{EA6ED7D1-9209-79C9-75A9-DCEBE42B25B3}"/>
+                <a16:creationId xmlns:a16="http://schemas.microsoft.com/office/drawing/2014/main" id="{320B2856-CE5E-4934-BD1C-1D81E68E529A}"/>
               </a:ext>
             </a:extLst>
           </p:cNvPr>
@@ -18033,9 +18707,16 @@
             <p:ph type="body" sz="quarter" idx="10"/>
           </p:nvPr>
         </p:nvSpPr>
-        <p:spPr/>
+        <p:spPr>
+          <a:xfrm>
+            <a:off x="190402" y="1196125"/>
+            <a:ext cx="11818096" cy="5528766"/>
+          </a:xfrm>
+        </p:spPr>
         <p:txBody>
-          <a:bodyPr/>
+          <a:bodyPr>
+            <a:normAutofit lnSpcReduction="10000"/>
+          </a:bodyPr>
           <a:lstStyle/>
           <a:p>
             <a:r>
@@ -18044,7 +18725,7 @@
                   <a:schemeClr val="bg1"/>
                 </a:solidFill>
               </a:rPr>
-              <a:t>Демонстрация на завършените задачи </a:t>
+              <a:t>Планиране на спринта </a:t>
             </a:r>
             <a:r>
               <a:rPr lang="bg-BG" b="1" dirty="0"/>
@@ -18052,38 +18733,88 @@
             </a:r>
             <a:r>
               <a:rPr lang="en-GB" b="1" dirty="0"/>
-              <a:t>Sprint Review)</a:t>
+              <a:t>Sprint Planning)</a:t>
             </a:r>
           </a:p>
           <a:p>
             <a:pPr lvl="1"/>
             <a:r>
-              <a:rPr lang="bg-BG" dirty="0"/>
-              <a:t>В </a:t>
-            </a:r>
-            <a:r>
-              <a:rPr lang="bg-BG" b="1" dirty="0"/>
-              <a:t>края на спринта </a:t>
-            </a:r>
-            <a:r>
-              <a:rPr lang="bg-BG" dirty="0"/>
-              <a:t>екипът </a:t>
-            </a:r>
+              <a:rPr lang="bg-BG" sz="3200" b="1" dirty="0"/>
+              <a:t>Избират</a:t>
+            </a:r>
+            <a:r>
+              <a:rPr lang="bg-BG" sz="3200" dirty="0"/>
+              <a:t> се задачи от </a:t>
+            </a:r>
+            <a:r>
+              <a:rPr lang="bg-BG" sz="3200" b="1" dirty="0">
+                <a:solidFill>
+                  <a:schemeClr val="bg1"/>
+                </a:solidFill>
+              </a:rPr>
+              <a:t>беклога</a:t>
+            </a:r>
+            <a:r>
+              <a:rPr lang="bg-BG" sz="3200" dirty="0"/>
+              <a:t> </a:t>
+            </a:r>
+            <a:r>
+              <a:rPr lang="en-US" sz="3200" dirty="0"/>
+              <a:t>(</a:t>
+            </a:r>
+            <a:r>
+              <a:rPr lang="bg-BG" sz="3200" b="1" dirty="0"/>
+              <a:t>списък със задачи и функционалности</a:t>
+            </a:r>
+            <a:r>
+              <a:rPr lang="en-US" sz="3200" dirty="0"/>
+              <a:t>)</a:t>
+            </a:r>
+            <a:r>
+              <a:rPr lang="bg-BG" sz="3200" dirty="0"/>
+              <a:t> и се </a:t>
+            </a:r>
+            <a:r>
+              <a:rPr lang="bg-BG" sz="3200" b="1" dirty="0"/>
+              <a:t>планират</a:t>
+            </a:r>
+            <a:r>
+              <a:rPr lang="bg-BG" sz="3200" dirty="0"/>
+              <a:t> за следващите </a:t>
+            </a:r>
+            <a:r>
+              <a:rPr lang="en-US" sz="3200" b="1" dirty="0">
+                <a:solidFill>
+                  <a:schemeClr val="bg1"/>
+                </a:solidFill>
+              </a:rPr>
+              <a:t>2</a:t>
+            </a:r>
+            <a:r>
+              <a:rPr lang="bg-BG" sz="3200" b="1" dirty="0">
+                <a:solidFill>
+                  <a:schemeClr val="bg1"/>
+                </a:solidFill>
+              </a:rPr>
+              <a:t>-4 седмици</a:t>
+            </a:r>
+          </a:p>
+          <a:p>
             <a:r>
               <a:rPr lang="bg-BG" b="1" dirty="0">
                 <a:solidFill>
                   <a:schemeClr val="bg1"/>
                 </a:solidFill>
               </a:rPr>
-              <a:t>представя</a:t>
-            </a:r>
-            <a:r>
-              <a:rPr lang="bg-BG" dirty="0">
+              <a:t>Ежедневни </a:t>
+            </a:r>
+            <a:r>
+              <a:rPr lang="en-GB" b="1" dirty="0">
                 <a:solidFill>
                   <a:schemeClr val="bg1"/>
                 </a:solidFill>
               </a:rPr>
-              <a:t> </a:t>
+              <a:t>Scrum </a:t>
             </a:r>
             <a:r>
               <a:rPr lang="bg-BG" b="1" dirty="0">
@@ -18091,26 +18822,7 @@
                   <a:schemeClr val="bg1"/>
                 </a:solidFill>
               </a:rPr>
-              <a:t>завършените задачи </a:t>
-            </a:r>
-            <a:r>
-              <a:rPr lang="bg-BG" dirty="0"/>
-              <a:t>на заинтересованите страни и получава </a:t>
-            </a:r>
-            <a:r>
-              <a:rPr lang="bg-BG" b="1" dirty="0"/>
-              <a:t>обратна връзка</a:t>
-            </a:r>
-            <a:endParaRPr lang="en-US" b="1" dirty="0"/>
-          </a:p>
-          <a:p>
-            <a:r>
-              <a:rPr lang="bg-BG" b="1" dirty="0">
-                <a:solidFill>
-                  <a:schemeClr val="bg1"/>
-                </a:solidFill>
-              </a:rPr>
-              <a:t>Анализ на работата и подобрения </a:t>
+              <a:t>срещи </a:t>
             </a:r>
             <a:r>
               <a:rPr lang="bg-BG" b="1" dirty="0"/>
@@ -18118,72 +18830,78 @@
             </a:r>
             <a:r>
               <a:rPr lang="en-GB" b="1" dirty="0"/>
-              <a:t>Sprint Retrospective)</a:t>
+              <a:t>Daily Stand-up)</a:t>
             </a:r>
           </a:p>
           <a:p>
             <a:pPr lvl="1"/>
             <a:r>
+              <a:rPr lang="bg-BG" b="1" dirty="0">
+                <a:solidFill>
+                  <a:schemeClr val="bg1"/>
+                </a:solidFill>
+              </a:rPr>
+              <a:t>Кратки срещи </a:t>
+            </a:r>
+            <a:r>
               <a:rPr lang="bg-BG" dirty="0"/>
-              <a:t>Екипът обсъжда </a:t>
-            </a:r>
-            <a:r>
-              <a:rPr lang="bg-BG" b="1" dirty="0">
-                <a:solidFill>
-                  <a:schemeClr val="bg1"/>
-                </a:solidFill>
-              </a:rPr>
-              <a:t>какво е минало добре</a:t>
+              <a:t>(</a:t>
+            </a:r>
+            <a:r>
+              <a:rPr lang="bg-BG" b="1" dirty="0"/>
+              <a:t>до 15 минути</a:t>
             </a:r>
             <a:r>
               <a:rPr lang="bg-BG" dirty="0"/>
-              <a:t>, </a:t>
-            </a:r>
-            <a:r>
-              <a:rPr lang="bg-BG" b="1" dirty="0">
-                <a:solidFill>
-                  <a:schemeClr val="bg1"/>
-                </a:solidFill>
-              </a:rPr>
-              <a:t>какво може да се подобри</a:t>
+              <a:t>), в които </a:t>
             </a:r>
             <a:r>
               <a:rPr lang="bg-BG" b="1" dirty="0"/>
-              <a:t> </a:t>
+              <a:t>всеки член </a:t>
             </a:r>
             <a:r>
               <a:rPr lang="bg-BG" dirty="0"/>
-              <a:t>и </a:t>
-            </a:r>
-            <a:r>
-              <a:rPr lang="bg-BG" b="1" dirty="0">
-                <a:solidFill>
-                  <a:schemeClr val="bg1"/>
-                </a:solidFill>
-              </a:rPr>
-              <a:t>какви действия да се предприемат </a:t>
+              <a:t>на екипа отговаря на </a:t>
+            </a:r>
+            <a:r>
+              <a:rPr lang="bg-BG" b="1" dirty="0"/>
+              <a:t>три въпроса</a:t>
             </a:r>
             <a:r>
               <a:rPr lang="bg-BG" dirty="0"/>
-              <a:t>за </a:t>
-            </a:r>
+              <a:t>:</a:t>
+            </a:r>
+            <a:endParaRPr lang="en-US" dirty="0"/>
+          </a:p>
+          <a:p>
+            <a:pPr lvl="2"/>
             <a:r>
               <a:rPr lang="bg-BG" b="1" dirty="0"/>
-              <a:t>следващия спринт</a:t>
-            </a:r>
-            <a:endParaRPr lang="en-BG" b="1" dirty="0"/>
+              <a:t>Какво направих вчера? </a:t>
+            </a:r>
+            <a:endParaRPr lang="en-US" b="1" dirty="0"/>
+          </a:p>
+          <a:p>
+            <a:pPr lvl="2"/>
+            <a:r>
+              <a:rPr lang="bg-BG" b="1" dirty="0"/>
+              <a:t>Какво ще правя днес? </a:t>
+            </a:r>
+            <a:endParaRPr lang="en-US" b="1" dirty="0"/>
+          </a:p>
+          <a:p>
+            <a:pPr lvl="2"/>
+            <a:r>
+              <a:rPr lang="bg-BG" b="1" dirty="0"/>
+              <a:t>Има ли пречки?</a:t>
+            </a:r>
+            <a:endParaRPr lang="bg-BG" sz="3000" b="1" dirty="0"/>
           </a:p>
         </p:txBody>
       </p:sp>
       <p:sp>
         <p:nvSpPr>
-          <p:cNvPr id="4" name="Title 3">
-            <a:extLst>
-              <a:ext uri="{FF2B5EF4-FFF2-40B4-BE49-F238E27FC236}">
-                <a16:creationId xmlns:a16="http://schemas.microsoft.com/office/drawing/2014/main" id="{36C3D8D5-C5AD-152C-A473-FF36BDC2F938}"/>
-              </a:ext>
-            </a:extLst>
-          </p:cNvPr>
+          <p:cNvPr id="4" name="Slide Title"/>
           <p:cNvSpPr>
             <a:spLocks noGrp="1"/>
           </p:cNvSpPr>
@@ -18191,7 +18909,12 @@
             <p:ph type="title"/>
           </p:nvPr>
         </p:nvSpPr>
-        <p:spPr/>
+        <p:spPr>
+          <a:xfrm>
+            <a:off x="190406" y="100750"/>
+            <a:ext cx="10270594" cy="882654"/>
+          </a:xfrm>
+        </p:spPr>
         <p:txBody>
           <a:bodyPr/>
           <a:lstStyle/>
@@ -18202,16 +18925,15 @@
             </a:r>
             <a:r>
               <a:rPr lang="en-US" dirty="0"/>
-              <a:t>Scrum (2)</a:t>
-            </a:r>
-            <a:endParaRPr lang="en-BG" dirty="0"/>
+              <a:t>Scrum (1)</a:t>
+            </a:r>
           </a:p>
         </p:txBody>
       </p:sp>
     </p:spTree>
     <p:extLst>
       <p:ext uri="{BB962C8B-B14F-4D97-AF65-F5344CB8AC3E}">
-        <p14:creationId xmlns:p14="http://schemas.microsoft.com/office/powerpoint/2010/main" val="2262443910"/>
+        <p14:creationId xmlns:p14="http://schemas.microsoft.com/office/powerpoint/2010/main" val="60034460"/>
       </p:ext>
     </p:extLst>
   </p:cSld>
@@ -18260,7 +18982,7 @@
                                           </p:stCondLst>
                                         </p:cTn>
                                         <p:tgtEl>
-                                          <p:spTgt spid="3">
+                                          <p:spTgt spid="7">
                                             <p:txEl>
                                               <p:pRg st="1" end="1"/>
                                             </p:txEl>
@@ -18309,9 +19031,205 @@
                                           </p:stCondLst>
                                         </p:cTn>
                                         <p:tgtEl>
-                                          <p:spTgt spid="3">
+                                          <p:spTgt spid="7">
                                             <p:txEl>
                                               <p:pRg st="2" end="2"/>
+                                            </p:txEl>
+                                          </p:spTgt>
+                                        </p:tgtEl>
+                                        <p:attrNameLst>
+                                          <p:attrName>style.visibility</p:attrName>
+                                        </p:attrNameLst>
+                                      </p:cBhvr>
+                                      <p:to>
+                                        <p:strVal val="visible"/>
+                                      </p:to>
+                                    </p:set>
+                                  </p:childTnLst>
+                                </p:cTn>
+                              </p:par>
+                            </p:childTnLst>
+                          </p:cTn>
+                        </p:par>
+                      </p:childTnLst>
+                    </p:cTn>
+                  </p:par>
+                  <p:par>
+                    <p:cTn id="11" fill="hold">
+                      <p:stCondLst>
+                        <p:cond delay="indefinite"/>
+                      </p:stCondLst>
+                      <p:childTnLst>
+                        <p:par>
+                          <p:cTn id="12" fill="hold">
+                            <p:stCondLst>
+                              <p:cond delay="0"/>
+                            </p:stCondLst>
+                            <p:childTnLst>
+                              <p:par>
+                                <p:cTn id="13" presetID="1" presetClass="entr" presetSubtype="0" fill="hold" nodeType="clickEffect">
+                                  <p:stCondLst>
+                                    <p:cond delay="0"/>
+                                  </p:stCondLst>
+                                  <p:childTnLst>
+                                    <p:set>
+                                      <p:cBhvr>
+                                        <p:cTn id="14" dur="1" fill="hold">
+                                          <p:stCondLst>
+                                            <p:cond delay="0"/>
+                                          </p:stCondLst>
+                                        </p:cTn>
+                                        <p:tgtEl>
+                                          <p:spTgt spid="7">
+                                            <p:txEl>
+                                              <p:pRg st="3" end="3"/>
+                                            </p:txEl>
+                                          </p:spTgt>
+                                        </p:tgtEl>
+                                        <p:attrNameLst>
+                                          <p:attrName>style.visibility</p:attrName>
+                                        </p:attrNameLst>
+                                      </p:cBhvr>
+                                      <p:to>
+                                        <p:strVal val="visible"/>
+                                      </p:to>
+                                    </p:set>
+                                  </p:childTnLst>
+                                </p:cTn>
+                              </p:par>
+                            </p:childTnLst>
+                          </p:cTn>
+                        </p:par>
+                      </p:childTnLst>
+                    </p:cTn>
+                  </p:par>
+                  <p:par>
+                    <p:cTn id="15" fill="hold">
+                      <p:stCondLst>
+                        <p:cond delay="indefinite"/>
+                      </p:stCondLst>
+                      <p:childTnLst>
+                        <p:par>
+                          <p:cTn id="16" fill="hold">
+                            <p:stCondLst>
+                              <p:cond delay="0"/>
+                            </p:stCondLst>
+                            <p:childTnLst>
+                              <p:par>
+                                <p:cTn id="17" presetID="1" presetClass="entr" presetSubtype="0" fill="hold" nodeType="clickEffect">
+                                  <p:stCondLst>
+                                    <p:cond delay="0"/>
+                                  </p:stCondLst>
+                                  <p:childTnLst>
+                                    <p:set>
+                                      <p:cBhvr>
+                                        <p:cTn id="18" dur="1" fill="hold">
+                                          <p:stCondLst>
+                                            <p:cond delay="0"/>
+                                          </p:stCondLst>
+                                        </p:cTn>
+                                        <p:tgtEl>
+                                          <p:spTgt spid="7">
+                                            <p:txEl>
+                                              <p:pRg st="4" end="4"/>
+                                            </p:txEl>
+                                          </p:spTgt>
+                                        </p:tgtEl>
+                                        <p:attrNameLst>
+                                          <p:attrName>style.visibility</p:attrName>
+                                        </p:attrNameLst>
+                                      </p:cBhvr>
+                                      <p:to>
+                                        <p:strVal val="visible"/>
+                                      </p:to>
+                                    </p:set>
+                                  </p:childTnLst>
+                                </p:cTn>
+                              </p:par>
+                            </p:childTnLst>
+                          </p:cTn>
+                        </p:par>
+                      </p:childTnLst>
+                    </p:cTn>
+                  </p:par>
+                  <p:par>
+                    <p:cTn id="19" fill="hold">
+                      <p:stCondLst>
+                        <p:cond delay="indefinite"/>
+                      </p:stCondLst>
+                      <p:childTnLst>
+                        <p:par>
+                          <p:cTn id="20" fill="hold">
+                            <p:stCondLst>
+                              <p:cond delay="0"/>
+                            </p:stCondLst>
+                            <p:childTnLst>
+                              <p:par>
+                                <p:cTn id="21" presetID="1" presetClass="entr" presetSubtype="0" fill="hold" nodeType="clickEffect">
+                                  <p:stCondLst>
+                                    <p:cond delay="0"/>
+                                  </p:stCondLst>
+                                  <p:childTnLst>
+                                    <p:set>
+                                      <p:cBhvr>
+                                        <p:cTn id="22" dur="1" fill="hold">
+                                          <p:stCondLst>
+                                            <p:cond delay="0"/>
+                                          </p:stCondLst>
+                                        </p:cTn>
+                                        <p:tgtEl>
+                                          <p:spTgt spid="7">
+                                            <p:txEl>
+                                              <p:pRg st="5" end="5"/>
+                                            </p:txEl>
+                                          </p:spTgt>
+                                        </p:tgtEl>
+                                        <p:attrNameLst>
+                                          <p:attrName>style.visibility</p:attrName>
+                                        </p:attrNameLst>
+                                      </p:cBhvr>
+                                      <p:to>
+                                        <p:strVal val="visible"/>
+                                      </p:to>
+                                    </p:set>
+                                  </p:childTnLst>
+                                </p:cTn>
+                              </p:par>
+                            </p:childTnLst>
+                          </p:cTn>
+                        </p:par>
+                      </p:childTnLst>
+                    </p:cTn>
+                  </p:par>
+                  <p:par>
+                    <p:cTn id="23" fill="hold">
+                      <p:stCondLst>
+                        <p:cond delay="indefinite"/>
+                      </p:stCondLst>
+                      <p:childTnLst>
+                        <p:par>
+                          <p:cTn id="24" fill="hold">
+                            <p:stCondLst>
+                              <p:cond delay="0"/>
+                            </p:stCondLst>
+                            <p:childTnLst>
+                              <p:par>
+                                <p:cTn id="25" presetID="1" presetClass="entr" presetSubtype="0" fill="hold" nodeType="clickEffect">
+                                  <p:stCondLst>
+                                    <p:cond delay="0"/>
+                                  </p:stCondLst>
+                                  <p:childTnLst>
+                                    <p:set>
+                                      <p:cBhvr>
+                                        <p:cTn id="26" dur="1" fill="hold">
+                                          <p:stCondLst>
+                                            <p:cond delay="0"/>
+                                          </p:stCondLst>
+                                        </p:cTn>
+                                        <p:tgtEl>
+                                          <p:spTgt spid="7">
+                                            <p:txEl>
+                                              <p:pRg st="6" end="6"/>
                                             </p:txEl>
                                           </p:spTgt>
                                         </p:tgtEl>

--- a/Courses/Software-Sciences/IT-Module-4-Problem-Solving-with-ICT/03-Iterative-(Cyclical)-Models/03-Iterative-(Cyclical)-Models.pptx
+++ b/Courses/Software-Sciences/IT-Module-4-Problem-Solving-with-ICT/03-Iterative-(Cyclical)-Models/03-Iterative-(Cyclical)-Models.pptx
@@ -5,10 +5,10 @@
     <p:sldMasterId id="2147483675" r:id="rId1"/>
   </p:sldMasterIdLst>
   <p:notesMasterIdLst>
-    <p:notesMasterId r:id="rId24"/>
+    <p:notesMasterId r:id="rId26"/>
   </p:notesMasterIdLst>
   <p:handoutMasterIdLst>
-    <p:handoutMasterId r:id="rId25"/>
+    <p:handoutMasterId r:id="rId27"/>
   </p:handoutMasterIdLst>
   <p:sldIdLst>
     <p:sldId id="503" r:id="rId2"/>
@@ -30,9 +30,11 @@
     <p:sldId id="649" r:id="rId18"/>
     <p:sldId id="653" r:id="rId19"/>
     <p:sldId id="656" r:id="rId20"/>
-    <p:sldId id="633" r:id="rId21"/>
-    <p:sldId id="504" r:id="rId22"/>
-    <p:sldId id="505" r:id="rId23"/>
+    <p:sldId id="658" r:id="rId21"/>
+    <p:sldId id="659" r:id="rId22"/>
+    <p:sldId id="633" r:id="rId23"/>
+    <p:sldId id="504" r:id="rId24"/>
+    <p:sldId id="505" r:id="rId25"/>
   </p:sldIdLst>
   <p:sldSz cx="12192000" cy="6858000"/>
   <p:notesSz cx="6858000" cy="9144000"/>
@@ -167,6 +169,8 @@
             <p14:sldId id="649"/>
             <p14:sldId id="653"/>
             <p14:sldId id="656"/>
+            <p14:sldId id="658"/>
+            <p14:sldId id="659"/>
           </p14:sldIdLst>
         </p14:section>
         <p14:section name="Заключение" id="{E19D07F1-86E2-47E9-B2AB-7ADC4F89DC12}">
@@ -318,7 +322,7 @@
           <a:p>
             <a:fld id="{4E087215-0C8F-4762-A664-737A353EC9A4}" type="datetimeFigureOut">
               <a:rPr lang="bg-BG" smtClean="0"/>
-              <a:t>7.05.25 г.</a:t>
+              <a:t>16.05.25 г.</a:t>
             </a:fld>
             <a:endParaRPr lang="bg-BG"/>
           </a:p>
@@ -514,7 +518,7 @@
           <a:p>
             <a:fld id="{72D84649-876A-46C9-8472-14CB09C070D8}" type="datetimeFigureOut">
               <a:rPr lang="en-US" smtClean="0"/>
-              <a:t>5/7/25</a:t>
+              <a:t>5/15/25</a:t>
             </a:fld>
             <a:endParaRPr lang="en-US"/>
           </a:p>
@@ -1676,7 +1680,7 @@
           <a:bodyPr/>
           <a:lstStyle/>
           <a:p>
-            <a:endParaRPr lang="en-US"/>
+            <a:endParaRPr lang="en-US" dirty="0"/>
           </a:p>
         </p:txBody>
       </p:sp>
@@ -1906,135 +1910,28 @@
           <a:bodyPr/>
           <a:lstStyle/>
           <a:p>
-            <a:endParaRPr lang="en-US" dirty="0"/>
+            <a:endParaRPr lang="en-BG" dirty="0"/>
           </a:p>
         </p:txBody>
       </p:sp>
       <p:sp>
         <p:nvSpPr>
-          <p:cNvPr id="7" name="Slide Number Placeholder 5">
-            <a:extLst>
-              <a:ext uri="{FF2B5EF4-FFF2-40B4-BE49-F238E27FC236}">
-                <a16:creationId xmlns:a16="http://schemas.microsoft.com/office/drawing/2014/main" id="{E65F1CA9-65DC-416B-8882-B3A5E415CE67}"/>
-              </a:ext>
-            </a:extLst>
-          </p:cNvPr>
-          <p:cNvSpPr txBox="1">
-            <a:spLocks/>
+          <p:cNvPr id="4" name="Slide Number Placeholder 3"/>
+          <p:cNvSpPr>
+            <a:spLocks noGrp="1"/>
           </p:cNvSpPr>
-          <p:nvPr/>
+          <p:nvPr>
+            <p:ph type="sldNum" sz="quarter" idx="5"/>
+          </p:nvPr>
         </p:nvSpPr>
-        <p:spPr>
-          <a:xfrm>
-            <a:off x="6488999" y="8847000"/>
-            <a:ext cx="367414" cy="297000"/>
-          </a:xfrm>
-          <a:prstGeom prst="rect">
-            <a:avLst/>
-          </a:prstGeom>
-        </p:spPr>
+        <p:spPr/>
         <p:txBody>
-          <a:bodyPr vert="horz" lIns="91440" tIns="45720" rIns="91440" bIns="45720" rtlCol="0" anchor="b"/>
-          <a:lstStyle>
-            <a:defPPr>
-              <a:defRPr lang="en-US"/>
-            </a:defPPr>
-            <a:lvl1pPr marL="0" algn="r" defTabSz="914400" rtl="0" eaLnBrk="1" latinLnBrk="0" hangingPunct="1">
-              <a:defRPr sz="1200" kern="1200">
-                <a:solidFill>
-                  <a:schemeClr val="tx1"/>
-                </a:solidFill>
-                <a:latin typeface="+mn-lt"/>
-                <a:ea typeface="+mn-ea"/>
-                <a:cs typeface="+mn-cs"/>
-              </a:defRPr>
-            </a:lvl1pPr>
-            <a:lvl2pPr marL="457200" algn="l" defTabSz="914400" rtl="0" eaLnBrk="1" latinLnBrk="0" hangingPunct="1">
-              <a:defRPr sz="1800" kern="1200">
-                <a:solidFill>
-                  <a:schemeClr val="tx1"/>
-                </a:solidFill>
-                <a:latin typeface="+mn-lt"/>
-                <a:ea typeface="+mn-ea"/>
-                <a:cs typeface="+mn-cs"/>
-              </a:defRPr>
-            </a:lvl2pPr>
-            <a:lvl3pPr marL="914400" algn="l" defTabSz="914400" rtl="0" eaLnBrk="1" latinLnBrk="0" hangingPunct="1">
-              <a:defRPr sz="1800" kern="1200">
-                <a:solidFill>
-                  <a:schemeClr val="tx1"/>
-                </a:solidFill>
-                <a:latin typeface="+mn-lt"/>
-                <a:ea typeface="+mn-ea"/>
-                <a:cs typeface="+mn-cs"/>
-              </a:defRPr>
-            </a:lvl3pPr>
-            <a:lvl4pPr marL="1371600" algn="l" defTabSz="914400" rtl="0" eaLnBrk="1" latinLnBrk="0" hangingPunct="1">
-              <a:defRPr sz="1800" kern="1200">
-                <a:solidFill>
-                  <a:schemeClr val="tx1"/>
-                </a:solidFill>
-                <a:latin typeface="+mn-lt"/>
-                <a:ea typeface="+mn-ea"/>
-                <a:cs typeface="+mn-cs"/>
-              </a:defRPr>
-            </a:lvl4pPr>
-            <a:lvl5pPr marL="1828800" algn="l" defTabSz="914400" rtl="0" eaLnBrk="1" latinLnBrk="0" hangingPunct="1">
-              <a:defRPr sz="1800" kern="1200">
-                <a:solidFill>
-                  <a:schemeClr val="tx1"/>
-                </a:solidFill>
-                <a:latin typeface="+mn-lt"/>
-                <a:ea typeface="+mn-ea"/>
-                <a:cs typeface="+mn-cs"/>
-              </a:defRPr>
-            </a:lvl5pPr>
-            <a:lvl6pPr marL="2286000" algn="l" defTabSz="914400" rtl="0" eaLnBrk="1" latinLnBrk="0" hangingPunct="1">
-              <a:defRPr sz="1800" kern="1200">
-                <a:solidFill>
-                  <a:schemeClr val="tx1"/>
-                </a:solidFill>
-                <a:latin typeface="+mn-lt"/>
-                <a:ea typeface="+mn-ea"/>
-                <a:cs typeface="+mn-cs"/>
-              </a:defRPr>
-            </a:lvl6pPr>
-            <a:lvl7pPr marL="2743200" algn="l" defTabSz="914400" rtl="0" eaLnBrk="1" latinLnBrk="0" hangingPunct="1">
-              <a:defRPr sz="1800" kern="1200">
-                <a:solidFill>
-                  <a:schemeClr val="tx1"/>
-                </a:solidFill>
-                <a:latin typeface="+mn-lt"/>
-                <a:ea typeface="+mn-ea"/>
-                <a:cs typeface="+mn-cs"/>
-              </a:defRPr>
-            </a:lvl7pPr>
-            <a:lvl8pPr marL="3200400" algn="l" defTabSz="914400" rtl="0" eaLnBrk="1" latinLnBrk="0" hangingPunct="1">
-              <a:defRPr sz="1800" kern="1200">
-                <a:solidFill>
-                  <a:schemeClr val="tx1"/>
-                </a:solidFill>
-                <a:latin typeface="+mn-lt"/>
-                <a:ea typeface="+mn-ea"/>
-                <a:cs typeface="+mn-cs"/>
-              </a:defRPr>
-            </a:lvl8pPr>
-            <a:lvl9pPr marL="3657600" algn="l" defTabSz="914400" rtl="0" eaLnBrk="1" latinLnBrk="0" hangingPunct="1">
-              <a:defRPr sz="1800" kern="1200">
-                <a:solidFill>
-                  <a:schemeClr val="tx1"/>
-                </a:solidFill>
-                <a:latin typeface="+mn-lt"/>
-                <a:ea typeface="+mn-ea"/>
-                <a:cs typeface="+mn-cs"/>
-              </a:defRPr>
-            </a:lvl9pPr>
-          </a:lstStyle>
-          <a:p>
-            <a:fld id="{3EBA5BD7-F043-4D1B-AA17-CD412FC534DE}" type="slidenum">
+          <a:bodyPr/>
+          <a:lstStyle/>
+          <a:p>
+            <a:fld id="{2BF067CD-8E6B-4360-9AA8-C5DF2A48A6D1}" type="slidenum">
               <a:rPr lang="en-US" smtClean="0"/>
-              <a:pPr/>
-              <a:t>20</a:t>
+              <a:t>21</a:t>
             </a:fld>
             <a:endParaRPr lang="en-US" dirty="0"/>
           </a:p>
@@ -2042,13 +1939,7 @@
       </p:sp>
       <p:sp>
         <p:nvSpPr>
-          <p:cNvPr id="5" name="Footer Placeholder 7">
-            <a:extLst>
-              <a:ext uri="{FF2B5EF4-FFF2-40B4-BE49-F238E27FC236}">
-                <a16:creationId xmlns:a16="http://schemas.microsoft.com/office/drawing/2014/main" id="{43FAF785-0C8D-730E-8E59-68198DC82CE0}"/>
-              </a:ext>
-            </a:extLst>
-          </p:cNvPr>
+          <p:cNvPr id="5" name="Footer Placeholder 4"/>
           <p:cNvSpPr>
             <a:spLocks noGrp="1"/>
           </p:cNvSpPr>
@@ -2056,37 +1947,25 @@
             <p:ph type="ftr" sz="quarter" idx="4"/>
           </p:nvPr>
         </p:nvSpPr>
-        <p:spPr>
-          <a:xfrm>
-            <a:off x="-1" y="8892000"/>
-            <a:ext cx="6488999" cy="252000"/>
-          </a:xfrm>
-          <a:prstGeom prst="rect">
-            <a:avLst/>
-          </a:prstGeom>
-        </p:spPr>
+        <p:spPr/>
         <p:txBody>
-          <a:bodyPr vert="horz" lIns="91440" tIns="45720" rIns="91440" bIns="45720" rtlCol="0" anchor="b"/>
-          <a:lstStyle>
-            <a:lvl1pPr algn="l">
-              <a:defRPr sz="1100"/>
-            </a:lvl1pPr>
-          </a:lstStyle>
-          <a:p>
-            <a:r>
-              <a:rPr lang="bg-BG" sz="1100" dirty="0"/>
+          <a:bodyPr/>
+          <a:lstStyle/>
+          <a:p>
+            <a:r>
+              <a:rPr lang="bg-BG" sz="1100"/>
               <a:t>Работна група </a:t>
             </a:r>
             <a:r>
-              <a:rPr lang="bg-BG" dirty="0"/>
+              <a:rPr lang="bg-BG"/>
               <a:t>"Образование по програмиране и ИТ"</a:t>
             </a:r>
             <a:r>
-              <a:rPr lang="bg-BG" sz="1100" dirty="0"/>
+              <a:rPr lang="bg-BG" sz="1100"/>
               <a:t>, с подкрепата на </a:t>
             </a:r>
             <a:r>
-              <a:rPr lang="en-US" sz="1100" dirty="0">
+              <a:rPr lang="en-US" sz="1100">
                 <a:hlinkClick r:id="rId3"/>
               </a:rPr>
               <a:t>SoftUni</a:t>
@@ -2098,7 +1977,7 @@
     </p:spTree>
     <p:extLst>
       <p:ext uri="{BB962C8B-B14F-4D97-AF65-F5344CB8AC3E}">
-        <p14:creationId xmlns:p14="http://schemas.microsoft.com/office/powerpoint/2010/main" val="2689344733"/>
+        <p14:creationId xmlns:p14="http://schemas.microsoft.com/office/powerpoint/2010/main" val="2946349662"/>
       </p:ext>
     </p:extLst>
   </p:cSld>
@@ -2161,7 +2040,7 @@
           <p:cNvPr id="7" name="Slide Number Placeholder 5">
             <a:extLst>
               <a:ext uri="{FF2B5EF4-FFF2-40B4-BE49-F238E27FC236}">
-                <a16:creationId xmlns:a16="http://schemas.microsoft.com/office/drawing/2014/main" id="{5049B984-F964-47FF-8179-0A3007CE21CD}"/>
+                <a16:creationId xmlns:a16="http://schemas.microsoft.com/office/drawing/2014/main" id="{E65F1CA9-65DC-416B-8882-B3A5E415CE67}"/>
               </a:ext>
             </a:extLst>
           </p:cNvPr>
@@ -2280,7 +2159,7 @@
             <a:fld id="{3EBA5BD7-F043-4D1B-AA17-CD412FC534DE}" type="slidenum">
               <a:rPr lang="en-US" smtClean="0"/>
               <a:pPr/>
-              <a:t>21</a:t>
+              <a:t>22</a:t>
             </a:fld>
             <a:endParaRPr lang="en-US" dirty="0"/>
           </a:p>
@@ -2288,10 +2167,10 @@
       </p:sp>
       <p:sp>
         <p:nvSpPr>
-          <p:cNvPr id="4" name="Footer Placeholder 3">
+          <p:cNvPr id="5" name="Footer Placeholder 7">
             <a:extLst>
               <a:ext uri="{FF2B5EF4-FFF2-40B4-BE49-F238E27FC236}">
-                <a16:creationId xmlns:a16="http://schemas.microsoft.com/office/drawing/2014/main" id="{8E059BE0-D868-413B-AAA1-1CC88D1F52C5}"/>
+                <a16:creationId xmlns:a16="http://schemas.microsoft.com/office/drawing/2014/main" id="{43FAF785-0C8D-730E-8E59-68198DC82CE0}"/>
               </a:ext>
             </a:extLst>
           </p:cNvPr>
@@ -2302,33 +2181,49 @@
             <p:ph type="ftr" sz="quarter" idx="4"/>
           </p:nvPr>
         </p:nvSpPr>
-        <p:spPr/>
+        <p:spPr>
+          <a:xfrm>
+            <a:off x="-1" y="8892000"/>
+            <a:ext cx="6488999" cy="252000"/>
+          </a:xfrm>
+          <a:prstGeom prst="rect">
+            <a:avLst/>
+          </a:prstGeom>
+        </p:spPr>
         <p:txBody>
-          <a:bodyPr/>
-          <a:lstStyle/>
-          <a:p>
-            <a:r>
-              <a:rPr lang="en-US"/>
-              <a:t>© SoftUni – </a:t>
-            </a:r>
-            <a:r>
-              <a:rPr lang="en-US" u="sng">
+          <a:bodyPr vert="horz" lIns="91440" tIns="45720" rIns="91440" bIns="45720" rtlCol="0" anchor="b"/>
+          <a:lstStyle>
+            <a:lvl1pPr algn="l">
+              <a:defRPr sz="1100"/>
+            </a:lvl1pPr>
+          </a:lstStyle>
+          <a:p>
+            <a:r>
+              <a:rPr lang="bg-BG" sz="1100" dirty="0"/>
+              <a:t>Работна група </a:t>
+            </a:r>
+            <a:r>
+              <a:rPr lang="bg-BG" dirty="0"/>
+              <a:t>"Образование по програмиране и ИТ"</a:t>
+            </a:r>
+            <a:r>
+              <a:rPr lang="bg-BG" sz="1100" dirty="0"/>
+              <a:t>, с подкрепата на </a:t>
+            </a:r>
+            <a:r>
+              <a:rPr lang="en-US" sz="1100" dirty="0">
                 <a:hlinkClick r:id="rId3"/>
               </a:rPr>
-              <a:t>https://softuni.org</a:t>
-            </a:r>
-            <a:r>
-              <a:rPr lang="en-US"/>
-              <a:t>. Copyrighted document. Unauthorized copy or reproduction is not permitted.</a:t>
-            </a:r>
-            <a:endParaRPr lang="en-US" dirty="0"/>
+              <a:t>SoftUni</a:t>
+            </a:r>
+            <a:endParaRPr lang="en-US" sz="1100" dirty="0"/>
           </a:p>
         </p:txBody>
       </p:sp>
     </p:spTree>
     <p:extLst>
       <p:ext uri="{BB962C8B-B14F-4D97-AF65-F5344CB8AC3E}">
-        <p14:creationId xmlns:p14="http://schemas.microsoft.com/office/powerpoint/2010/main" val="3466590374"/>
+        <p14:creationId xmlns:p14="http://schemas.microsoft.com/office/powerpoint/2010/main" val="2689344733"/>
       </p:ext>
     </p:extLst>
   </p:cSld>
@@ -2382,16 +2277,16 @@
           <a:bodyPr/>
           <a:lstStyle/>
           <a:p>
-            <a:endParaRPr lang="en-US"/>
+            <a:endParaRPr lang="en-US" dirty="0"/>
           </a:p>
         </p:txBody>
       </p:sp>
       <p:sp>
         <p:nvSpPr>
-          <p:cNvPr id="6" name="Slide Number Placeholder 5">
+          <p:cNvPr id="7" name="Slide Number Placeholder 5">
             <a:extLst>
               <a:ext uri="{FF2B5EF4-FFF2-40B4-BE49-F238E27FC236}">
-                <a16:creationId xmlns:a16="http://schemas.microsoft.com/office/drawing/2014/main" id="{6627548A-4D3C-449B-81A5-FA4BE4628490}"/>
+                <a16:creationId xmlns:a16="http://schemas.microsoft.com/office/drawing/2014/main" id="{5049B984-F964-47FF-8179-0A3007CE21CD}"/>
               </a:ext>
             </a:extLst>
           </p:cNvPr>
@@ -2510,7 +2405,237 @@
             <a:fld id="{3EBA5BD7-F043-4D1B-AA17-CD412FC534DE}" type="slidenum">
               <a:rPr lang="en-US" smtClean="0"/>
               <a:pPr/>
-              <a:t>22</a:t>
+              <a:t>23</a:t>
+            </a:fld>
+            <a:endParaRPr lang="en-US" dirty="0"/>
+          </a:p>
+        </p:txBody>
+      </p:sp>
+      <p:sp>
+        <p:nvSpPr>
+          <p:cNvPr id="4" name="Footer Placeholder 3">
+            <a:extLst>
+              <a:ext uri="{FF2B5EF4-FFF2-40B4-BE49-F238E27FC236}">
+                <a16:creationId xmlns:a16="http://schemas.microsoft.com/office/drawing/2014/main" id="{8E059BE0-D868-413B-AAA1-1CC88D1F52C5}"/>
+              </a:ext>
+            </a:extLst>
+          </p:cNvPr>
+          <p:cNvSpPr>
+            <a:spLocks noGrp="1"/>
+          </p:cNvSpPr>
+          <p:nvPr>
+            <p:ph type="ftr" sz="quarter" idx="4"/>
+          </p:nvPr>
+        </p:nvSpPr>
+        <p:spPr/>
+        <p:txBody>
+          <a:bodyPr/>
+          <a:lstStyle/>
+          <a:p>
+            <a:r>
+              <a:rPr lang="en-US"/>
+              <a:t>© SoftUni – </a:t>
+            </a:r>
+            <a:r>
+              <a:rPr lang="en-US" u="sng">
+                <a:hlinkClick r:id="rId3"/>
+              </a:rPr>
+              <a:t>https://softuni.org</a:t>
+            </a:r>
+            <a:r>
+              <a:rPr lang="en-US"/>
+              <a:t>. Copyrighted document. Unauthorized copy or reproduction is not permitted.</a:t>
+            </a:r>
+            <a:endParaRPr lang="en-US" dirty="0"/>
+          </a:p>
+        </p:txBody>
+      </p:sp>
+    </p:spTree>
+    <p:extLst>
+      <p:ext uri="{BB962C8B-B14F-4D97-AF65-F5344CB8AC3E}">
+        <p14:creationId xmlns:p14="http://schemas.microsoft.com/office/powerpoint/2010/main" val="3466590374"/>
+      </p:ext>
+    </p:extLst>
+  </p:cSld>
+  <p:clrMapOvr>
+    <a:masterClrMapping/>
+  </p:clrMapOvr>
+</p:notes>
+</file>
+
+<file path=ppt/notesSlides/notesSlide17.xml><?xml version="1.0" encoding="utf-8"?>
+<p:notes xmlns:a="http://schemas.openxmlformats.org/drawingml/2006/main" xmlns:r="http://schemas.openxmlformats.org/officeDocument/2006/relationships" xmlns:p="http://schemas.openxmlformats.org/presentationml/2006/main">
+  <p:cSld>
+    <p:spTree>
+      <p:nvGrpSpPr>
+        <p:cNvPr id="1" name=""/>
+        <p:cNvGrpSpPr/>
+        <p:nvPr/>
+      </p:nvGrpSpPr>
+      <p:grpSpPr>
+        <a:xfrm>
+          <a:off x="0" y="0"/>
+          <a:ext cx="0" cy="0"/>
+          <a:chOff x="0" y="0"/>
+          <a:chExt cx="0" cy="0"/>
+        </a:xfrm>
+      </p:grpSpPr>
+      <p:sp>
+        <p:nvSpPr>
+          <p:cNvPr id="2" name="Slide Image Placeholder 1"/>
+          <p:cNvSpPr>
+            <a:spLocks noGrp="1" noRot="1" noChangeAspect="1"/>
+          </p:cNvSpPr>
+          <p:nvPr>
+            <p:ph type="sldImg"/>
+          </p:nvPr>
+        </p:nvSpPr>
+        <p:spPr/>
+      </p:sp>
+      <p:sp>
+        <p:nvSpPr>
+          <p:cNvPr id="3" name="Notes Placeholder 2"/>
+          <p:cNvSpPr>
+            <a:spLocks noGrp="1"/>
+          </p:cNvSpPr>
+          <p:nvPr>
+            <p:ph type="body" idx="1"/>
+          </p:nvPr>
+        </p:nvSpPr>
+        <p:spPr/>
+        <p:txBody>
+          <a:bodyPr/>
+          <a:lstStyle/>
+          <a:p>
+            <a:endParaRPr lang="en-US"/>
+          </a:p>
+        </p:txBody>
+      </p:sp>
+      <p:sp>
+        <p:nvSpPr>
+          <p:cNvPr id="6" name="Slide Number Placeholder 5">
+            <a:extLst>
+              <a:ext uri="{FF2B5EF4-FFF2-40B4-BE49-F238E27FC236}">
+                <a16:creationId xmlns:a16="http://schemas.microsoft.com/office/drawing/2014/main" id="{6627548A-4D3C-449B-81A5-FA4BE4628490}"/>
+              </a:ext>
+            </a:extLst>
+          </p:cNvPr>
+          <p:cNvSpPr txBox="1">
+            <a:spLocks/>
+          </p:cNvSpPr>
+          <p:nvPr/>
+        </p:nvSpPr>
+        <p:spPr>
+          <a:xfrm>
+            <a:off x="6488999" y="8847000"/>
+            <a:ext cx="367414" cy="297000"/>
+          </a:xfrm>
+          <a:prstGeom prst="rect">
+            <a:avLst/>
+          </a:prstGeom>
+        </p:spPr>
+        <p:txBody>
+          <a:bodyPr vert="horz" lIns="91440" tIns="45720" rIns="91440" bIns="45720" rtlCol="0" anchor="b"/>
+          <a:lstStyle>
+            <a:defPPr>
+              <a:defRPr lang="en-US"/>
+            </a:defPPr>
+            <a:lvl1pPr marL="0" algn="r" defTabSz="914400" rtl="0" eaLnBrk="1" latinLnBrk="0" hangingPunct="1">
+              <a:defRPr sz="1200" kern="1200">
+                <a:solidFill>
+                  <a:schemeClr val="tx1"/>
+                </a:solidFill>
+                <a:latin typeface="+mn-lt"/>
+                <a:ea typeface="+mn-ea"/>
+                <a:cs typeface="+mn-cs"/>
+              </a:defRPr>
+            </a:lvl1pPr>
+            <a:lvl2pPr marL="457200" algn="l" defTabSz="914400" rtl="0" eaLnBrk="1" latinLnBrk="0" hangingPunct="1">
+              <a:defRPr sz="1800" kern="1200">
+                <a:solidFill>
+                  <a:schemeClr val="tx1"/>
+                </a:solidFill>
+                <a:latin typeface="+mn-lt"/>
+                <a:ea typeface="+mn-ea"/>
+                <a:cs typeface="+mn-cs"/>
+              </a:defRPr>
+            </a:lvl2pPr>
+            <a:lvl3pPr marL="914400" algn="l" defTabSz="914400" rtl="0" eaLnBrk="1" latinLnBrk="0" hangingPunct="1">
+              <a:defRPr sz="1800" kern="1200">
+                <a:solidFill>
+                  <a:schemeClr val="tx1"/>
+                </a:solidFill>
+                <a:latin typeface="+mn-lt"/>
+                <a:ea typeface="+mn-ea"/>
+                <a:cs typeface="+mn-cs"/>
+              </a:defRPr>
+            </a:lvl3pPr>
+            <a:lvl4pPr marL="1371600" algn="l" defTabSz="914400" rtl="0" eaLnBrk="1" latinLnBrk="0" hangingPunct="1">
+              <a:defRPr sz="1800" kern="1200">
+                <a:solidFill>
+                  <a:schemeClr val="tx1"/>
+                </a:solidFill>
+                <a:latin typeface="+mn-lt"/>
+                <a:ea typeface="+mn-ea"/>
+                <a:cs typeface="+mn-cs"/>
+              </a:defRPr>
+            </a:lvl4pPr>
+            <a:lvl5pPr marL="1828800" algn="l" defTabSz="914400" rtl="0" eaLnBrk="1" latinLnBrk="0" hangingPunct="1">
+              <a:defRPr sz="1800" kern="1200">
+                <a:solidFill>
+                  <a:schemeClr val="tx1"/>
+                </a:solidFill>
+                <a:latin typeface="+mn-lt"/>
+                <a:ea typeface="+mn-ea"/>
+                <a:cs typeface="+mn-cs"/>
+              </a:defRPr>
+            </a:lvl5pPr>
+            <a:lvl6pPr marL="2286000" algn="l" defTabSz="914400" rtl="0" eaLnBrk="1" latinLnBrk="0" hangingPunct="1">
+              <a:defRPr sz="1800" kern="1200">
+                <a:solidFill>
+                  <a:schemeClr val="tx1"/>
+                </a:solidFill>
+                <a:latin typeface="+mn-lt"/>
+                <a:ea typeface="+mn-ea"/>
+                <a:cs typeface="+mn-cs"/>
+              </a:defRPr>
+            </a:lvl6pPr>
+            <a:lvl7pPr marL="2743200" algn="l" defTabSz="914400" rtl="0" eaLnBrk="1" latinLnBrk="0" hangingPunct="1">
+              <a:defRPr sz="1800" kern="1200">
+                <a:solidFill>
+                  <a:schemeClr val="tx1"/>
+                </a:solidFill>
+                <a:latin typeface="+mn-lt"/>
+                <a:ea typeface="+mn-ea"/>
+                <a:cs typeface="+mn-cs"/>
+              </a:defRPr>
+            </a:lvl7pPr>
+            <a:lvl8pPr marL="3200400" algn="l" defTabSz="914400" rtl="0" eaLnBrk="1" latinLnBrk="0" hangingPunct="1">
+              <a:defRPr sz="1800" kern="1200">
+                <a:solidFill>
+                  <a:schemeClr val="tx1"/>
+                </a:solidFill>
+                <a:latin typeface="+mn-lt"/>
+                <a:ea typeface="+mn-ea"/>
+                <a:cs typeface="+mn-cs"/>
+              </a:defRPr>
+            </a:lvl8pPr>
+            <a:lvl9pPr marL="3657600" algn="l" defTabSz="914400" rtl="0" eaLnBrk="1" latinLnBrk="0" hangingPunct="1">
+              <a:defRPr sz="1800" kern="1200">
+                <a:solidFill>
+                  <a:schemeClr val="tx1"/>
+                </a:solidFill>
+                <a:latin typeface="+mn-lt"/>
+                <a:ea typeface="+mn-ea"/>
+                <a:cs typeface="+mn-cs"/>
+              </a:defRPr>
+            </a:lvl9pPr>
+          </a:lstStyle>
+          <a:p>
+            <a:fld id="{3EBA5BD7-F043-4D1B-AA17-CD412FC534DE}" type="slidenum">
+              <a:rPr lang="en-US" smtClean="0"/>
+              <a:pPr/>
+              <a:t>24</a:t>
             </a:fld>
             <a:endParaRPr lang="en-US" dirty="0"/>
           </a:p>
@@ -14450,6 +14575,603 @@
           <a:chExt cx="0" cy="0"/>
         </a:xfrm>
       </p:grpSpPr>
+      <p:sp>
+        <p:nvSpPr>
+          <p:cNvPr id="2" name="Slide Number Placeholder 1">
+            <a:extLst>
+              <a:ext uri="{FF2B5EF4-FFF2-40B4-BE49-F238E27FC236}">
+                <a16:creationId xmlns:a16="http://schemas.microsoft.com/office/drawing/2014/main" id="{48D25FEE-61D9-A4DA-C244-40C8F516343B}"/>
+              </a:ext>
+            </a:extLst>
+          </p:cNvPr>
+          <p:cNvSpPr>
+            <a:spLocks noGrp="1"/>
+          </p:cNvSpPr>
+          <p:nvPr>
+            <p:ph type="sldNum" sz="quarter" idx="5"/>
+          </p:nvPr>
+        </p:nvSpPr>
+        <p:spPr/>
+        <p:txBody>
+          <a:bodyPr/>
+          <a:lstStyle/>
+          <a:p>
+            <a:fld id="{2BF067CD-8E6B-4360-9AA8-C5DF2A48A6D1}" type="slidenum">
+              <a:rPr lang="en-US" noProof="0" smtClean="0"/>
+              <a:pPr/>
+              <a:t>20</a:t>
+            </a:fld>
+            <a:endParaRPr lang="en-US" noProof="0" dirty="0"/>
+          </a:p>
+        </p:txBody>
+      </p:sp>
+      <p:sp>
+        <p:nvSpPr>
+          <p:cNvPr id="3" name="Text Placeholder 2">
+            <a:extLst>
+              <a:ext uri="{FF2B5EF4-FFF2-40B4-BE49-F238E27FC236}">
+                <a16:creationId xmlns:a16="http://schemas.microsoft.com/office/drawing/2014/main" id="{C7A6B837-4EBC-7339-CC7D-8219ED6C8F67}"/>
+              </a:ext>
+            </a:extLst>
+          </p:cNvPr>
+          <p:cNvSpPr>
+            <a:spLocks noGrp="1"/>
+          </p:cNvSpPr>
+          <p:nvPr>
+            <p:ph type="body" sz="quarter" idx="10"/>
+          </p:nvPr>
+        </p:nvSpPr>
+        <p:spPr/>
+        <p:txBody>
+          <a:bodyPr/>
+          <a:lstStyle/>
+          <a:p>
+            <a:r>
+              <a:rPr lang="bg-BG" sz="3200" dirty="0"/>
+              <a:t>Кликаме върху </a:t>
+            </a:r>
+            <a:r>
+              <a:rPr lang="bg-BG" sz="3200" b="1" dirty="0"/>
+              <a:t>задача</a:t>
+            </a:r>
+            <a:r>
+              <a:rPr lang="bg-BG" sz="3200" dirty="0"/>
+              <a:t> </a:t>
+            </a:r>
+            <a:r>
+              <a:rPr lang="en-US" sz="3200" dirty="0">
+                <a:sym typeface="Wingdings" panose="05000000000000000000" pitchFamily="2" charset="2"/>
+              </a:rPr>
+              <a:t></a:t>
+            </a:r>
+            <a:r>
+              <a:rPr lang="bg-BG" sz="3200" dirty="0"/>
+              <a:t> </a:t>
+            </a:r>
+            <a:r>
+              <a:rPr lang="en-US" sz="3200" b="1" dirty="0"/>
+              <a:t>[</a:t>
+            </a:r>
+            <a:r>
+              <a:rPr lang="en-GB" sz="3200" b="1" dirty="0">
+                <a:solidFill>
+                  <a:schemeClr val="bg1"/>
+                </a:solidFill>
+              </a:rPr>
+              <a:t>Dates</a:t>
+            </a:r>
+            <a:r>
+              <a:rPr lang="en-GB" sz="3200" b="1" dirty="0"/>
+              <a:t>]</a:t>
+            </a:r>
+            <a:r>
+              <a:rPr lang="en-GB" sz="3200" dirty="0"/>
+              <a:t> </a:t>
+            </a:r>
+            <a:r>
+              <a:rPr lang="bg-BG" sz="3200" dirty="0"/>
+              <a:t>и избираме </a:t>
+            </a:r>
+            <a:r>
+              <a:rPr lang="bg-BG" sz="3200" b="1" dirty="0"/>
+              <a:t>първоначална</a:t>
+            </a:r>
+            <a:r>
+              <a:rPr lang="bg-BG" sz="3200" dirty="0"/>
+              <a:t> и </a:t>
+            </a:r>
+            <a:r>
+              <a:rPr lang="bg-BG" sz="3200" b="1" dirty="0"/>
+              <a:t>крайна дата </a:t>
+            </a:r>
+            <a:r>
+              <a:rPr lang="bg-BG" sz="3200" dirty="0"/>
+              <a:t>за </a:t>
+            </a:r>
+            <a:r>
+              <a:rPr lang="bg-BG" sz="3200" b="1" dirty="0">
+                <a:solidFill>
+                  <a:schemeClr val="bg1"/>
+                </a:solidFill>
+              </a:rPr>
+              <a:t>спринта</a:t>
+            </a:r>
+            <a:r>
+              <a:rPr lang="bg-BG" sz="3200" dirty="0"/>
+              <a:t> (напр. </a:t>
+            </a:r>
+            <a:r>
+              <a:rPr lang="bg-BG" sz="3200" b="1" dirty="0"/>
+              <a:t>2 седмици</a:t>
+            </a:r>
+            <a:r>
+              <a:rPr lang="bg-BG" sz="3200" dirty="0"/>
+              <a:t>)</a:t>
+            </a:r>
+            <a:endParaRPr lang="en-US" sz="3200" dirty="0"/>
+          </a:p>
+          <a:p>
+            <a:r>
+              <a:rPr lang="bg-BG" sz="3200" dirty="0"/>
+              <a:t>Кликаме върху </a:t>
+            </a:r>
+            <a:r>
+              <a:rPr lang="en-US" sz="3200" b="1" dirty="0"/>
+              <a:t>[</a:t>
+            </a:r>
+            <a:r>
+              <a:rPr lang="en-US" sz="3200" b="1" dirty="0">
+                <a:solidFill>
+                  <a:schemeClr val="bg1"/>
+                </a:solidFill>
+              </a:rPr>
+              <a:t>Save</a:t>
+            </a:r>
+            <a:r>
+              <a:rPr lang="en-US" sz="3200" b="1" dirty="0"/>
+              <a:t>]</a:t>
+            </a:r>
+          </a:p>
+          <a:p>
+            <a:r>
+              <a:rPr lang="bg-BG" sz="3200" dirty="0"/>
+              <a:t>Правим това за </a:t>
+            </a:r>
+            <a:r>
+              <a:rPr lang="bg-BG" sz="3200" b="1" dirty="0"/>
+              <a:t>всяка задача</a:t>
+            </a:r>
+          </a:p>
+          <a:p>
+            <a:endParaRPr lang="bg-BG" sz="3200" b="1" dirty="0"/>
+          </a:p>
+        </p:txBody>
+      </p:sp>
+      <p:sp>
+        <p:nvSpPr>
+          <p:cNvPr id="4" name="Title 3">
+            <a:extLst>
+              <a:ext uri="{FF2B5EF4-FFF2-40B4-BE49-F238E27FC236}">
+                <a16:creationId xmlns:a16="http://schemas.microsoft.com/office/drawing/2014/main" id="{64D3A082-97E2-2BE8-2E0E-9B7391C3A4B9}"/>
+              </a:ext>
+            </a:extLst>
+          </p:cNvPr>
+          <p:cNvSpPr>
+            <a:spLocks noGrp="1"/>
+          </p:cNvSpPr>
+          <p:nvPr>
+            <p:ph type="title"/>
+          </p:nvPr>
+        </p:nvSpPr>
+        <p:spPr/>
+        <p:txBody>
+          <a:bodyPr/>
+          <a:lstStyle/>
+          <a:p>
+            <a:r>
+              <a:rPr lang="bg-BG" dirty="0"/>
+              <a:t>Добавяне на срок</a:t>
+            </a:r>
+            <a:endParaRPr lang="en-BG" dirty="0"/>
+          </a:p>
+        </p:txBody>
+      </p:sp>
+      <p:pic>
+        <p:nvPicPr>
+          <p:cNvPr id="5" name="Picture 4">
+            <a:extLst>
+              <a:ext uri="{FF2B5EF4-FFF2-40B4-BE49-F238E27FC236}">
+                <a16:creationId xmlns:a16="http://schemas.microsoft.com/office/drawing/2014/main" id="{C1AE45CE-132F-C572-3A54-465AEF61338A}"/>
+              </a:ext>
+            </a:extLst>
+          </p:cNvPr>
+          <p:cNvPicPr>
+            <a:picLocks noChangeAspect="1"/>
+          </p:cNvPicPr>
+          <p:nvPr/>
+        </p:nvPicPr>
+        <p:blipFill>
+          <a:blip r:embed="rId2" cstate="print">
+            <a:extLst>
+              <a:ext uri="{28A0092B-C50C-407E-A947-70E740481C1C}">
+                <a14:useLocalDpi xmlns:a14="http://schemas.microsoft.com/office/drawing/2010/main" val="0"/>
+              </a:ext>
+            </a:extLst>
+          </a:blip>
+          <a:stretch>
+            <a:fillRect/>
+          </a:stretch>
+        </p:blipFill>
+        <p:spPr>
+          <a:xfrm>
+            <a:off x="7281261" y="2343250"/>
+            <a:ext cx="4084726" cy="4168088"/>
+          </a:xfrm>
+          <a:prstGeom prst="rect">
+            <a:avLst/>
+          </a:prstGeom>
+          <a:ln>
+            <a:solidFill>
+              <a:schemeClr val="bg2">
+                <a:lumMod val="75000"/>
+              </a:schemeClr>
+            </a:solidFill>
+          </a:ln>
+        </p:spPr>
+      </p:pic>
+      <p:pic>
+        <p:nvPicPr>
+          <p:cNvPr id="7" name="Picture 6">
+            <a:extLst>
+              <a:ext uri="{FF2B5EF4-FFF2-40B4-BE49-F238E27FC236}">
+                <a16:creationId xmlns:a16="http://schemas.microsoft.com/office/drawing/2014/main" id="{8BC2BA00-7DFA-3FC6-9B9A-6483DC87E37C}"/>
+              </a:ext>
+            </a:extLst>
+          </p:cNvPr>
+          <p:cNvPicPr>
+            <a:picLocks noChangeAspect="1"/>
+          </p:cNvPicPr>
+          <p:nvPr/>
+        </p:nvPicPr>
+        <p:blipFill>
+          <a:blip r:embed="rId3">
+            <a:extLst>
+              <a:ext uri="{28A0092B-C50C-407E-A947-70E740481C1C}">
+                <a14:useLocalDpi xmlns:a14="http://schemas.microsoft.com/office/drawing/2010/main" val="0"/>
+              </a:ext>
+            </a:extLst>
+          </a:blip>
+          <a:stretch>
+            <a:fillRect/>
+          </a:stretch>
+        </p:blipFill>
+        <p:spPr>
+          <a:xfrm>
+            <a:off x="826013" y="4508999"/>
+            <a:ext cx="2835196" cy="495000"/>
+          </a:xfrm>
+          <a:prstGeom prst="rect">
+            <a:avLst/>
+          </a:prstGeom>
+          <a:ln>
+            <a:solidFill>
+              <a:schemeClr val="bg2">
+                <a:lumMod val="75000"/>
+              </a:schemeClr>
+            </a:solidFill>
+          </a:ln>
+        </p:spPr>
+      </p:pic>
+      <p:sp>
+        <p:nvSpPr>
+          <p:cNvPr id="9" name="Arrow: Right 10">
+            <a:extLst>
+              <a:ext uri="{FF2B5EF4-FFF2-40B4-BE49-F238E27FC236}">
+                <a16:creationId xmlns:a16="http://schemas.microsoft.com/office/drawing/2014/main" id="{619F3B70-588E-311C-4E35-E4F267B31C47}"/>
+              </a:ext>
+            </a:extLst>
+          </p:cNvPr>
+          <p:cNvSpPr/>
+          <p:nvPr/>
+        </p:nvSpPr>
+        <p:spPr>
+          <a:xfrm>
+            <a:off x="4566000" y="4081011"/>
+            <a:ext cx="1870170" cy="1350977"/>
+          </a:xfrm>
+          <a:prstGeom prst="rightArrow">
+            <a:avLst/>
+          </a:prstGeom>
+          <a:solidFill>
+            <a:schemeClr val="tx1"/>
+          </a:solidFill>
+          <a:ln>
+            <a:solidFill>
+              <a:schemeClr val="tx1"/>
+            </a:solidFill>
+          </a:ln>
+        </p:spPr>
+        <p:style>
+          <a:lnRef idx="2">
+            <a:schemeClr val="accent1">
+              <a:shade val="50000"/>
+            </a:schemeClr>
+          </a:lnRef>
+          <a:fillRef idx="1">
+            <a:schemeClr val="accent1"/>
+          </a:fillRef>
+          <a:effectRef idx="0">
+            <a:schemeClr val="accent1"/>
+          </a:effectRef>
+          <a:fontRef idx="minor">
+            <a:schemeClr val="lt1"/>
+          </a:fontRef>
+        </p:style>
+        <p:txBody>
+          <a:bodyPr rtlCol="0" anchor="ctr"/>
+          <a:lstStyle/>
+          <a:p>
+            <a:pPr algn="ctr"/>
+            <a:endParaRPr lang="en-US" sz="2799"/>
+          </a:p>
+        </p:txBody>
+      </p:sp>
+    </p:spTree>
+    <p:extLst>
+      <p:ext uri="{BB962C8B-B14F-4D97-AF65-F5344CB8AC3E}">
+        <p14:creationId xmlns:p14="http://schemas.microsoft.com/office/powerpoint/2010/main" val="1255788667"/>
+      </p:ext>
+    </p:extLst>
+  </p:cSld>
+  <p:clrMapOvr>
+    <a:masterClrMapping/>
+  </p:clrMapOvr>
+  <mc:AlternateContent xmlns:mc="http://schemas.openxmlformats.org/markup-compatibility/2006">
+    <mc:Choice xmlns:p14="http://schemas.microsoft.com/office/powerpoint/2010/main" Requires="p14">
+      <p:transition spd="slow" p14:dur="2000" advClick="0" advTm="5000"/>
+    </mc:Choice>
+    <mc:Fallback>
+      <p:transition spd="slow" advClick="0" advTm="5000"/>
+    </mc:Fallback>
+  </mc:AlternateContent>
+  <p:timing>
+    <p:tnLst>
+      <p:par>
+        <p:cTn id="1" dur="indefinite" restart="never" nodeType="tmRoot">
+          <p:childTnLst>
+            <p:seq concurrent="1" nextAc="seek">
+              <p:cTn id="2" dur="indefinite" nodeType="mainSeq">
+                <p:childTnLst>
+                  <p:par>
+                    <p:cTn id="3" fill="hold">
+                      <p:stCondLst>
+                        <p:cond delay="indefinite"/>
+                      </p:stCondLst>
+                      <p:childTnLst>
+                        <p:par>
+                          <p:cTn id="4" fill="hold">
+                            <p:stCondLst>
+                              <p:cond delay="0"/>
+                            </p:stCondLst>
+                            <p:childTnLst>
+                              <p:par>
+                                <p:cTn id="5" presetID="1" presetClass="entr" presetSubtype="0" fill="hold" grpId="0" nodeType="clickEffect">
+                                  <p:stCondLst>
+                                    <p:cond delay="0"/>
+                                  </p:stCondLst>
+                                  <p:childTnLst>
+                                    <p:set>
+                                      <p:cBhvr>
+                                        <p:cTn id="6" dur="1" fill="hold">
+                                          <p:stCondLst>
+                                            <p:cond delay="0"/>
+                                          </p:stCondLst>
+                                        </p:cTn>
+                                        <p:tgtEl>
+                                          <p:spTgt spid="9"/>
+                                        </p:tgtEl>
+                                        <p:attrNameLst>
+                                          <p:attrName>style.visibility</p:attrName>
+                                        </p:attrNameLst>
+                                      </p:cBhvr>
+                                      <p:to>
+                                        <p:strVal val="visible"/>
+                                      </p:to>
+                                    </p:set>
+                                  </p:childTnLst>
+                                </p:cTn>
+                              </p:par>
+                            </p:childTnLst>
+                          </p:cTn>
+                        </p:par>
+                      </p:childTnLst>
+                    </p:cTn>
+                  </p:par>
+                </p:childTnLst>
+              </p:cTn>
+              <p:prevCondLst>
+                <p:cond evt="onPrev" delay="0">
+                  <p:tgtEl>
+                    <p:sldTgt/>
+                  </p:tgtEl>
+                </p:cond>
+              </p:prevCondLst>
+              <p:nextCondLst>
+                <p:cond evt="onNext" delay="0">
+                  <p:tgtEl>
+                    <p:sldTgt/>
+                  </p:tgtEl>
+                </p:cond>
+              </p:nextCondLst>
+            </p:seq>
+          </p:childTnLst>
+        </p:cTn>
+      </p:par>
+    </p:tnLst>
+    <p:bldLst>
+      <p:bldP spid="9" grpId="0" animBg="1"/>
+    </p:bldLst>
+  </p:timing>
+</p:sld>
+</file>
+
+<file path=ppt/slides/slide21.xml><?xml version="1.0" encoding="utf-8"?>
+<p:sld xmlns:a="http://schemas.openxmlformats.org/drawingml/2006/main" xmlns:r="http://schemas.openxmlformats.org/officeDocument/2006/relationships" xmlns:p="http://schemas.openxmlformats.org/presentationml/2006/main">
+  <p:cSld>
+    <p:spTree>
+      <p:nvGrpSpPr>
+        <p:cNvPr id="1" name=""/>
+        <p:cNvGrpSpPr/>
+        <p:nvPr/>
+      </p:nvGrpSpPr>
+      <p:grpSpPr>
+        <a:xfrm>
+          <a:off x="0" y="0"/>
+          <a:ext cx="0" cy="0"/>
+          <a:chOff x="0" y="0"/>
+          <a:chExt cx="0" cy="0"/>
+        </a:xfrm>
+      </p:grpSpPr>
+      <p:sp>
+        <p:nvSpPr>
+          <p:cNvPr id="2" name="Slide Number Placeholder 1">
+            <a:extLst>
+              <a:ext uri="{FF2B5EF4-FFF2-40B4-BE49-F238E27FC236}">
+                <a16:creationId xmlns:a16="http://schemas.microsoft.com/office/drawing/2014/main" id="{48D25FEE-61D9-A4DA-C244-40C8F516343B}"/>
+              </a:ext>
+            </a:extLst>
+          </p:cNvPr>
+          <p:cNvSpPr>
+            <a:spLocks noGrp="1"/>
+          </p:cNvSpPr>
+          <p:nvPr>
+            <p:ph type="sldNum" sz="quarter" idx="5"/>
+          </p:nvPr>
+        </p:nvSpPr>
+        <p:spPr/>
+        <p:txBody>
+          <a:bodyPr/>
+          <a:lstStyle/>
+          <a:p>
+            <a:fld id="{2BF067CD-8E6B-4360-9AA8-C5DF2A48A6D1}" type="slidenum">
+              <a:rPr lang="en-US" noProof="0" smtClean="0"/>
+              <a:pPr/>
+              <a:t>21</a:t>
+            </a:fld>
+            <a:endParaRPr lang="en-US" noProof="0" dirty="0"/>
+          </a:p>
+        </p:txBody>
+      </p:sp>
+      <p:sp>
+        <p:nvSpPr>
+          <p:cNvPr id="4" name="Title 3">
+            <a:extLst>
+              <a:ext uri="{FF2B5EF4-FFF2-40B4-BE49-F238E27FC236}">
+                <a16:creationId xmlns:a16="http://schemas.microsoft.com/office/drawing/2014/main" id="{64D3A082-97E2-2BE8-2E0E-9B7391C3A4B9}"/>
+              </a:ext>
+            </a:extLst>
+          </p:cNvPr>
+          <p:cNvSpPr>
+            <a:spLocks noGrp="1"/>
+          </p:cNvSpPr>
+          <p:nvPr>
+            <p:ph type="title"/>
+          </p:nvPr>
+        </p:nvSpPr>
+        <p:spPr/>
+        <p:txBody>
+          <a:bodyPr/>
+          <a:lstStyle/>
+          <a:p>
+            <a:r>
+              <a:rPr lang="bg-BG" dirty="0"/>
+              <a:t>Резултат</a:t>
+            </a:r>
+            <a:endParaRPr lang="en-BG" dirty="0"/>
+          </a:p>
+        </p:txBody>
+      </p:sp>
+      <p:pic>
+        <p:nvPicPr>
+          <p:cNvPr id="11" name="Picture 10">
+            <a:extLst>
+              <a:ext uri="{FF2B5EF4-FFF2-40B4-BE49-F238E27FC236}">
+                <a16:creationId xmlns:a16="http://schemas.microsoft.com/office/drawing/2014/main" id="{BAA9D4D3-E9A3-9D7C-7038-00EA1FFC42CC}"/>
+              </a:ext>
+            </a:extLst>
+          </p:cNvPr>
+          <p:cNvPicPr>
+            <a:picLocks noChangeAspect="1"/>
+          </p:cNvPicPr>
+          <p:nvPr/>
+        </p:nvPicPr>
+        <p:blipFill>
+          <a:blip r:embed="rId3">
+            <a:extLst>
+              <a:ext uri="{28A0092B-C50C-407E-A947-70E740481C1C}">
+                <a14:useLocalDpi xmlns:a14="http://schemas.microsoft.com/office/drawing/2010/main" val="0"/>
+              </a:ext>
+            </a:extLst>
+          </a:blip>
+          <a:stretch>
+            <a:fillRect/>
+          </a:stretch>
+        </p:blipFill>
+        <p:spPr>
+          <a:xfrm>
+            <a:off x="142819" y="2371500"/>
+            <a:ext cx="11906362" cy="2115000"/>
+          </a:xfrm>
+          <a:prstGeom prst="rect">
+            <a:avLst/>
+          </a:prstGeom>
+          <a:ln>
+            <a:solidFill>
+              <a:schemeClr val="bg2">
+                <a:lumMod val="75000"/>
+              </a:schemeClr>
+            </a:solidFill>
+          </a:ln>
+        </p:spPr>
+      </p:pic>
+    </p:spTree>
+    <p:extLst>
+      <p:ext uri="{BB962C8B-B14F-4D97-AF65-F5344CB8AC3E}">
+        <p14:creationId xmlns:p14="http://schemas.microsoft.com/office/powerpoint/2010/main" val="2579223216"/>
+      </p:ext>
+    </p:extLst>
+  </p:cSld>
+  <p:clrMapOvr>
+    <a:masterClrMapping/>
+  </p:clrMapOvr>
+  <mc:AlternateContent xmlns:mc="http://schemas.openxmlformats.org/markup-compatibility/2006">
+    <mc:Choice xmlns:p14="http://schemas.microsoft.com/office/powerpoint/2010/main" Requires="p14">
+      <p:transition spd="slow" p14:dur="2000" advClick="0" advTm="5000"/>
+    </mc:Choice>
+    <mc:Fallback>
+      <p:transition spd="slow" advClick="0" advTm="5000"/>
+    </mc:Fallback>
+  </mc:AlternateContent>
+</p:sld>
+</file>
+
+<file path=ppt/slides/slide22.xml><?xml version="1.0" encoding="utf-8"?>
+<p:sld xmlns:a="http://schemas.openxmlformats.org/drawingml/2006/main" xmlns:r="http://schemas.openxmlformats.org/officeDocument/2006/relationships" xmlns:p="http://schemas.openxmlformats.org/presentationml/2006/main">
+  <p:cSld>
+    <p:spTree>
+      <p:nvGrpSpPr>
+        <p:cNvPr id="1" name=""/>
+        <p:cNvGrpSpPr/>
+        <p:nvPr/>
+      </p:nvGrpSpPr>
+      <p:grpSpPr>
+        <a:xfrm>
+          <a:off x="0" y="0"/>
+          <a:ext cx="0" cy="0"/>
+          <a:chOff x="0" y="0"/>
+          <a:chExt cx="0" cy="0"/>
+        </a:xfrm>
+      </p:grpSpPr>
       <p:grpSp>
         <p:nvGrpSpPr>
           <p:cNvPr id="3" name="Summary Box Group">
@@ -15165,7 +15887,7 @@
             <a:fld id="{2BF067CD-8E6B-4360-9AA8-C5DF2A48A6D1}" type="slidenum">
               <a:rPr lang="en-US" noProof="0" smtClean="0"/>
               <a:pPr/>
-              <a:t>20</a:t>
+              <a:t>22</a:t>
             </a:fld>
             <a:endParaRPr lang="en-US" noProof="0" dirty="0"/>
           </a:p>
@@ -15516,7 +16238,7 @@
 </p:sld>
 </file>
 
-<file path=ppt/slides/slide21.xml><?xml version="1.0" encoding="utf-8"?>
+<file path=ppt/slides/slide23.xml><?xml version="1.0" encoding="utf-8"?>
 <p:sld xmlns:a="http://schemas.openxmlformats.org/drawingml/2006/main" xmlns:r="http://schemas.openxmlformats.org/officeDocument/2006/relationships" xmlns:p="http://schemas.openxmlformats.org/presentationml/2006/main">
   <p:cSld>
     <p:spTree>
@@ -15706,7 +16428,7 @@
 </p:sld>
 </file>
 
-<file path=ppt/slides/slide22.xml><?xml version="1.0" encoding="utf-8"?>
+<file path=ppt/slides/slide24.xml><?xml version="1.0" encoding="utf-8"?>
 <p:sld xmlns:a="http://schemas.openxmlformats.org/drawingml/2006/main" xmlns:r="http://schemas.openxmlformats.org/officeDocument/2006/relationships" xmlns:p="http://schemas.openxmlformats.org/presentationml/2006/main" show="0">
   <p:cSld>
     <p:spTree>
@@ -15759,7 +16481,7 @@
             <a:fld id="{2BF067CD-8E6B-4360-9AA8-C5DF2A48A6D1}" type="slidenum">
               <a:rPr lang="en-US" smtClean="0"/>
               <a:pPr/>
-              <a:t>22</a:t>
+              <a:t>24</a:t>
             </a:fld>
             <a:endParaRPr lang="en-US" dirty="0"/>
           </a:p>
@@ -18251,11 +18973,11 @@
   <p:clrMapOvr>
     <a:masterClrMapping/>
   </p:clrMapOvr>
-  <mc:AlternateContent xmlns:mc="http://schemas.openxmlformats.org/markup-compatibility/2006">
-    <mc:Choice xmlns:p14="http://schemas.microsoft.com/office/powerpoint/2010/main" Requires="p14">
+  <mc:AlternateContent xmlns:mc="http://schemas.openxmlformats.org/markup-compatibility/2006" xmlns:p14="http://schemas.microsoft.com/office/powerpoint/2010/main">
+    <mc:Choice Requires="p14">
       <p:transition spd="slow" p14:dur="2000" advClick="0" advTm="5000"/>
     </mc:Choice>
-    <mc:Fallback>
+    <mc:Fallback xmlns="">
       <p:transition spd="slow" advClick="0" advTm="5000"/>
     </mc:Fallback>
   </mc:AlternateContent>

--- a/Courses/Software-Sciences/IT-Module-4-Problem-Solving-with-ICT/03-Iterative-(Cyclical)-Models/03-Iterative-(Cyclical)-Models.pptx
+++ b/Courses/Software-Sciences/IT-Module-4-Problem-Solving-with-ICT/03-Iterative-(Cyclical)-Models/03-Iterative-(Cyclical)-Models.pptx
@@ -518,7 +518,7 @@
           <a:p>
             <a:fld id="{72D84649-876A-46C9-8472-14CB09C070D8}" type="datetimeFigureOut">
               <a:rPr lang="en-US" smtClean="0"/>
-              <a:t>5/15/25</a:t>
+              <a:t>5/16/25</a:t>
             </a:fld>
             <a:endParaRPr lang="en-US"/>
           </a:p>
@@ -14926,11 +14926,11 @@
   <p:clrMapOvr>
     <a:masterClrMapping/>
   </p:clrMapOvr>
-  <mc:AlternateContent xmlns:mc="http://schemas.openxmlformats.org/markup-compatibility/2006">
-    <mc:Choice xmlns:p14="http://schemas.microsoft.com/office/powerpoint/2010/main" Requires="p14">
+  <mc:AlternateContent xmlns:mc="http://schemas.openxmlformats.org/markup-compatibility/2006" xmlns:p14="http://schemas.microsoft.com/office/powerpoint/2010/main">
+    <mc:Choice Requires="p14">
       <p:transition spd="slow" p14:dur="2000" advClick="0" advTm="5000"/>
     </mc:Choice>
-    <mc:Fallback>
+    <mc:Fallback xmlns="">
       <p:transition spd="slow" advClick="0" advTm="5000"/>
     </mc:Fallback>
   </mc:AlternateContent>
@@ -14969,6 +14969,149 @@
                                         </p:cTn>
                                         <p:tgtEl>
                                           <p:spTgt spid="9"/>
+                                        </p:tgtEl>
+                                        <p:attrNameLst>
+                                          <p:attrName>style.visibility</p:attrName>
+                                        </p:attrNameLst>
+                                      </p:cBhvr>
+                                      <p:to>
+                                        <p:strVal val="visible"/>
+                                      </p:to>
+                                    </p:set>
+                                  </p:childTnLst>
+                                </p:cTn>
+                              </p:par>
+                            </p:childTnLst>
+                          </p:cTn>
+                        </p:par>
+                      </p:childTnLst>
+                    </p:cTn>
+                  </p:par>
+                  <p:par>
+                    <p:cTn id="7" fill="hold">
+                      <p:stCondLst>
+                        <p:cond delay="indefinite"/>
+                      </p:stCondLst>
+                      <p:childTnLst>
+                        <p:par>
+                          <p:cTn id="8" fill="hold">
+                            <p:stCondLst>
+                              <p:cond delay="0"/>
+                            </p:stCondLst>
+                            <p:childTnLst>
+                              <p:par>
+                                <p:cTn id="9" presetID="1" presetClass="entr" presetSubtype="0" fill="hold" nodeType="clickEffect">
+                                  <p:stCondLst>
+                                    <p:cond delay="0"/>
+                                  </p:stCondLst>
+                                  <p:childTnLst>
+                                    <p:set>
+                                      <p:cBhvr>
+                                        <p:cTn id="10" dur="1" fill="hold">
+                                          <p:stCondLst>
+                                            <p:cond delay="0"/>
+                                          </p:stCondLst>
+                                        </p:cTn>
+                                        <p:tgtEl>
+                                          <p:spTgt spid="5"/>
+                                        </p:tgtEl>
+                                        <p:attrNameLst>
+                                          <p:attrName>style.visibility</p:attrName>
+                                        </p:attrNameLst>
+                                      </p:cBhvr>
+                                      <p:to>
+                                        <p:strVal val="visible"/>
+                                      </p:to>
+                                    </p:set>
+                                  </p:childTnLst>
+                                </p:cTn>
+                              </p:par>
+                            </p:childTnLst>
+                          </p:cTn>
+                        </p:par>
+                      </p:childTnLst>
+                    </p:cTn>
+                  </p:par>
+                  <p:par>
+                    <p:cTn id="11" fill="hold">
+                      <p:stCondLst>
+                        <p:cond delay="indefinite"/>
+                      </p:stCondLst>
+                      <p:childTnLst>
+                        <p:par>
+                          <p:cTn id="12" fill="hold">
+                            <p:stCondLst>
+                              <p:cond delay="0"/>
+                            </p:stCondLst>
+                            <p:childTnLst>
+                              <p:par>
+                                <p:cTn id="13" presetID="1" presetClass="entr" presetSubtype="0" fill="hold" nodeType="clickEffect">
+                                  <p:stCondLst>
+                                    <p:cond delay="0"/>
+                                  </p:stCondLst>
+                                  <p:childTnLst>
+                                    <p:set>
+                                      <p:cBhvr>
+                                        <p:cTn id="14" dur="1" fill="hold">
+                                          <p:stCondLst>
+                                            <p:cond delay="0"/>
+                                          </p:stCondLst>
+                                        </p:cTn>
+                                        <p:tgtEl>
+                                          <p:spTgt spid="3">
+                                            <p:txEl>
+                                              <p:pRg st="1" end="1"/>
+                                            </p:txEl>
+                                          </p:spTgt>
+                                        </p:tgtEl>
+                                        <p:attrNameLst>
+                                          <p:attrName>style.visibility</p:attrName>
+                                        </p:attrNameLst>
+                                      </p:cBhvr>
+                                      <p:to>
+                                        <p:strVal val="visible"/>
+                                      </p:to>
+                                    </p:set>
+                                  </p:childTnLst>
+                                </p:cTn>
+                              </p:par>
+                            </p:childTnLst>
+                          </p:cTn>
+                        </p:par>
+                      </p:childTnLst>
+                    </p:cTn>
+                  </p:par>
+                  <p:par>
+                    <p:cTn id="15" fill="hold">
+                      <p:stCondLst>
+                        <p:cond delay="indefinite"/>
+                      </p:stCondLst>
+                      <p:childTnLst>
+                        <p:par>
+                          <p:cTn id="16" fill="hold">
+                            <p:stCondLst>
+                              <p:cond delay="0"/>
+                            </p:stCondLst>
+                            <p:childTnLst>
+                              <p:par>
+                                <p:cTn id="17" presetID="1" presetClass="entr" presetSubtype="0" fill="hold" nodeType="clickEffect">
+                                  <p:stCondLst>
+                                    <p:cond delay="0"/>
+                                  </p:stCondLst>
+                                  <p:childTnLst>
+                                    <p:set>
+                                      <p:cBhvr>
+                                        <p:cTn id="18" dur="1" fill="hold">
+                                          <p:stCondLst>
+                                            <p:cond delay="0"/>
+                                          </p:stCondLst>
+                                        </p:cTn>
+                                        <p:tgtEl>
+                                          <p:spTgt spid="3">
+                                            <p:txEl>
+                                              <p:pRg st="2" end="2"/>
+                                            </p:txEl>
+                                          </p:spTgt>
                                         </p:tgtEl>
                                         <p:attrNameLst>
                                           <p:attrName>style.visibility</p:attrName>
@@ -15144,11 +15287,11 @@
   <p:clrMapOvr>
     <a:masterClrMapping/>
   </p:clrMapOvr>
-  <mc:AlternateContent xmlns:mc="http://schemas.openxmlformats.org/markup-compatibility/2006">
-    <mc:Choice xmlns:p14="http://schemas.microsoft.com/office/powerpoint/2010/main" Requires="p14">
+  <mc:AlternateContent xmlns:mc="http://schemas.openxmlformats.org/markup-compatibility/2006" xmlns:p14="http://schemas.microsoft.com/office/powerpoint/2010/main">
+    <mc:Choice Requires="p14">
       <p:transition spd="slow" p14:dur="2000" advClick="0" advTm="5000"/>
     </mc:Choice>
-    <mc:Fallback>
+    <mc:Fallback xmlns="">
       <p:transition spd="slow" advClick="0" advTm="5000"/>
     </mc:Fallback>
   </mc:AlternateContent>

--- a/Courses/Software-Sciences/IT-Module-4-Problem-Solving-with-ICT/03-Iterative-(Cyclical)-Models/03-Iterative-(Cyclical)-Models.pptx
+++ b/Courses/Software-Sciences/IT-Module-4-Problem-Solving-with-ICT/03-Iterative-(Cyclical)-Models/03-Iterative-(Cyclical)-Models.pptx
@@ -322,7 +322,7 @@
           <a:p>
             <a:fld id="{4E087215-0C8F-4762-A664-737A353EC9A4}" type="datetimeFigureOut">
               <a:rPr lang="bg-BG" smtClean="0"/>
-              <a:t>16.05.25 г.</a:t>
+              <a:t>2.06.25 г.</a:t>
             </a:fld>
             <a:endParaRPr lang="bg-BG"/>
           </a:p>
@@ -518,7 +518,7 @@
           <a:p>
             <a:fld id="{72D84649-876A-46C9-8472-14CB09C070D8}" type="datetimeFigureOut">
               <a:rPr lang="en-US" smtClean="0"/>
-              <a:t>5/16/25</a:t>
+              <a:t>6/2/25</a:t>
             </a:fld>
             <a:endParaRPr lang="en-US"/>
           </a:p>
@@ -9856,8 +9856,8 @@
         </p:blipFill>
         <p:spPr>
           <a:xfrm>
-            <a:off x="572403" y="3038128"/>
-            <a:ext cx="1897168" cy="885072"/>
+            <a:off x="572403" y="3055226"/>
+            <a:ext cx="1897168" cy="850875"/>
           </a:xfrm>
           <a:prstGeom prst="rect">
             <a:avLst/>
